--- a/BaoCao/SlideDoAn_NguyenNgocAnh_2017605519.pptx
+++ b/BaoCao/SlideDoAn_NguyenNgocAnh_2017605519.pptx
@@ -4,30 +4,26 @@
   <p:sldMasterIdLst>
     <p:sldMasterId id="2147483648" r:id="rId1"/>
   </p:sldMasterIdLst>
+  <p:notesMasterIdLst>
+    <p:notesMasterId r:id="rId18"/>
+  </p:notesMasterIdLst>
   <p:sldIdLst>
     <p:sldId id="256" r:id="rId2"/>
     <p:sldId id="305" r:id="rId3"/>
     <p:sldId id="315" r:id="rId4"/>
-    <p:sldId id="298" r:id="rId5"/>
-    <p:sldId id="297" r:id="rId6"/>
-    <p:sldId id="314" r:id="rId7"/>
-    <p:sldId id="311" r:id="rId8"/>
-    <p:sldId id="309" r:id="rId9"/>
-    <p:sldId id="307" r:id="rId10"/>
-    <p:sldId id="290" r:id="rId11"/>
-    <p:sldId id="302" r:id="rId12"/>
-    <p:sldId id="301" r:id="rId13"/>
-    <p:sldId id="308" r:id="rId14"/>
-    <p:sldId id="310" r:id="rId15"/>
-    <p:sldId id="287" r:id="rId16"/>
-    <p:sldId id="294" r:id="rId17"/>
-    <p:sldId id="312" r:id="rId18"/>
-    <p:sldId id="296" r:id="rId19"/>
-    <p:sldId id="295" r:id="rId20"/>
-    <p:sldId id="293" r:id="rId21"/>
-    <p:sldId id="316" r:id="rId22"/>
-    <p:sldId id="286" r:id="rId23"/>
-    <p:sldId id="284" r:id="rId24"/>
+    <p:sldId id="314" r:id="rId5"/>
+    <p:sldId id="311" r:id="rId6"/>
+    <p:sldId id="309" r:id="rId7"/>
+    <p:sldId id="307" r:id="rId8"/>
+    <p:sldId id="290" r:id="rId9"/>
+    <p:sldId id="301" r:id="rId10"/>
+    <p:sldId id="308" r:id="rId11"/>
+    <p:sldId id="310" r:id="rId12"/>
+    <p:sldId id="287" r:id="rId13"/>
+    <p:sldId id="294" r:id="rId14"/>
+    <p:sldId id="312" r:id="rId15"/>
+    <p:sldId id="286" r:id="rId16"/>
+    <p:sldId id="284" r:id="rId17"/>
   </p:sldIdLst>
   <p:sldSz cx="12192000" cy="6858000"/>
   <p:notesSz cx="6858000" cy="9144000"/>
@@ -134,1918 +130,354 @@
 </p:presentation>
 </file>
 
-<file path=ppt/charts/chart1.xml><?xml version="1.0" encoding="utf-8"?>
-<c:chartSpace xmlns:c="http://schemas.openxmlformats.org/drawingml/2006/chart" xmlns:a="http://schemas.openxmlformats.org/drawingml/2006/main" xmlns:r="http://schemas.openxmlformats.org/officeDocument/2006/relationships" xmlns:c16r2="http://schemas.microsoft.com/office/drawing/2015/06/chart">
-  <c:date1904 val="0"/>
-  <c:lang val="en-US"/>
-  <c:roundedCorners val="0"/>
-  <mc:AlternateContent xmlns:mc="http://schemas.openxmlformats.org/markup-compatibility/2006">
-    <mc:Choice xmlns:c14="http://schemas.microsoft.com/office/drawing/2007/8/2/chart" Requires="c14">
-      <c14:style val="102"/>
-    </mc:Choice>
-    <mc:Fallback>
-      <c:style val="2"/>
-    </mc:Fallback>
-  </mc:AlternateContent>
-  <c:chart>
-    <c:title>
-      <c:tx>
-        <c:rich>
-          <a:bodyPr rot="0" spcFirstLastPara="1" vertOverflow="ellipsis" vert="horz" wrap="square" anchor="ctr" anchorCtr="1"/>
-          <a:lstStyle/>
-          <a:p>
-            <a:pPr>
-              <a:defRPr sz="1862" b="0" i="0" u="none" strike="noStrike" kern="1200" spc="0" baseline="0">
-                <a:solidFill>
-                  <a:schemeClr val="tx1">
-                    <a:lumMod val="65000"/>
-                    <a:lumOff val="35000"/>
-                  </a:schemeClr>
-                </a:solidFill>
-                <a:latin typeface="+mn-lt"/>
-                <a:ea typeface="+mn-ea"/>
-                <a:cs typeface="+mn-cs"/>
-              </a:defRPr>
-            </a:pPr>
-            <a:r>
-              <a:rPr lang="en-US" sz="1800" dirty="0" smtClean="0">
-                <a:effectLst/>
-              </a:rPr>
-              <a:t>Biểu đồ thống</a:t>
-            </a:r>
-            <a:r>
-              <a:rPr lang="en-US" sz="1800" baseline="0" dirty="0" smtClean="0">
-                <a:effectLst/>
-              </a:rPr>
-              <a:t> kê </a:t>
-            </a:r>
-            <a:r>
-              <a:rPr lang="en-US" sz="1800" dirty="0" smtClean="0">
-                <a:effectLst/>
-              </a:rPr>
-              <a:t>số người sử dụng internet ở Việt Nam</a:t>
-            </a:r>
-            <a:endParaRPr lang="en-US" dirty="0">
-              <a:effectLst/>
-            </a:endParaRPr>
-          </a:p>
-        </c:rich>
-      </c:tx>
-      <c:overlay val="0"/>
-      <c:spPr>
-        <a:noFill/>
-        <a:ln>
+<file path=ppt/notesMasters/notesMaster1.xml><?xml version="1.0" encoding="utf-8"?>
+<p:notesMaster xmlns:a="http://schemas.openxmlformats.org/drawingml/2006/main" xmlns:r="http://schemas.openxmlformats.org/officeDocument/2006/relationships" xmlns:p="http://schemas.openxmlformats.org/presentationml/2006/main">
+  <p:cSld>
+    <p:bg>
+      <p:bgRef idx="1001">
+        <a:schemeClr val="bg1"/>
+      </p:bgRef>
+    </p:bg>
+    <p:spTree>
+      <p:nvGrpSpPr>
+        <p:cNvPr id="1" name=""/>
+        <p:cNvGrpSpPr/>
+        <p:nvPr/>
+      </p:nvGrpSpPr>
+      <p:grpSpPr>
+        <a:xfrm>
+          <a:off x="0" y="0"/>
+          <a:ext cx="0" cy="0"/>
+          <a:chOff x="0" y="0"/>
+          <a:chExt cx="0" cy="0"/>
+        </a:xfrm>
+      </p:grpSpPr>
+      <p:sp>
+        <p:nvSpPr>
+          <p:cNvPr id="2" name="Header Placeholder 1"/>
+          <p:cNvSpPr>
+            <a:spLocks noGrp="1"/>
+          </p:cNvSpPr>
+          <p:nvPr>
+            <p:ph type="hdr" sz="quarter"/>
+          </p:nvPr>
+        </p:nvSpPr>
+        <p:spPr>
+          <a:xfrm>
+            <a:off x="0" y="0"/>
+            <a:ext cx="2971800" cy="458788"/>
+          </a:xfrm>
+          <a:prstGeom prst="rect">
+            <a:avLst/>
+          </a:prstGeom>
+        </p:spPr>
+        <p:txBody>
+          <a:bodyPr vert="horz" lIns="91440" tIns="45720" rIns="91440" bIns="45720" rtlCol="0"/>
+          <a:lstStyle>
+            <a:lvl1pPr algn="l">
+              <a:defRPr sz="1200"/>
+            </a:lvl1pPr>
+          </a:lstStyle>
+          <a:p>
+            <a:endParaRPr lang="en-US"/>
+          </a:p>
+        </p:txBody>
+      </p:sp>
+      <p:sp>
+        <p:nvSpPr>
+          <p:cNvPr id="3" name="Date Placeholder 2"/>
+          <p:cNvSpPr>
+            <a:spLocks noGrp="1"/>
+          </p:cNvSpPr>
+          <p:nvPr>
+            <p:ph type="dt" idx="1"/>
+          </p:nvPr>
+        </p:nvSpPr>
+        <p:spPr>
+          <a:xfrm>
+            <a:off x="3884613" y="0"/>
+            <a:ext cx="2971800" cy="458788"/>
+          </a:xfrm>
+          <a:prstGeom prst="rect">
+            <a:avLst/>
+          </a:prstGeom>
+        </p:spPr>
+        <p:txBody>
+          <a:bodyPr vert="horz" lIns="91440" tIns="45720" rIns="91440" bIns="45720" rtlCol="0"/>
+          <a:lstStyle>
+            <a:lvl1pPr algn="r">
+              <a:defRPr sz="1200"/>
+            </a:lvl1pPr>
+          </a:lstStyle>
+          <a:p>
+            <a:fld id="{B35011D6-6F9E-4E37-8BF1-4002221BF9B3}" type="datetimeFigureOut">
+              <a:rPr lang="en-US" smtClean="0"/>
+              <a:t>5/16/2022</a:t>
+            </a:fld>
+            <a:endParaRPr lang="en-US"/>
+          </a:p>
+        </p:txBody>
+      </p:sp>
+      <p:sp>
+        <p:nvSpPr>
+          <p:cNvPr id="4" name="Slide Image Placeholder 3"/>
+          <p:cNvSpPr>
+            <a:spLocks noGrp="1" noRot="1" noChangeAspect="1"/>
+          </p:cNvSpPr>
+          <p:nvPr>
+            <p:ph type="sldImg" idx="2"/>
+          </p:nvPr>
+        </p:nvSpPr>
+        <p:spPr>
+          <a:xfrm>
+            <a:off x="685800" y="1143000"/>
+            <a:ext cx="5486400" cy="3086100"/>
+          </a:xfrm>
+          <a:prstGeom prst="rect">
+            <a:avLst/>
+          </a:prstGeom>
           <a:noFill/>
-        </a:ln>
-        <a:effectLst/>
-      </c:spPr>
-      <c:txPr>
-        <a:bodyPr rot="0" spcFirstLastPara="1" vertOverflow="ellipsis" vert="horz" wrap="square" anchor="ctr" anchorCtr="1"/>
-        <a:lstStyle/>
-        <a:p>
-          <a:pPr>
-            <a:defRPr sz="1862" b="0" i="0" u="none" strike="noStrike" kern="1200" spc="0" baseline="0">
-              <a:solidFill>
-                <a:schemeClr val="tx1">
-                  <a:lumMod val="65000"/>
-                  <a:lumOff val="35000"/>
-                </a:schemeClr>
-              </a:solidFill>
-              <a:latin typeface="+mn-lt"/>
-              <a:ea typeface="+mn-ea"/>
-              <a:cs typeface="+mn-cs"/>
-            </a:defRPr>
-          </a:pPr>
-          <a:endParaRPr lang="en-US"/>
-        </a:p>
-      </c:txPr>
-    </c:title>
-    <c:autoTitleDeleted val="0"/>
-    <c:plotArea>
-      <c:layout/>
-      <c:barChart>
-        <c:barDir val="col"/>
-        <c:grouping val="clustered"/>
-        <c:varyColors val="0"/>
-        <c:ser>
-          <c:idx val="0"/>
-          <c:order val="0"/>
-          <c:tx>
-            <c:strRef>
-              <c:f>Sheet1!$B$1</c:f>
-              <c:strCache>
-                <c:ptCount val="1"/>
-                <c:pt idx="0">
-                  <c:v>Số người sử dụng</c:v>
-                </c:pt>
-              </c:strCache>
-            </c:strRef>
-          </c:tx>
-          <c:spPr>
+          <a:ln w="12700">
             <a:solidFill>
-              <a:schemeClr val="accent1"/>
+              <a:prstClr val="black"/>
             </a:solidFill>
-            <a:ln>
-              <a:noFill/>
-            </a:ln>
-            <a:effectLst/>
-          </c:spPr>
-          <c:invertIfNegative val="0"/>
-          <c:dLbls>
-            <c:dLbl>
-              <c:idx val="0"/>
-              <c:layout>
-                <c:manualLayout>
-                  <c:x val="0"/>
-                  <c:y val="4.9194986243265446E-2"/>
-                </c:manualLayout>
-              </c:layout>
-              <c:showLegendKey val="0"/>
-              <c:showVal val="1"/>
-              <c:showCatName val="0"/>
-              <c:showSerName val="0"/>
-              <c:showPercent val="0"/>
-              <c:showBubbleSize val="0"/>
-              <c:extLst>
-                <c:ext xmlns:c15="http://schemas.microsoft.com/office/drawing/2012/chart" uri="{CE6537A1-D6FC-4f65-9D91-7224C49458BB}"/>
-                <c:ext xmlns:c16="http://schemas.microsoft.com/office/drawing/2014/chart" uri="{C3380CC4-5D6E-409C-BE32-E72D297353CC}">
-                  <c16:uniqueId val="{00000004-992F-4269-9D2C-0701EFAC5C10}"/>
-                </c:ext>
-              </c:extLst>
-            </c:dLbl>
-            <c:dLbl>
-              <c:idx val="1"/>
-              <c:layout>
-                <c:manualLayout>
-                  <c:x val="-1.5387575465758889E-3"/>
-                  <c:y val="5.7394150617143043E-2"/>
-                </c:manualLayout>
-              </c:layout>
-              <c:showLegendKey val="0"/>
-              <c:showVal val="1"/>
-              <c:showCatName val="0"/>
-              <c:showSerName val="0"/>
-              <c:showPercent val="0"/>
-              <c:showBubbleSize val="0"/>
-              <c:extLst>
-                <c:ext xmlns:c15="http://schemas.microsoft.com/office/drawing/2012/chart" uri="{CE6537A1-D6FC-4f65-9D91-7224C49458BB}"/>
-                <c:ext xmlns:c16="http://schemas.microsoft.com/office/drawing/2014/chart" uri="{C3380CC4-5D6E-409C-BE32-E72D297353CC}">
-                  <c16:uniqueId val="{00000005-992F-4269-9D2C-0701EFAC5C10}"/>
-                </c:ext>
-              </c:extLst>
-            </c:dLbl>
-            <c:dLbl>
-              <c:idx val="2"/>
-              <c:layout>
-                <c:manualLayout>
-                  <c:x val="0"/>
-                  <c:y val="4.9194986243265446E-2"/>
-                </c:manualLayout>
-              </c:layout>
-              <c:showLegendKey val="0"/>
-              <c:showVal val="1"/>
-              <c:showCatName val="0"/>
-              <c:showSerName val="0"/>
-              <c:showPercent val="0"/>
-              <c:showBubbleSize val="0"/>
-              <c:extLst>
-                <c:ext xmlns:c15="http://schemas.microsoft.com/office/drawing/2012/chart" uri="{CE6537A1-D6FC-4f65-9D91-7224C49458BB}"/>
-                <c:ext xmlns:c16="http://schemas.microsoft.com/office/drawing/2014/chart" uri="{C3380CC4-5D6E-409C-BE32-E72D297353CC}">
-                  <c16:uniqueId val="{00000006-992F-4269-9D2C-0701EFAC5C10}"/>
-                </c:ext>
-              </c:extLst>
-            </c:dLbl>
-            <c:dLbl>
-              <c:idx val="3"/>
-              <c:layout>
-                <c:manualLayout>
-                  <c:x val="1.5387575465758889E-3"/>
-                  <c:y val="5.1928041034557976E-2"/>
-                </c:manualLayout>
-              </c:layout>
-              <c:showLegendKey val="0"/>
-              <c:showVal val="1"/>
-              <c:showCatName val="0"/>
-              <c:showSerName val="0"/>
-              <c:showPercent val="0"/>
-              <c:showBubbleSize val="0"/>
-              <c:extLst>
-                <c:ext xmlns:c15="http://schemas.microsoft.com/office/drawing/2012/chart" uri="{CE6537A1-D6FC-4f65-9D91-7224C49458BB}"/>
-                <c:ext xmlns:c16="http://schemas.microsoft.com/office/drawing/2014/chart" uri="{C3380CC4-5D6E-409C-BE32-E72D297353CC}">
-                  <c16:uniqueId val="{00000007-992F-4269-9D2C-0701EFAC5C10}"/>
-                </c:ext>
-              </c:extLst>
-            </c:dLbl>
-            <c:dLbl>
-              <c:idx val="4"/>
-              <c:layout>
-                <c:manualLayout>
-                  <c:x val="-5.6420458267167481E-17"/>
-                  <c:y val="5.739415061714314E-2"/>
-                </c:manualLayout>
-              </c:layout>
-              <c:showLegendKey val="0"/>
-              <c:showVal val="1"/>
-              <c:showCatName val="0"/>
-              <c:showSerName val="0"/>
-              <c:showPercent val="0"/>
-              <c:showBubbleSize val="0"/>
-              <c:extLst>
-                <c:ext xmlns:c15="http://schemas.microsoft.com/office/drawing/2012/chart" uri="{CE6537A1-D6FC-4f65-9D91-7224C49458BB}"/>
-                <c:ext xmlns:c16="http://schemas.microsoft.com/office/drawing/2014/chart" uri="{C3380CC4-5D6E-409C-BE32-E72D297353CC}">
-                  <c16:uniqueId val="{00000008-992F-4269-9D2C-0701EFAC5C10}"/>
-                </c:ext>
-              </c:extLst>
-            </c:dLbl>
-            <c:dLbl>
-              <c:idx val="5"/>
-              <c:layout>
-                <c:manualLayout>
-                  <c:x val="5.6420458267167481E-17"/>
-                  <c:y val="4.0995821869387959E-2"/>
-                </c:manualLayout>
-              </c:layout>
-              <c:showLegendKey val="0"/>
-              <c:showVal val="1"/>
-              <c:showCatName val="0"/>
-              <c:showSerName val="0"/>
-              <c:showPercent val="0"/>
-              <c:showBubbleSize val="0"/>
-              <c:extLst>
-                <c:ext xmlns:c15="http://schemas.microsoft.com/office/drawing/2012/chart" uri="{CE6537A1-D6FC-4f65-9D91-7224C49458BB}"/>
-                <c:ext xmlns:c16="http://schemas.microsoft.com/office/drawing/2014/chart" uri="{C3380CC4-5D6E-409C-BE32-E72D297353CC}">
-                  <c16:uniqueId val="{00000009-992F-4269-9D2C-0701EFAC5C10}"/>
-                </c:ext>
-              </c:extLst>
-            </c:dLbl>
-            <c:dLbl>
-              <c:idx val="6"/>
-              <c:layout>
-                <c:manualLayout>
-                  <c:x val="0"/>
-                  <c:y val="5.466109582585061E-2"/>
-                </c:manualLayout>
-              </c:layout>
-              <c:showLegendKey val="0"/>
-              <c:showVal val="1"/>
-              <c:showCatName val="0"/>
-              <c:showSerName val="0"/>
-              <c:showPercent val="0"/>
-              <c:showBubbleSize val="0"/>
-              <c:extLst>
-                <c:ext xmlns:c15="http://schemas.microsoft.com/office/drawing/2012/chart" uri="{CE6537A1-D6FC-4f65-9D91-7224C49458BB}"/>
-                <c:ext xmlns:c16="http://schemas.microsoft.com/office/drawing/2014/chart" uri="{C3380CC4-5D6E-409C-BE32-E72D297353CC}">
-                  <c16:uniqueId val="{0000000F-992F-4269-9D2C-0701EFAC5C10}"/>
-                </c:ext>
-              </c:extLst>
-            </c:dLbl>
-            <c:dLbl>
-              <c:idx val="7"/>
-              <c:layout>
-                <c:manualLayout>
-                  <c:x val="0"/>
-                  <c:y val="5.192804103455808E-2"/>
-                </c:manualLayout>
-              </c:layout>
-              <c:showLegendKey val="0"/>
-              <c:showVal val="1"/>
-              <c:showCatName val="0"/>
-              <c:showSerName val="0"/>
-              <c:showPercent val="0"/>
-              <c:showBubbleSize val="0"/>
-              <c:extLst>
-                <c:ext xmlns:c15="http://schemas.microsoft.com/office/drawing/2012/chart" uri="{CE6537A1-D6FC-4f65-9D91-7224C49458BB}"/>
-                <c:ext xmlns:c16="http://schemas.microsoft.com/office/drawing/2014/chart" uri="{C3380CC4-5D6E-409C-BE32-E72D297353CC}">
-                  <c16:uniqueId val="{00000011-992F-4269-9D2C-0701EFAC5C10}"/>
-                </c:ext>
-              </c:extLst>
-            </c:dLbl>
-            <c:dLbl>
-              <c:idx val="8"/>
-              <c:layout>
-                <c:manualLayout>
-                  <c:x val="0"/>
-                  <c:y val="5.4661095825850561E-2"/>
-                </c:manualLayout>
-              </c:layout>
-              <c:showLegendKey val="0"/>
-              <c:showVal val="1"/>
-              <c:showCatName val="0"/>
-              <c:showSerName val="0"/>
-              <c:showPercent val="0"/>
-              <c:showBubbleSize val="0"/>
-              <c:extLst>
-                <c:ext xmlns:c15="http://schemas.microsoft.com/office/drawing/2012/chart" uri="{CE6537A1-D6FC-4f65-9D91-7224C49458BB}"/>
-                <c:ext xmlns:c16="http://schemas.microsoft.com/office/drawing/2014/chart" uri="{C3380CC4-5D6E-409C-BE32-E72D297353CC}">
-                  <c16:uniqueId val="{00000014-992F-4269-9D2C-0701EFAC5C10}"/>
-                </c:ext>
-              </c:extLst>
-            </c:dLbl>
-            <c:dLbl>
-              <c:idx val="9"/>
-              <c:layout>
-                <c:manualLayout>
-                  <c:x val="1.5387575465757759E-3"/>
-                  <c:y val="6.2860260199728207E-2"/>
-                </c:manualLayout>
-              </c:layout>
-              <c:showLegendKey val="0"/>
-              <c:showVal val="1"/>
-              <c:showCatName val="0"/>
-              <c:showSerName val="0"/>
-              <c:showPercent val="0"/>
-              <c:showBubbleSize val="0"/>
-              <c:extLst>
-                <c:ext xmlns:c15="http://schemas.microsoft.com/office/drawing/2012/chart" uri="{CE6537A1-D6FC-4f65-9D91-7224C49458BB}"/>
-                <c:ext xmlns:c16="http://schemas.microsoft.com/office/drawing/2014/chart" uri="{C3380CC4-5D6E-409C-BE32-E72D297353CC}">
-                  <c16:uniqueId val="{00000016-992F-4269-9D2C-0701EFAC5C10}"/>
-                </c:ext>
-              </c:extLst>
-            </c:dLbl>
-            <c:dLbl>
-              <c:idx val="10"/>
-              <c:layout>
-                <c:manualLayout>
-                  <c:x val="-1.5387575465760017E-3"/>
-                  <c:y val="5.7394150617143112E-2"/>
-                </c:manualLayout>
-              </c:layout>
-              <c:showLegendKey val="0"/>
-              <c:showVal val="1"/>
-              <c:showCatName val="0"/>
-              <c:showSerName val="0"/>
-              <c:showPercent val="0"/>
-              <c:showBubbleSize val="0"/>
-              <c:extLst>
-                <c:ext xmlns:c15="http://schemas.microsoft.com/office/drawing/2012/chart" uri="{CE6537A1-D6FC-4f65-9D91-7224C49458BB}"/>
-                <c:ext xmlns:c16="http://schemas.microsoft.com/office/drawing/2014/chart" uri="{C3380CC4-5D6E-409C-BE32-E72D297353CC}">
-                  <c16:uniqueId val="{00000017-992F-4269-9D2C-0701EFAC5C10}"/>
-                </c:ext>
-              </c:extLst>
-            </c:dLbl>
-            <c:spPr>
-              <a:noFill/>
-              <a:ln>
-                <a:noFill/>
-              </a:ln>
-              <a:effectLst/>
-            </c:spPr>
-            <c:txPr>
-              <a:bodyPr rot="0" spcFirstLastPara="1" vertOverflow="ellipsis" vert="horz" wrap="square" lIns="38100" tIns="19050" rIns="38100" bIns="19050" anchor="ctr" anchorCtr="1">
-                <a:spAutoFit/>
-              </a:bodyPr>
-              <a:lstStyle/>
-              <a:p>
-                <a:pPr>
-                  <a:defRPr sz="1197" b="0" i="0" u="none" strike="noStrike" kern="1200" baseline="0">
-                    <a:solidFill>
-                      <a:schemeClr val="tx1">
-                        <a:lumMod val="75000"/>
-                        <a:lumOff val="25000"/>
-                      </a:schemeClr>
-                    </a:solidFill>
-                    <a:latin typeface="+mn-lt"/>
-                    <a:ea typeface="+mn-ea"/>
-                    <a:cs typeface="+mn-cs"/>
-                  </a:defRPr>
-                </a:pPr>
-                <a:endParaRPr lang="en-US"/>
-              </a:p>
-            </c:txPr>
-            <c:showLegendKey val="0"/>
-            <c:showVal val="1"/>
-            <c:showCatName val="0"/>
-            <c:showSerName val="0"/>
-            <c:showPercent val="0"/>
-            <c:showBubbleSize val="0"/>
-            <c:showLeaderLines val="0"/>
-            <c:extLst>
-              <c:ext xmlns:c15="http://schemas.microsoft.com/office/drawing/2012/chart" uri="{CE6537A1-D6FC-4f65-9D91-7224C49458BB}">
-                <c15:showLeaderLines val="1"/>
-                <c15:leaderLines>
-                  <c:spPr>
-                    <a:ln w="9525" cap="flat" cmpd="sng" algn="ctr">
-                      <a:solidFill>
-                        <a:schemeClr val="tx1">
-                          <a:lumMod val="35000"/>
-                          <a:lumOff val="65000"/>
-                        </a:schemeClr>
-                      </a:solidFill>
-                      <a:round/>
-                    </a:ln>
-                    <a:effectLst/>
-                  </c:spPr>
-                </c15:leaderLines>
-              </c:ext>
-            </c:extLst>
-          </c:dLbls>
-          <c:cat>
-            <c:numRef>
-              <c:f>Sheet1!$A$2:$A$12</c:f>
-              <c:numCache>
-                <c:formatCode>General</c:formatCode>
-                <c:ptCount val="11"/>
-                <c:pt idx="0">
-                  <c:v>2010</c:v>
-                </c:pt>
-                <c:pt idx="1">
-                  <c:v>2011</c:v>
-                </c:pt>
-                <c:pt idx="2">
-                  <c:v>2012</c:v>
-                </c:pt>
-                <c:pt idx="3">
-                  <c:v>2013</c:v>
-                </c:pt>
-                <c:pt idx="4">
-                  <c:v>2014</c:v>
-                </c:pt>
-                <c:pt idx="5">
-                  <c:v>2015</c:v>
-                </c:pt>
-                <c:pt idx="6">
-                  <c:v>2016</c:v>
-                </c:pt>
-                <c:pt idx="7">
-                  <c:v>2017</c:v>
-                </c:pt>
-                <c:pt idx="8">
-                  <c:v>2018</c:v>
-                </c:pt>
-                <c:pt idx="9">
-                  <c:v>2019</c:v>
-                </c:pt>
-                <c:pt idx="10">
-                  <c:v>2020</c:v>
-                </c:pt>
-              </c:numCache>
-            </c:numRef>
-          </c:cat>
-          <c:val>
-            <c:numRef>
-              <c:f>Sheet1!$B$2:$B$12</c:f>
-              <c:numCache>
-                <c:formatCode>General</c:formatCode>
-                <c:ptCount val="11"/>
-                <c:pt idx="0">
-                  <c:v>26.9</c:v>
-                </c:pt>
-                <c:pt idx="1">
-                  <c:v>31.1</c:v>
-                </c:pt>
-                <c:pt idx="2">
-                  <c:v>33</c:v>
-                </c:pt>
-                <c:pt idx="3">
-                  <c:v>34.9</c:v>
-                </c:pt>
-                <c:pt idx="4">
-                  <c:v>37.6</c:v>
-                </c:pt>
-                <c:pt idx="5">
-                  <c:v>41.7</c:v>
-                </c:pt>
-                <c:pt idx="6">
-                  <c:v>49</c:v>
-                </c:pt>
-                <c:pt idx="7">
-                  <c:v>50.05</c:v>
-                </c:pt>
-                <c:pt idx="8">
-                  <c:v>63</c:v>
-                </c:pt>
-                <c:pt idx="9">
-                  <c:v>64</c:v>
-                </c:pt>
-                <c:pt idx="10">
-                  <c:v>68.17</c:v>
-                </c:pt>
-              </c:numCache>
-            </c:numRef>
-          </c:val>
-          <c:extLst>
-            <c:ext xmlns:c16="http://schemas.microsoft.com/office/drawing/2014/chart" uri="{C3380CC4-5D6E-409C-BE32-E72D297353CC}">
-              <c16:uniqueId val="{00000000-992F-4269-9D2C-0701EFAC5C10}"/>
-            </c:ext>
-          </c:extLst>
-        </c:ser>
-        <c:dLbls>
-          <c:showLegendKey val="0"/>
-          <c:showVal val="1"/>
-          <c:showCatName val="0"/>
-          <c:showSerName val="0"/>
-          <c:showPercent val="0"/>
-          <c:showBubbleSize val="0"/>
-        </c:dLbls>
-        <c:gapWidth val="219"/>
-        <c:overlap val="-27"/>
-        <c:axId val="961804847"/>
-        <c:axId val="961809423"/>
-      </c:barChart>
-      <c:lineChart>
-        <c:grouping val="standard"/>
-        <c:varyColors val="0"/>
-        <c:ser>
-          <c:idx val="2"/>
-          <c:order val="1"/>
-          <c:tx>
-            <c:strRef>
-              <c:f>Sheet1!$D$1</c:f>
-              <c:strCache>
-                <c:ptCount val="1"/>
-                <c:pt idx="0">
-                  <c:v>% người sử dụng</c:v>
-                </c:pt>
-              </c:strCache>
-            </c:strRef>
-          </c:tx>
-          <c:spPr>
-            <a:ln w="28575" cap="rnd">
-              <a:solidFill>
-                <a:srgbClr val="FF0000"/>
-              </a:solidFill>
-              <a:round/>
-            </a:ln>
-            <a:effectLst/>
-          </c:spPr>
-          <c:marker>
-            <c:symbol val="circle"/>
-            <c:size val="5"/>
-            <c:spPr>
-              <a:solidFill>
-                <a:srgbClr val="FF0000"/>
-              </a:solidFill>
-              <a:ln w="9525">
-                <a:solidFill>
-                  <a:schemeClr val="accent3"/>
-                </a:solidFill>
-              </a:ln>
-              <a:effectLst/>
-            </c:spPr>
-          </c:marker>
-          <c:dLbls>
-            <c:dLbl>
-              <c:idx val="0"/>
-              <c:layout>
-                <c:manualLayout>
-                  <c:x val="-2.4620120745214222E-2"/>
-                  <c:y val="-3.5529712286802996E-2"/>
-                </c:manualLayout>
-              </c:layout>
-              <c:showLegendKey val="0"/>
-              <c:showVal val="1"/>
-              <c:showCatName val="0"/>
-              <c:showSerName val="0"/>
-              <c:showPercent val="0"/>
-              <c:showBubbleSize val="0"/>
-              <c:extLst>
-                <c:ext xmlns:c15="http://schemas.microsoft.com/office/drawing/2012/chart" uri="{CE6537A1-D6FC-4f65-9D91-7224C49458BB}"/>
-                <c:ext xmlns:c16="http://schemas.microsoft.com/office/drawing/2014/chart" uri="{C3380CC4-5D6E-409C-BE32-E72D297353CC}">
-                  <c16:uniqueId val="{0000000A-992F-4269-9D2C-0701EFAC5C10}"/>
-                </c:ext>
-              </c:extLst>
-            </c:dLbl>
-            <c:dLbl>
-              <c:idx val="1"/>
-              <c:layout>
-                <c:manualLayout>
-                  <c:x val="-2.6158878291790109E-2"/>
-                  <c:y val="-2.7330547912925305E-2"/>
-                </c:manualLayout>
-              </c:layout>
-              <c:showLegendKey val="0"/>
-              <c:showVal val="1"/>
-              <c:showCatName val="0"/>
-              <c:showSerName val="0"/>
-              <c:showPercent val="0"/>
-              <c:showBubbleSize val="0"/>
-              <c:extLst>
-                <c:ext xmlns:c15="http://schemas.microsoft.com/office/drawing/2012/chart" uri="{CE6537A1-D6FC-4f65-9D91-7224C49458BB}"/>
-                <c:ext xmlns:c16="http://schemas.microsoft.com/office/drawing/2014/chart" uri="{C3380CC4-5D6E-409C-BE32-E72D297353CC}">
-                  <c16:uniqueId val="{0000000B-992F-4269-9D2C-0701EFAC5C10}"/>
-                </c:ext>
-              </c:extLst>
-            </c:dLbl>
-            <c:dLbl>
-              <c:idx val="2"/>
-              <c:layout>
-                <c:manualLayout>
-                  <c:x val="-2.3081363198638388E-2"/>
-                  <c:y val="-2.1864438330340293E-2"/>
-                </c:manualLayout>
-              </c:layout>
-              <c:showLegendKey val="0"/>
-              <c:showVal val="1"/>
-              <c:showCatName val="0"/>
-              <c:showSerName val="0"/>
-              <c:showPercent val="0"/>
-              <c:showBubbleSize val="0"/>
-              <c:extLst>
-                <c:ext xmlns:c15="http://schemas.microsoft.com/office/drawing/2012/chart" uri="{CE6537A1-D6FC-4f65-9D91-7224C49458BB}"/>
-                <c:ext xmlns:c16="http://schemas.microsoft.com/office/drawing/2014/chart" uri="{C3380CC4-5D6E-409C-BE32-E72D297353CC}">
-                  <c16:uniqueId val="{00000003-992F-4269-9D2C-0701EFAC5C10}"/>
-                </c:ext>
-              </c:extLst>
-            </c:dLbl>
-            <c:dLbl>
-              <c:idx val="3"/>
-              <c:layout>
-                <c:manualLayout>
-                  <c:x val="-2.6158878291790109E-2"/>
-                  <c:y val="-1.9131383539047662E-2"/>
-                </c:manualLayout>
-              </c:layout>
-              <c:showLegendKey val="0"/>
-              <c:showVal val="1"/>
-              <c:showCatName val="0"/>
-              <c:showSerName val="0"/>
-              <c:showPercent val="0"/>
-              <c:showBubbleSize val="0"/>
-              <c:extLst>
-                <c:ext xmlns:c15="http://schemas.microsoft.com/office/drawing/2012/chart" uri="{CE6537A1-D6FC-4f65-9D91-7224C49458BB}"/>
-                <c:ext xmlns:c16="http://schemas.microsoft.com/office/drawing/2014/chart" uri="{C3380CC4-5D6E-409C-BE32-E72D297353CC}">
-                  <c16:uniqueId val="{0000000C-992F-4269-9D2C-0701EFAC5C10}"/>
-                </c:ext>
-              </c:extLst>
-            </c:dLbl>
-            <c:dLbl>
-              <c:idx val="4"/>
-              <c:layout>
-                <c:manualLayout>
-                  <c:x val="-2.1542605652062386E-2"/>
-                  <c:y val="-1.6398328747755233E-2"/>
-                </c:manualLayout>
-              </c:layout>
-              <c:showLegendKey val="0"/>
-              <c:showVal val="1"/>
-              <c:showCatName val="0"/>
-              <c:showSerName val="0"/>
-              <c:showPercent val="0"/>
-              <c:showBubbleSize val="0"/>
-              <c:extLst>
-                <c:ext xmlns:c15="http://schemas.microsoft.com/office/drawing/2012/chart" uri="{CE6537A1-D6FC-4f65-9D91-7224C49458BB}"/>
-                <c:ext xmlns:c16="http://schemas.microsoft.com/office/drawing/2014/chart" uri="{C3380CC4-5D6E-409C-BE32-E72D297353CC}">
-                  <c16:uniqueId val="{0000000D-992F-4269-9D2C-0701EFAC5C10}"/>
-                </c:ext>
-              </c:extLst>
-            </c:dLbl>
-            <c:dLbl>
-              <c:idx val="5"/>
-              <c:layout>
-                <c:manualLayout>
-                  <c:x val="-2.7697635838366055E-2"/>
-                  <c:y val="-2.1864438330340245E-2"/>
-                </c:manualLayout>
-              </c:layout>
-              <c:showLegendKey val="0"/>
-              <c:showVal val="1"/>
-              <c:showCatName val="0"/>
-              <c:showSerName val="0"/>
-              <c:showPercent val="0"/>
-              <c:showBubbleSize val="0"/>
-              <c:extLst>
-                <c:ext xmlns:c15="http://schemas.microsoft.com/office/drawing/2012/chart" uri="{CE6537A1-D6FC-4f65-9D91-7224C49458BB}"/>
-                <c:ext xmlns:c16="http://schemas.microsoft.com/office/drawing/2014/chart" uri="{C3380CC4-5D6E-409C-BE32-E72D297353CC}">
-                  <c16:uniqueId val="{0000000E-992F-4269-9D2C-0701EFAC5C10}"/>
-                </c:ext>
-              </c:extLst>
-            </c:dLbl>
-            <c:dLbl>
-              <c:idx val="6"/>
-              <c:layout>
-                <c:manualLayout>
-                  <c:x val="-2.7697635838366111E-2"/>
-                  <c:y val="-2.7330547912925354E-2"/>
-                </c:manualLayout>
-              </c:layout>
-              <c:spPr>
-                <a:noFill/>
-                <a:ln>
-                  <a:noFill/>
-                </a:ln>
-                <a:effectLst/>
-              </c:spPr>
-              <c:txPr>
-                <a:bodyPr rot="0" spcFirstLastPara="1" vertOverflow="ellipsis" vert="horz" wrap="square" lIns="38100" tIns="19050" rIns="38100" bIns="19050" anchor="ctr" anchorCtr="1">
-                  <a:noAutofit/>
-                </a:bodyPr>
-                <a:lstStyle/>
-                <a:p>
-                  <a:pPr>
-                    <a:defRPr sz="1197" b="0" i="0" u="none" strike="noStrike" kern="1200" baseline="0">
-                      <a:solidFill>
-                        <a:schemeClr val="tx1">
-                          <a:lumMod val="75000"/>
-                          <a:lumOff val="25000"/>
-                        </a:schemeClr>
-                      </a:solidFill>
-                      <a:latin typeface="+mn-lt"/>
-                      <a:ea typeface="+mn-ea"/>
-                      <a:cs typeface="+mn-cs"/>
-                    </a:defRPr>
-                  </a:pPr>
-                  <a:endParaRPr lang="en-US"/>
-                </a:p>
-              </c:txPr>
-              <c:showLegendKey val="0"/>
-              <c:showVal val="1"/>
-              <c:showCatName val="0"/>
-              <c:showSerName val="0"/>
-              <c:showPercent val="0"/>
-              <c:showBubbleSize val="0"/>
-              <c:extLst>
-                <c:ext xmlns:c15="http://schemas.microsoft.com/office/drawing/2012/chart" uri="{CE6537A1-D6FC-4f65-9D91-7224C49458BB}">
-                  <c15:layout>
-                    <c:manualLayout>
-                      <c:w val="4.0207734692027979E-2"/>
-                      <c:h val="4.2662985292076398E-2"/>
-                    </c:manualLayout>
-                  </c15:layout>
-                </c:ext>
-                <c:ext xmlns:c16="http://schemas.microsoft.com/office/drawing/2014/chart" uri="{C3380CC4-5D6E-409C-BE32-E72D297353CC}">
-                  <c16:uniqueId val="{00000010-992F-4269-9D2C-0701EFAC5C10}"/>
-                </c:ext>
-              </c:extLst>
-            </c:dLbl>
-            <c:dLbl>
-              <c:idx val="7"/>
-              <c:layout>
-                <c:manualLayout>
-                  <c:x val="-2.6158878291790224E-2"/>
-                  <c:y val="-3.5529712286802947E-2"/>
-                </c:manualLayout>
-              </c:layout>
-              <c:showLegendKey val="0"/>
-              <c:showVal val="1"/>
-              <c:showCatName val="0"/>
-              <c:showSerName val="0"/>
-              <c:showPercent val="0"/>
-              <c:showBubbleSize val="0"/>
-              <c:extLst>
-                <c:ext xmlns:c15="http://schemas.microsoft.com/office/drawing/2012/chart" uri="{CE6537A1-D6FC-4f65-9D91-7224C49458BB}"/>
-                <c:ext xmlns:c16="http://schemas.microsoft.com/office/drawing/2014/chart" uri="{C3380CC4-5D6E-409C-BE32-E72D297353CC}">
-                  <c16:uniqueId val="{00000012-992F-4269-9D2C-0701EFAC5C10}"/>
-                </c:ext>
-              </c:extLst>
-            </c:dLbl>
-            <c:dLbl>
-              <c:idx val="8"/>
-              <c:layout>
-                <c:manualLayout>
-                  <c:x val="-2.3081363198638332E-2"/>
-                  <c:y val="-3.2796657495510369E-2"/>
-                </c:manualLayout>
-              </c:layout>
-              <c:showLegendKey val="0"/>
-              <c:showVal val="1"/>
-              <c:showCatName val="0"/>
-              <c:showSerName val="0"/>
-              <c:showPercent val="0"/>
-              <c:showBubbleSize val="0"/>
-              <c:extLst>
-                <c:ext xmlns:c15="http://schemas.microsoft.com/office/drawing/2012/chart" uri="{CE6537A1-D6FC-4f65-9D91-7224C49458BB}"/>
-                <c:ext xmlns:c16="http://schemas.microsoft.com/office/drawing/2014/chart" uri="{C3380CC4-5D6E-409C-BE32-E72D297353CC}">
-                  <c16:uniqueId val="{00000013-992F-4269-9D2C-0701EFAC5C10}"/>
-                </c:ext>
-              </c:extLst>
-            </c:dLbl>
-            <c:dLbl>
-              <c:idx val="9"/>
-              <c:layout>
-                <c:manualLayout>
-                  <c:x val="-2.4620120745214222E-2"/>
-                  <c:y val="-4.646193145197304E-2"/>
-                </c:manualLayout>
-              </c:layout>
-              <c:showLegendKey val="0"/>
-              <c:showVal val="1"/>
-              <c:showCatName val="0"/>
-              <c:showSerName val="0"/>
-              <c:showPercent val="0"/>
-              <c:showBubbleSize val="0"/>
-              <c:extLst>
-                <c:ext xmlns:c15="http://schemas.microsoft.com/office/drawing/2012/chart" uri="{CE6537A1-D6FC-4f65-9D91-7224C49458BB}"/>
-                <c:ext xmlns:c16="http://schemas.microsoft.com/office/drawing/2014/chart" uri="{C3380CC4-5D6E-409C-BE32-E72D297353CC}">
-                  <c16:uniqueId val="{00000015-992F-4269-9D2C-0701EFAC5C10}"/>
-                </c:ext>
-              </c:extLst>
-            </c:dLbl>
-            <c:dLbl>
-              <c:idx val="10"/>
-              <c:layout>
-                <c:manualLayout>
-                  <c:x val="-2.3081363198638332E-2"/>
-                  <c:y val="-3.5529712286802899E-2"/>
-                </c:manualLayout>
-              </c:layout>
-              <c:showLegendKey val="0"/>
-              <c:showVal val="1"/>
-              <c:showCatName val="0"/>
-              <c:showSerName val="0"/>
-              <c:showPercent val="0"/>
-              <c:showBubbleSize val="0"/>
-              <c:extLst>
-                <c:ext xmlns:c15="http://schemas.microsoft.com/office/drawing/2012/chart" uri="{CE6537A1-D6FC-4f65-9D91-7224C49458BB}"/>
-                <c:ext xmlns:c16="http://schemas.microsoft.com/office/drawing/2014/chart" uri="{C3380CC4-5D6E-409C-BE32-E72D297353CC}">
-                  <c16:uniqueId val="{00000018-992F-4269-9D2C-0701EFAC5C10}"/>
-                </c:ext>
-              </c:extLst>
-            </c:dLbl>
-            <c:spPr>
-              <a:noFill/>
-              <a:ln>
-                <a:noFill/>
-              </a:ln>
-              <a:effectLst/>
-            </c:spPr>
-            <c:txPr>
-              <a:bodyPr rot="0" spcFirstLastPara="1" vertOverflow="ellipsis" vert="horz" wrap="square" lIns="38100" tIns="19050" rIns="38100" bIns="19050" anchor="ctr" anchorCtr="1">
-                <a:spAutoFit/>
-              </a:bodyPr>
-              <a:lstStyle/>
-              <a:p>
-                <a:pPr>
-                  <a:defRPr sz="1197" b="0" i="0" u="none" strike="noStrike" kern="1200" baseline="0">
-                    <a:solidFill>
-                      <a:schemeClr val="tx1">
-                        <a:lumMod val="75000"/>
-                        <a:lumOff val="25000"/>
-                      </a:schemeClr>
-                    </a:solidFill>
-                    <a:latin typeface="+mn-lt"/>
-                    <a:ea typeface="+mn-ea"/>
-                    <a:cs typeface="+mn-cs"/>
-                  </a:defRPr>
-                </a:pPr>
-                <a:endParaRPr lang="en-US"/>
-              </a:p>
-            </c:txPr>
-            <c:showLegendKey val="0"/>
-            <c:showVal val="1"/>
-            <c:showCatName val="0"/>
-            <c:showSerName val="0"/>
-            <c:showPercent val="0"/>
-            <c:showBubbleSize val="0"/>
-            <c:showLeaderLines val="0"/>
-            <c:extLst>
-              <c:ext xmlns:c15="http://schemas.microsoft.com/office/drawing/2012/chart" uri="{CE6537A1-D6FC-4f65-9D91-7224C49458BB}">
-                <c15:showLeaderLines val="1"/>
-                <c15:leaderLines>
-                  <c:spPr>
-                    <a:ln w="9525" cap="flat" cmpd="sng" algn="ctr">
-                      <a:solidFill>
-                        <a:schemeClr val="tx1">
-                          <a:lumMod val="35000"/>
-                          <a:lumOff val="65000"/>
-                        </a:schemeClr>
-                      </a:solidFill>
-                      <a:round/>
-                    </a:ln>
-                    <a:effectLst/>
-                  </c:spPr>
-                </c15:leaderLines>
-              </c:ext>
-            </c:extLst>
-          </c:dLbls>
-          <c:cat>
-            <c:numRef>
-              <c:f>Sheet1!$A$2:$A$12</c:f>
-              <c:numCache>
-                <c:formatCode>General</c:formatCode>
-                <c:ptCount val="11"/>
-                <c:pt idx="0">
-                  <c:v>2010</c:v>
-                </c:pt>
-                <c:pt idx="1">
-                  <c:v>2011</c:v>
-                </c:pt>
-                <c:pt idx="2">
-                  <c:v>2012</c:v>
-                </c:pt>
-                <c:pt idx="3">
-                  <c:v>2013</c:v>
-                </c:pt>
-                <c:pt idx="4">
-                  <c:v>2014</c:v>
-                </c:pt>
-                <c:pt idx="5">
-                  <c:v>2015</c:v>
-                </c:pt>
-                <c:pt idx="6">
-                  <c:v>2016</c:v>
-                </c:pt>
-                <c:pt idx="7">
-                  <c:v>2017</c:v>
-                </c:pt>
-                <c:pt idx="8">
-                  <c:v>2018</c:v>
-                </c:pt>
-                <c:pt idx="9">
-                  <c:v>2019</c:v>
-                </c:pt>
-                <c:pt idx="10">
-                  <c:v>2020</c:v>
-                </c:pt>
-              </c:numCache>
-            </c:numRef>
-          </c:cat>
-          <c:val>
-            <c:numRef>
-              <c:f>Sheet1!$D$2:$D$12</c:f>
-              <c:numCache>
-                <c:formatCode>General</c:formatCode>
-                <c:ptCount val="11"/>
-                <c:pt idx="0">
-                  <c:v>30.6</c:v>
-                </c:pt>
-                <c:pt idx="1">
-                  <c:v>35.1</c:v>
-                </c:pt>
-                <c:pt idx="2">
-                  <c:v>36.799999999999997</c:v>
-                </c:pt>
-                <c:pt idx="3">
-                  <c:v>38.5</c:v>
-                </c:pt>
-                <c:pt idx="4">
-                  <c:v>41</c:v>
-                </c:pt>
-                <c:pt idx="5">
-                  <c:v>45</c:v>
-                </c:pt>
-                <c:pt idx="6">
-                  <c:v>52</c:v>
-                </c:pt>
-                <c:pt idx="7">
-                  <c:v>53</c:v>
-                </c:pt>
-                <c:pt idx="8">
-                  <c:v>67</c:v>
-                </c:pt>
-                <c:pt idx="9">
-                  <c:v>66</c:v>
-                </c:pt>
-                <c:pt idx="10">
-                  <c:v>70</c:v>
-                </c:pt>
-              </c:numCache>
-            </c:numRef>
-          </c:val>
-          <c:smooth val="0"/>
-          <c:extLst>
-            <c:ext xmlns:c16="http://schemas.microsoft.com/office/drawing/2014/chart" uri="{C3380CC4-5D6E-409C-BE32-E72D297353CC}">
-              <c16:uniqueId val="{00000002-992F-4269-9D2C-0701EFAC5C10}"/>
-            </c:ext>
-          </c:extLst>
-        </c:ser>
-        <c:dLbls>
-          <c:showLegendKey val="0"/>
-          <c:showVal val="1"/>
-          <c:showCatName val="0"/>
-          <c:showSerName val="0"/>
-          <c:showPercent val="0"/>
-          <c:showBubbleSize val="0"/>
-        </c:dLbls>
-        <c:marker val="1"/>
-        <c:smooth val="0"/>
-        <c:axId val="961807759"/>
-        <c:axId val="961806511"/>
-      </c:lineChart>
-      <c:catAx>
-        <c:axId val="961804847"/>
-        <c:scaling>
-          <c:orientation val="minMax"/>
-        </c:scaling>
-        <c:delete val="0"/>
-        <c:axPos val="b"/>
-        <c:title>
-          <c:overlay val="0"/>
-          <c:spPr>
-            <a:noFill/>
-            <a:ln>
-              <a:noFill/>
-            </a:ln>
-            <a:effectLst/>
-          </c:spPr>
-          <c:txPr>
-            <a:bodyPr rot="0" spcFirstLastPara="1" vertOverflow="ellipsis" vert="horz" wrap="square" anchor="ctr" anchorCtr="1"/>
-            <a:lstStyle/>
-            <a:p>
-              <a:pPr>
-                <a:defRPr sz="1330" b="0" i="0" u="none" strike="noStrike" kern="1200" baseline="0">
-                  <a:solidFill>
-                    <a:schemeClr val="tx1">
-                      <a:lumMod val="65000"/>
-                      <a:lumOff val="35000"/>
-                    </a:schemeClr>
-                  </a:solidFill>
-                  <a:latin typeface="+mn-lt"/>
-                  <a:ea typeface="+mn-ea"/>
-                  <a:cs typeface="+mn-cs"/>
-                </a:defRPr>
-              </a:pPr>
-              <a:endParaRPr lang="en-US"/>
-            </a:p>
-          </c:txPr>
-        </c:title>
-        <c:numFmt formatCode="General" sourceLinked="1"/>
-        <c:majorTickMark val="none"/>
-        <c:minorTickMark val="none"/>
-        <c:tickLblPos val="nextTo"/>
-        <c:spPr>
-          <a:noFill/>
-          <a:ln w="9525" cap="flat" cmpd="sng" algn="ctr">
-            <a:solidFill>
-              <a:schemeClr val="tx1">
-                <a:lumMod val="15000"/>
-                <a:lumOff val="85000"/>
-              </a:schemeClr>
-            </a:solidFill>
-            <a:round/>
           </a:ln>
-          <a:effectLst/>
-        </c:spPr>
-        <c:txPr>
-          <a:bodyPr rot="-60000000" spcFirstLastPara="1" vertOverflow="ellipsis" vert="horz" wrap="square" anchor="ctr" anchorCtr="1"/>
-          <a:lstStyle/>
-          <a:p>
-            <a:pPr>
-              <a:defRPr sz="1197" b="0" i="0" u="none" strike="noStrike" kern="1200" baseline="0">
-                <a:solidFill>
-                  <a:schemeClr val="tx1">
-                    <a:lumMod val="65000"/>
-                    <a:lumOff val="35000"/>
-                  </a:schemeClr>
-                </a:solidFill>
-                <a:latin typeface="+mn-lt"/>
-                <a:ea typeface="+mn-ea"/>
-                <a:cs typeface="+mn-cs"/>
-              </a:defRPr>
-            </a:pPr>
+        </p:spPr>
+        <p:txBody>
+          <a:bodyPr vert="horz" lIns="91440" tIns="45720" rIns="91440" bIns="45720" rtlCol="0" anchor="ctr"/>
+          <a:lstStyle/>
+          <a:p>
             <a:endParaRPr lang="en-US"/>
           </a:p>
-        </c:txPr>
-        <c:crossAx val="961809423"/>
-        <c:crosses val="autoZero"/>
-        <c:auto val="1"/>
-        <c:lblAlgn val="ctr"/>
-        <c:lblOffset val="100"/>
-        <c:noMultiLvlLbl val="0"/>
-      </c:catAx>
-      <c:valAx>
-        <c:axId val="961809423"/>
-        <c:scaling>
-          <c:orientation val="minMax"/>
-          <c:max val="80"/>
-        </c:scaling>
-        <c:delete val="0"/>
-        <c:axPos val="l"/>
-        <c:majorGridlines>
-          <c:spPr>
-            <a:ln w="9525" cap="flat" cmpd="sng" algn="ctr">
-              <a:solidFill>
-                <a:schemeClr val="tx1">
-                  <a:lumMod val="15000"/>
-                  <a:lumOff val="85000"/>
-                </a:schemeClr>
-              </a:solidFill>
-              <a:round/>
-            </a:ln>
-            <a:effectLst/>
-          </c:spPr>
-        </c:majorGridlines>
-        <c:title>
-          <c:tx>
-            <c:rich>
-              <a:bodyPr rot="-5400000" spcFirstLastPara="1" vertOverflow="ellipsis" vert="horz" wrap="square" anchor="ctr" anchorCtr="1"/>
-              <a:lstStyle/>
-              <a:p>
-                <a:pPr>
-                  <a:defRPr sz="1330" b="0" i="0" u="none" strike="noStrike" kern="1200" baseline="0">
-                    <a:solidFill>
-                      <a:schemeClr val="tx1">
-                        <a:lumMod val="65000"/>
-                        <a:lumOff val="35000"/>
-                      </a:schemeClr>
-                    </a:solidFill>
-                    <a:latin typeface="+mn-lt"/>
-                    <a:ea typeface="+mn-ea"/>
-                    <a:cs typeface="+mn-cs"/>
-                  </a:defRPr>
-                </a:pPr>
-                <a:r>
-                  <a:rPr lang="en-US" dirty="0" smtClean="0"/>
-                  <a:t>Số</a:t>
-                </a:r>
-                <a:r>
-                  <a:rPr lang="en-US" baseline="0" dirty="0" smtClean="0"/>
-                  <a:t> người sử dụng internet</a:t>
-                </a:r>
-              </a:p>
-              <a:p>
-                <a:pPr>
-                  <a:defRPr/>
-                </a:pPr>
-                <a:r>
-                  <a:rPr lang="en-US" baseline="0" dirty="0" smtClean="0"/>
-                  <a:t>(triệu người)</a:t>
-                </a:r>
-                <a:endParaRPr lang="en-US" dirty="0"/>
-              </a:p>
-            </c:rich>
-          </c:tx>
-          <c:overlay val="0"/>
-          <c:spPr>
-            <a:noFill/>
-            <a:ln>
-              <a:noFill/>
-            </a:ln>
-            <a:effectLst/>
-          </c:spPr>
-          <c:txPr>
-            <a:bodyPr rot="-5400000" spcFirstLastPara="1" vertOverflow="ellipsis" vert="horz" wrap="square" anchor="ctr" anchorCtr="1"/>
-            <a:lstStyle/>
-            <a:p>
-              <a:pPr>
-                <a:defRPr sz="1330" b="0" i="0" u="none" strike="noStrike" kern="1200" baseline="0">
-                  <a:solidFill>
-                    <a:schemeClr val="tx1">
-                      <a:lumMod val="65000"/>
-                      <a:lumOff val="35000"/>
-                    </a:schemeClr>
-                  </a:solidFill>
-                  <a:latin typeface="+mn-lt"/>
-                  <a:ea typeface="+mn-ea"/>
-                  <a:cs typeface="+mn-cs"/>
-                </a:defRPr>
-              </a:pPr>
-              <a:endParaRPr lang="en-US"/>
-            </a:p>
-          </c:txPr>
-        </c:title>
-        <c:numFmt formatCode="General" sourceLinked="1"/>
-        <c:majorTickMark val="none"/>
-        <c:minorTickMark val="none"/>
-        <c:tickLblPos val="nextTo"/>
-        <c:spPr>
-          <a:noFill/>
-          <a:ln>
-            <a:noFill/>
-          </a:ln>
-          <a:effectLst/>
-        </c:spPr>
-        <c:txPr>
-          <a:bodyPr rot="-60000000" spcFirstLastPara="1" vertOverflow="ellipsis" vert="horz" wrap="square" anchor="ctr" anchorCtr="1"/>
-          <a:lstStyle/>
-          <a:p>
-            <a:pPr>
-              <a:defRPr sz="1197" b="0" i="0" u="none" strike="noStrike" kern="1200" baseline="0">
-                <a:solidFill>
-                  <a:schemeClr val="tx1">
-                    <a:lumMod val="65000"/>
-                    <a:lumOff val="35000"/>
-                  </a:schemeClr>
-                </a:solidFill>
-                <a:latin typeface="+mn-lt"/>
-                <a:ea typeface="+mn-ea"/>
-                <a:cs typeface="+mn-cs"/>
-              </a:defRPr>
-            </a:pPr>
+        </p:txBody>
+      </p:sp>
+      <p:sp>
+        <p:nvSpPr>
+          <p:cNvPr id="5" name="Notes Placeholder 4"/>
+          <p:cNvSpPr>
+            <a:spLocks noGrp="1"/>
+          </p:cNvSpPr>
+          <p:nvPr>
+            <p:ph type="body" sz="quarter" idx="3"/>
+          </p:nvPr>
+        </p:nvSpPr>
+        <p:spPr>
+          <a:xfrm>
+            <a:off x="685800" y="4400550"/>
+            <a:ext cx="5486400" cy="3600450"/>
+          </a:xfrm>
+          <a:prstGeom prst="rect">
+            <a:avLst/>
+          </a:prstGeom>
+        </p:spPr>
+        <p:txBody>
+          <a:bodyPr vert="horz" lIns="91440" tIns="45720" rIns="91440" bIns="45720" rtlCol="0"/>
+          <a:lstStyle/>
+          <a:p>
+            <a:pPr lvl="0"/>
+            <a:r>
+              <a:rPr lang="en-US" smtClean="0"/>
+              <a:t>Edit Master text styles</a:t>
+            </a:r>
+          </a:p>
+          <a:p>
+            <a:pPr lvl="1"/>
+            <a:r>
+              <a:rPr lang="en-US" smtClean="0"/>
+              <a:t>Second level</a:t>
+            </a:r>
+          </a:p>
+          <a:p>
+            <a:pPr lvl="2"/>
+            <a:r>
+              <a:rPr lang="en-US" smtClean="0"/>
+              <a:t>Third level</a:t>
+            </a:r>
+          </a:p>
+          <a:p>
+            <a:pPr lvl="3"/>
+            <a:r>
+              <a:rPr lang="en-US" smtClean="0"/>
+              <a:t>Fourth level</a:t>
+            </a:r>
+          </a:p>
+          <a:p>
+            <a:pPr lvl="4"/>
+            <a:r>
+              <a:rPr lang="en-US" smtClean="0"/>
+              <a:t>Fifth level</a:t>
+            </a:r>
             <a:endParaRPr lang="en-US"/>
           </a:p>
-        </c:txPr>
-        <c:crossAx val="961804847"/>
-        <c:crosses val="autoZero"/>
-        <c:crossBetween val="between"/>
-      </c:valAx>
-      <c:valAx>
-        <c:axId val="961806511"/>
-        <c:scaling>
-          <c:orientation val="minMax"/>
-          <c:max val="80"/>
-        </c:scaling>
-        <c:delete val="0"/>
-        <c:axPos val="r"/>
-        <c:title>
-          <c:tx>
-            <c:rich>
-              <a:bodyPr rot="-5400000" spcFirstLastPara="1" vertOverflow="ellipsis" vert="horz" wrap="square" anchor="ctr" anchorCtr="1"/>
-              <a:lstStyle/>
-              <a:p>
-                <a:pPr>
-                  <a:defRPr sz="1330" b="0" i="0" u="none" strike="noStrike" kern="1200" baseline="0">
-                    <a:solidFill>
-                      <a:schemeClr val="tx1">
-                        <a:lumMod val="65000"/>
-                        <a:lumOff val="35000"/>
-                      </a:schemeClr>
-                    </a:solidFill>
-                    <a:latin typeface="+mn-lt"/>
-                    <a:ea typeface="+mn-ea"/>
-                    <a:cs typeface="+mn-cs"/>
-                  </a:defRPr>
-                </a:pPr>
-                <a:r>
-                  <a:rPr lang="en-US" dirty="0" smtClean="0"/>
-                  <a:t>Số</a:t>
-                </a:r>
-                <a:r>
-                  <a:rPr lang="en-US" baseline="0" dirty="0" smtClean="0"/>
-                  <a:t> người sử dụng internet(%)</a:t>
-                </a:r>
-                <a:endParaRPr lang="en-US" dirty="0"/>
-              </a:p>
-            </c:rich>
-          </c:tx>
-          <c:overlay val="0"/>
-          <c:spPr>
-            <a:noFill/>
-            <a:ln>
-              <a:noFill/>
-            </a:ln>
-            <a:effectLst/>
-          </c:spPr>
-          <c:txPr>
-            <a:bodyPr rot="-5400000" spcFirstLastPara="1" vertOverflow="ellipsis" vert="horz" wrap="square" anchor="ctr" anchorCtr="1"/>
-            <a:lstStyle/>
-            <a:p>
-              <a:pPr>
-                <a:defRPr sz="1330" b="0" i="0" u="none" strike="noStrike" kern="1200" baseline="0">
-                  <a:solidFill>
-                    <a:schemeClr val="tx1">
-                      <a:lumMod val="65000"/>
-                      <a:lumOff val="35000"/>
-                    </a:schemeClr>
-                  </a:solidFill>
-                  <a:latin typeface="+mn-lt"/>
-                  <a:ea typeface="+mn-ea"/>
-                  <a:cs typeface="+mn-cs"/>
-                </a:defRPr>
-              </a:pPr>
-              <a:endParaRPr lang="en-US"/>
-            </a:p>
-          </c:txPr>
-        </c:title>
-        <c:numFmt formatCode="General" sourceLinked="1"/>
-        <c:majorTickMark val="out"/>
-        <c:minorTickMark val="none"/>
-        <c:tickLblPos val="nextTo"/>
-        <c:spPr>
-          <a:noFill/>
-          <a:ln>
-            <a:noFill/>
-          </a:ln>
-          <a:effectLst/>
-        </c:spPr>
-        <c:txPr>
-          <a:bodyPr rot="-60000000" spcFirstLastPara="1" vertOverflow="ellipsis" vert="horz" wrap="square" anchor="ctr" anchorCtr="1"/>
-          <a:lstStyle/>
-          <a:p>
-            <a:pPr>
-              <a:defRPr sz="1197" b="0" i="0" u="none" strike="noStrike" kern="1200" baseline="0">
-                <a:solidFill>
-                  <a:schemeClr val="tx1">
-                    <a:lumMod val="65000"/>
-                    <a:lumOff val="35000"/>
-                  </a:schemeClr>
-                </a:solidFill>
-                <a:latin typeface="+mn-lt"/>
-                <a:ea typeface="+mn-ea"/>
-                <a:cs typeface="+mn-cs"/>
-              </a:defRPr>
-            </a:pPr>
+        </p:txBody>
+      </p:sp>
+      <p:sp>
+        <p:nvSpPr>
+          <p:cNvPr id="6" name="Footer Placeholder 5"/>
+          <p:cNvSpPr>
+            <a:spLocks noGrp="1"/>
+          </p:cNvSpPr>
+          <p:nvPr>
+            <p:ph type="ftr" sz="quarter" idx="4"/>
+          </p:nvPr>
+        </p:nvSpPr>
+        <p:spPr>
+          <a:xfrm>
+            <a:off x="0" y="8685213"/>
+            <a:ext cx="2971800" cy="458787"/>
+          </a:xfrm>
+          <a:prstGeom prst="rect">
+            <a:avLst/>
+          </a:prstGeom>
+        </p:spPr>
+        <p:txBody>
+          <a:bodyPr vert="horz" lIns="91440" tIns="45720" rIns="91440" bIns="45720" rtlCol="0" anchor="b"/>
+          <a:lstStyle>
+            <a:lvl1pPr algn="l">
+              <a:defRPr sz="1200"/>
+            </a:lvl1pPr>
+          </a:lstStyle>
+          <a:p>
             <a:endParaRPr lang="en-US"/>
           </a:p>
-        </c:txPr>
-        <c:crossAx val="961807759"/>
-        <c:crosses val="max"/>
-        <c:crossBetween val="between"/>
-      </c:valAx>
-      <c:catAx>
-        <c:axId val="961807759"/>
-        <c:scaling>
-          <c:orientation val="minMax"/>
-        </c:scaling>
-        <c:delete val="1"/>
-        <c:axPos val="b"/>
-        <c:numFmt formatCode="General" sourceLinked="1"/>
-        <c:majorTickMark val="out"/>
-        <c:minorTickMark val="none"/>
-        <c:tickLblPos val="nextTo"/>
-        <c:crossAx val="961806511"/>
-        <c:crosses val="autoZero"/>
-        <c:auto val="1"/>
-        <c:lblAlgn val="ctr"/>
-        <c:lblOffset val="100"/>
-        <c:noMultiLvlLbl val="0"/>
-      </c:catAx>
-      <c:spPr>
-        <a:noFill/>
-        <a:ln>
-          <a:noFill/>
-        </a:ln>
-        <a:effectLst/>
-      </c:spPr>
-    </c:plotArea>
-    <c:legend>
-      <c:legendPos val="b"/>
-      <c:overlay val="0"/>
-      <c:spPr>
-        <a:noFill/>
-        <a:ln>
-          <a:noFill/>
-        </a:ln>
-        <a:effectLst/>
-      </c:spPr>
-      <c:txPr>
-        <a:bodyPr rot="0" spcFirstLastPara="1" vertOverflow="ellipsis" vert="horz" wrap="square" anchor="ctr" anchorCtr="1"/>
-        <a:lstStyle/>
-        <a:p>
-          <a:pPr>
-            <a:defRPr sz="1197" b="0" i="0" u="none" strike="noStrike" kern="1200" baseline="0">
-              <a:solidFill>
-                <a:schemeClr val="tx1">
-                  <a:lumMod val="65000"/>
-                  <a:lumOff val="35000"/>
-                </a:schemeClr>
-              </a:solidFill>
-              <a:latin typeface="+mn-lt"/>
-              <a:ea typeface="+mn-ea"/>
-              <a:cs typeface="+mn-cs"/>
-            </a:defRPr>
-          </a:pPr>
-          <a:endParaRPr lang="en-US"/>
-        </a:p>
-      </c:txPr>
-    </c:legend>
-    <c:plotVisOnly val="1"/>
-    <c:dispBlanksAs val="gap"/>
-    <c:showDLblsOverMax val="0"/>
-  </c:chart>
-  <c:spPr>
-    <a:noFill/>
-    <a:ln>
-      <a:noFill/>
-    </a:ln>
-    <a:effectLst/>
-  </c:spPr>
-  <c:txPr>
-    <a:bodyPr/>
-    <a:lstStyle/>
-    <a:p>
-      <a:pPr>
-        <a:defRPr/>
-      </a:pPr>
-      <a:endParaRPr lang="en-US"/>
-    </a:p>
-  </c:txPr>
-  <c:externalData r:id="rId3">
-    <c:autoUpdate val="0"/>
-  </c:externalData>
-</c:chartSpace>
-</file>
-
-<file path=ppt/charts/colors1.xml><?xml version="1.0" encoding="utf-8"?>
-<cs:colorStyle xmlns:cs="http://schemas.microsoft.com/office/drawing/2012/chartStyle" xmlns:a="http://schemas.openxmlformats.org/drawingml/2006/main" meth="cycle" id="10">
-  <a:schemeClr val="accent1"/>
-  <a:schemeClr val="accent2"/>
-  <a:schemeClr val="accent3"/>
-  <a:schemeClr val="accent4"/>
-  <a:schemeClr val="accent5"/>
-  <a:schemeClr val="accent6"/>
-  <cs:variation/>
-  <cs:variation>
-    <a:lumMod val="60000"/>
-  </cs:variation>
-  <cs:variation>
-    <a:lumMod val="80000"/>
-    <a:lumOff val="20000"/>
-  </cs:variation>
-  <cs:variation>
-    <a:lumMod val="80000"/>
-  </cs:variation>
-  <cs:variation>
-    <a:lumMod val="60000"/>
-    <a:lumOff val="40000"/>
-  </cs:variation>
-  <cs:variation>
-    <a:lumMod val="50000"/>
-  </cs:variation>
-  <cs:variation>
-    <a:lumMod val="70000"/>
-    <a:lumOff val="30000"/>
-  </cs:variation>
-  <cs:variation>
-    <a:lumMod val="70000"/>
-  </cs:variation>
-  <cs:variation>
-    <a:lumMod val="50000"/>
-    <a:lumOff val="50000"/>
-  </cs:variation>
-</cs:colorStyle>
-</file>
-
-<file path=ppt/charts/style1.xml><?xml version="1.0" encoding="utf-8"?>
-<cs:chartStyle xmlns:cs="http://schemas.microsoft.com/office/drawing/2012/chartStyle" xmlns:a="http://schemas.openxmlformats.org/drawingml/2006/main" id="201">
-  <cs:axisTitle>
-    <cs:lnRef idx="0"/>
-    <cs:fillRef idx="0"/>
-    <cs:effectRef idx="0"/>
-    <cs:fontRef idx="minor">
-      <a:schemeClr val="tx1">
-        <a:lumMod val="65000"/>
-        <a:lumOff val="35000"/>
-      </a:schemeClr>
-    </cs:fontRef>
-    <cs:defRPr sz="1330" kern="1200"/>
-  </cs:axisTitle>
-  <cs:categoryAxis>
-    <cs:lnRef idx="0"/>
-    <cs:fillRef idx="0"/>
-    <cs:effectRef idx="0"/>
-    <cs:fontRef idx="minor">
-      <a:schemeClr val="tx1">
-        <a:lumMod val="65000"/>
-        <a:lumOff val="35000"/>
-      </a:schemeClr>
-    </cs:fontRef>
-    <cs:spPr>
-      <a:ln w="9525" cap="flat" cmpd="sng" algn="ctr">
+        </p:txBody>
+      </p:sp>
+      <p:sp>
+        <p:nvSpPr>
+          <p:cNvPr id="7" name="Slide Number Placeholder 6"/>
+          <p:cNvSpPr>
+            <a:spLocks noGrp="1"/>
+          </p:cNvSpPr>
+          <p:nvPr>
+            <p:ph type="sldNum" sz="quarter" idx="5"/>
+          </p:nvPr>
+        </p:nvSpPr>
+        <p:spPr>
+          <a:xfrm>
+            <a:off x="3884613" y="8685213"/>
+            <a:ext cx="2971800" cy="458787"/>
+          </a:xfrm>
+          <a:prstGeom prst="rect">
+            <a:avLst/>
+          </a:prstGeom>
+        </p:spPr>
+        <p:txBody>
+          <a:bodyPr vert="horz" lIns="91440" tIns="45720" rIns="91440" bIns="45720" rtlCol="0" anchor="b"/>
+          <a:lstStyle>
+            <a:lvl1pPr algn="r">
+              <a:defRPr sz="1200"/>
+            </a:lvl1pPr>
+          </a:lstStyle>
+          <a:p>
+            <a:fld id="{22346063-3B1E-458B-B147-525C1B9B9AEB}" type="slidenum">
+              <a:rPr lang="en-US" smtClean="0"/>
+              <a:t>‹#›</a:t>
+            </a:fld>
+            <a:endParaRPr lang="en-US"/>
+          </a:p>
+        </p:txBody>
+      </p:sp>
+    </p:spTree>
+    <p:extLst>
+      <p:ext uri="{BB962C8B-B14F-4D97-AF65-F5344CB8AC3E}">
+        <p14:creationId xmlns:p14="http://schemas.microsoft.com/office/powerpoint/2010/main" val="3473949069"/>
+      </p:ext>
+    </p:extLst>
+  </p:cSld>
+  <p:clrMap bg1="lt1" tx1="dk1" bg2="lt2" tx2="dk2" accent1="accent1" accent2="accent2" accent3="accent3" accent4="accent4" accent5="accent5" accent6="accent6" hlink="hlink" folHlink="folHlink"/>
+  <p:notesStyle>
+    <a:lvl1pPr marL="0" algn="l" defTabSz="914400" rtl="0" eaLnBrk="1" latinLnBrk="0" hangingPunct="1">
+      <a:defRPr sz="1200" kern="1200">
         <a:solidFill>
-          <a:schemeClr val="tx1">
-            <a:lumMod val="15000"/>
-            <a:lumOff val="85000"/>
-          </a:schemeClr>
+          <a:schemeClr val="tx1"/>
         </a:solidFill>
-        <a:round/>
-      </a:ln>
-    </cs:spPr>
-    <cs:defRPr sz="1197" kern="1200"/>
-  </cs:categoryAxis>
-  <cs:chartArea mods="allowNoFillOverride allowNoLineOverride">
-    <cs:lnRef idx="0"/>
-    <cs:fillRef idx="0"/>
-    <cs:effectRef idx="0"/>
-    <cs:fontRef idx="minor">
-      <a:schemeClr val="tx1"/>
-    </cs:fontRef>
-    <cs:spPr>
-      <a:solidFill>
-        <a:schemeClr val="bg1"/>
-      </a:solidFill>
-      <a:ln w="9525" cap="flat" cmpd="sng" algn="ctr">
+        <a:latin typeface="+mn-lt"/>
+        <a:ea typeface="+mn-ea"/>
+        <a:cs typeface="+mn-cs"/>
+      </a:defRPr>
+    </a:lvl1pPr>
+    <a:lvl2pPr marL="457200" algn="l" defTabSz="914400" rtl="0" eaLnBrk="1" latinLnBrk="0" hangingPunct="1">
+      <a:defRPr sz="1200" kern="1200">
         <a:solidFill>
-          <a:schemeClr val="tx1">
-            <a:lumMod val="15000"/>
-            <a:lumOff val="85000"/>
-          </a:schemeClr>
+          <a:schemeClr val="tx1"/>
         </a:solidFill>
-        <a:round/>
-      </a:ln>
-    </cs:spPr>
-    <cs:defRPr sz="1330" kern="1200"/>
-  </cs:chartArea>
-  <cs:dataLabel>
-    <cs:lnRef idx="0"/>
-    <cs:fillRef idx="0"/>
-    <cs:effectRef idx="0"/>
-    <cs:fontRef idx="minor">
-      <a:schemeClr val="tx1">
-        <a:lumMod val="75000"/>
-        <a:lumOff val="25000"/>
-      </a:schemeClr>
-    </cs:fontRef>
-    <cs:defRPr sz="1197" kern="1200"/>
-  </cs:dataLabel>
-  <cs:dataLabelCallout>
-    <cs:lnRef idx="0"/>
-    <cs:fillRef idx="0"/>
-    <cs:effectRef idx="0"/>
-    <cs:fontRef idx="minor">
-      <a:schemeClr val="dk1">
-        <a:lumMod val="65000"/>
-        <a:lumOff val="35000"/>
-      </a:schemeClr>
-    </cs:fontRef>
-    <cs:spPr>
-      <a:solidFill>
-        <a:schemeClr val="lt1"/>
-      </a:solidFill>
-      <a:ln>
+        <a:latin typeface="+mn-lt"/>
+        <a:ea typeface="+mn-ea"/>
+        <a:cs typeface="+mn-cs"/>
+      </a:defRPr>
+    </a:lvl2pPr>
+    <a:lvl3pPr marL="914400" algn="l" defTabSz="914400" rtl="0" eaLnBrk="1" latinLnBrk="0" hangingPunct="1">
+      <a:defRPr sz="1200" kern="1200">
         <a:solidFill>
-          <a:schemeClr val="dk1">
-            <a:lumMod val="25000"/>
-            <a:lumOff val="75000"/>
-          </a:schemeClr>
+          <a:schemeClr val="tx1"/>
         </a:solidFill>
-      </a:ln>
-    </cs:spPr>
-    <cs:defRPr sz="1197" kern="1200"/>
-    <cs:bodyPr rot="0" spcFirstLastPara="1" vertOverflow="clip" horzOverflow="clip" vert="horz" wrap="square" lIns="36576" tIns="18288" rIns="36576" bIns="18288" anchor="ctr" anchorCtr="1">
-      <a:spAutoFit/>
-    </cs:bodyPr>
-  </cs:dataLabelCallout>
-  <cs:dataPoint>
-    <cs:lnRef idx="0"/>
-    <cs:fillRef idx="1">
-      <cs:styleClr val="auto"/>
-    </cs:fillRef>
-    <cs:effectRef idx="0"/>
-    <cs:fontRef idx="minor">
-      <a:schemeClr val="tx1"/>
-    </cs:fontRef>
-  </cs:dataPoint>
-  <cs:dataPoint3D>
-    <cs:lnRef idx="0"/>
-    <cs:fillRef idx="1">
-      <cs:styleClr val="auto"/>
-    </cs:fillRef>
-    <cs:effectRef idx="0"/>
-    <cs:fontRef idx="minor">
-      <a:schemeClr val="tx1"/>
-    </cs:fontRef>
-  </cs:dataPoint3D>
-  <cs:dataPointLine>
-    <cs:lnRef idx="0">
-      <cs:styleClr val="auto"/>
-    </cs:lnRef>
-    <cs:fillRef idx="1"/>
-    <cs:effectRef idx="0"/>
-    <cs:fontRef idx="minor">
-      <a:schemeClr val="tx1"/>
-    </cs:fontRef>
-    <cs:spPr>
-      <a:ln w="28575" cap="rnd">
+        <a:latin typeface="+mn-lt"/>
+        <a:ea typeface="+mn-ea"/>
+        <a:cs typeface="+mn-cs"/>
+      </a:defRPr>
+    </a:lvl3pPr>
+    <a:lvl4pPr marL="1371600" algn="l" defTabSz="914400" rtl="0" eaLnBrk="1" latinLnBrk="0" hangingPunct="1">
+      <a:defRPr sz="1200" kern="1200">
         <a:solidFill>
-          <a:schemeClr val="phClr"/>
+          <a:schemeClr val="tx1"/>
         </a:solidFill>
-        <a:round/>
-      </a:ln>
-    </cs:spPr>
-  </cs:dataPointLine>
-  <cs:dataPointMarker>
-    <cs:lnRef idx="0">
-      <cs:styleClr val="auto"/>
-    </cs:lnRef>
-    <cs:fillRef idx="1">
-      <cs:styleClr val="auto"/>
-    </cs:fillRef>
-    <cs:effectRef idx="0"/>
-    <cs:fontRef idx="minor">
-      <a:schemeClr val="tx1"/>
-    </cs:fontRef>
-    <cs:spPr>
-      <a:ln w="9525">
+        <a:latin typeface="+mn-lt"/>
+        <a:ea typeface="+mn-ea"/>
+        <a:cs typeface="+mn-cs"/>
+      </a:defRPr>
+    </a:lvl4pPr>
+    <a:lvl5pPr marL="1828800" algn="l" defTabSz="914400" rtl="0" eaLnBrk="1" latinLnBrk="0" hangingPunct="1">
+      <a:defRPr sz="1200" kern="1200">
         <a:solidFill>
-          <a:schemeClr val="phClr"/>
+          <a:schemeClr val="tx1"/>
         </a:solidFill>
-      </a:ln>
-    </cs:spPr>
-  </cs:dataPointMarker>
-  <cs:dataPointMarkerLayout symbol="circle" size="5"/>
-  <cs:dataPointWireframe>
-    <cs:lnRef idx="0">
-      <cs:styleClr val="auto"/>
-    </cs:lnRef>
-    <cs:fillRef idx="1"/>
-    <cs:effectRef idx="0"/>
-    <cs:fontRef idx="minor">
-      <a:schemeClr val="tx1"/>
-    </cs:fontRef>
-    <cs:spPr>
-      <a:ln w="9525" cap="rnd">
+        <a:latin typeface="+mn-lt"/>
+        <a:ea typeface="+mn-ea"/>
+        <a:cs typeface="+mn-cs"/>
+      </a:defRPr>
+    </a:lvl5pPr>
+    <a:lvl6pPr marL="2286000" algn="l" defTabSz="914400" rtl="0" eaLnBrk="1" latinLnBrk="0" hangingPunct="1">
+      <a:defRPr sz="1200" kern="1200">
         <a:solidFill>
-          <a:schemeClr val="phClr"/>
+          <a:schemeClr val="tx1"/>
         </a:solidFill>
-        <a:round/>
-      </a:ln>
-    </cs:spPr>
-  </cs:dataPointWireframe>
-  <cs:dataTable>
-    <cs:lnRef idx="0"/>
-    <cs:fillRef idx="0"/>
-    <cs:effectRef idx="0"/>
-    <cs:fontRef idx="minor">
-      <a:schemeClr val="tx1">
-        <a:lumMod val="65000"/>
-        <a:lumOff val="35000"/>
-      </a:schemeClr>
-    </cs:fontRef>
-    <cs:spPr>
-      <a:noFill/>
-      <a:ln w="9525" cap="flat" cmpd="sng" algn="ctr">
+        <a:latin typeface="+mn-lt"/>
+        <a:ea typeface="+mn-ea"/>
+        <a:cs typeface="+mn-cs"/>
+      </a:defRPr>
+    </a:lvl6pPr>
+    <a:lvl7pPr marL="2743200" algn="l" defTabSz="914400" rtl="0" eaLnBrk="1" latinLnBrk="0" hangingPunct="1">
+      <a:defRPr sz="1200" kern="1200">
         <a:solidFill>
-          <a:schemeClr val="tx1">
-            <a:lumMod val="15000"/>
-            <a:lumOff val="85000"/>
-          </a:schemeClr>
+          <a:schemeClr val="tx1"/>
         </a:solidFill>
-        <a:round/>
-      </a:ln>
-    </cs:spPr>
-    <cs:defRPr sz="1197" kern="1200"/>
-  </cs:dataTable>
-  <cs:downBar>
-    <cs:lnRef idx="0"/>
-    <cs:fillRef idx="0"/>
-    <cs:effectRef idx="0"/>
-    <cs:fontRef idx="minor">
-      <a:schemeClr val="dk1"/>
-    </cs:fontRef>
-    <cs:spPr>
-      <a:solidFill>
-        <a:schemeClr val="dk1">
-          <a:lumMod val="65000"/>
-          <a:lumOff val="35000"/>
-        </a:schemeClr>
-      </a:solidFill>
-      <a:ln w="9525">
+        <a:latin typeface="+mn-lt"/>
+        <a:ea typeface="+mn-ea"/>
+        <a:cs typeface="+mn-cs"/>
+      </a:defRPr>
+    </a:lvl7pPr>
+    <a:lvl8pPr marL="3200400" algn="l" defTabSz="914400" rtl="0" eaLnBrk="1" latinLnBrk="0" hangingPunct="1">
+      <a:defRPr sz="1200" kern="1200">
         <a:solidFill>
-          <a:schemeClr val="tx1">
-            <a:lumMod val="65000"/>
-            <a:lumOff val="35000"/>
-          </a:schemeClr>
+          <a:schemeClr val="tx1"/>
         </a:solidFill>
-      </a:ln>
-    </cs:spPr>
-  </cs:downBar>
-  <cs:dropLine>
-    <cs:lnRef idx="0"/>
-    <cs:fillRef idx="0"/>
-    <cs:effectRef idx="0"/>
-    <cs:fontRef idx="minor">
-      <a:schemeClr val="tx1"/>
-    </cs:fontRef>
-    <cs:spPr>
-      <a:ln w="9525" cap="flat" cmpd="sng" algn="ctr">
+        <a:latin typeface="+mn-lt"/>
+        <a:ea typeface="+mn-ea"/>
+        <a:cs typeface="+mn-cs"/>
+      </a:defRPr>
+    </a:lvl8pPr>
+    <a:lvl9pPr marL="3657600" algn="l" defTabSz="914400" rtl="0" eaLnBrk="1" latinLnBrk="0" hangingPunct="1">
+      <a:defRPr sz="1200" kern="1200">
         <a:solidFill>
-          <a:schemeClr val="tx1">
-            <a:lumMod val="35000"/>
-            <a:lumOff val="65000"/>
-          </a:schemeClr>
+          <a:schemeClr val="tx1"/>
         </a:solidFill>
-        <a:round/>
-      </a:ln>
-    </cs:spPr>
-  </cs:dropLine>
-  <cs:errorBar>
-    <cs:lnRef idx="0"/>
-    <cs:fillRef idx="0"/>
-    <cs:effectRef idx="0"/>
-    <cs:fontRef idx="minor">
-      <a:schemeClr val="tx1"/>
-    </cs:fontRef>
-    <cs:spPr>
-      <a:ln w="9525" cap="flat" cmpd="sng" algn="ctr">
-        <a:solidFill>
-          <a:schemeClr val="tx1">
-            <a:lumMod val="65000"/>
-            <a:lumOff val="35000"/>
-          </a:schemeClr>
-        </a:solidFill>
-        <a:round/>
-      </a:ln>
-    </cs:spPr>
-  </cs:errorBar>
-  <cs:floor>
-    <cs:lnRef idx="0"/>
-    <cs:fillRef idx="0"/>
-    <cs:effectRef idx="0"/>
-    <cs:fontRef idx="minor">
-      <a:schemeClr val="tx1"/>
-    </cs:fontRef>
-    <cs:spPr>
-      <a:noFill/>
-      <a:ln>
-        <a:noFill/>
-      </a:ln>
-    </cs:spPr>
-  </cs:floor>
-  <cs:gridlineMajor>
-    <cs:lnRef idx="0"/>
-    <cs:fillRef idx="0"/>
-    <cs:effectRef idx="0"/>
-    <cs:fontRef idx="minor">
-      <a:schemeClr val="tx1"/>
-    </cs:fontRef>
-    <cs:spPr>
-      <a:ln w="9525" cap="flat" cmpd="sng" algn="ctr">
-        <a:solidFill>
-          <a:schemeClr val="tx1">
-            <a:lumMod val="15000"/>
-            <a:lumOff val="85000"/>
-          </a:schemeClr>
-        </a:solidFill>
-        <a:round/>
-      </a:ln>
-    </cs:spPr>
-  </cs:gridlineMajor>
-  <cs:gridlineMinor>
-    <cs:lnRef idx="0"/>
-    <cs:fillRef idx="0"/>
-    <cs:effectRef idx="0"/>
-    <cs:fontRef idx="minor">
-      <a:schemeClr val="tx1"/>
-    </cs:fontRef>
-    <cs:spPr>
-      <a:ln w="9525" cap="flat" cmpd="sng" algn="ctr">
-        <a:solidFill>
-          <a:schemeClr val="tx1">
-            <a:lumMod val="5000"/>
-            <a:lumOff val="95000"/>
-          </a:schemeClr>
-        </a:solidFill>
-        <a:round/>
-      </a:ln>
-    </cs:spPr>
-  </cs:gridlineMinor>
-  <cs:hiLoLine>
-    <cs:lnRef idx="0"/>
-    <cs:fillRef idx="0"/>
-    <cs:effectRef idx="0"/>
-    <cs:fontRef idx="minor">
-      <a:schemeClr val="tx1"/>
-    </cs:fontRef>
-    <cs:spPr>
-      <a:ln w="9525" cap="flat" cmpd="sng" algn="ctr">
-        <a:solidFill>
-          <a:schemeClr val="tx1">
-            <a:lumMod val="75000"/>
-            <a:lumOff val="25000"/>
-          </a:schemeClr>
-        </a:solidFill>
-        <a:round/>
-      </a:ln>
-    </cs:spPr>
-  </cs:hiLoLine>
-  <cs:leaderLine>
-    <cs:lnRef idx="0"/>
-    <cs:fillRef idx="0"/>
-    <cs:effectRef idx="0"/>
-    <cs:fontRef idx="minor">
-      <a:schemeClr val="tx1"/>
-    </cs:fontRef>
-    <cs:spPr>
-      <a:ln w="9525" cap="flat" cmpd="sng" algn="ctr">
-        <a:solidFill>
-          <a:schemeClr val="tx1">
-            <a:lumMod val="35000"/>
-            <a:lumOff val="65000"/>
-          </a:schemeClr>
-        </a:solidFill>
-        <a:round/>
-      </a:ln>
-    </cs:spPr>
-  </cs:leaderLine>
-  <cs:legend>
-    <cs:lnRef idx="0"/>
-    <cs:fillRef idx="0"/>
-    <cs:effectRef idx="0"/>
-    <cs:fontRef idx="minor">
-      <a:schemeClr val="tx1">
-        <a:lumMod val="65000"/>
-        <a:lumOff val="35000"/>
-      </a:schemeClr>
-    </cs:fontRef>
-    <cs:defRPr sz="1197" kern="1200"/>
-  </cs:legend>
-  <cs:plotArea mods="allowNoFillOverride allowNoLineOverride">
-    <cs:lnRef idx="0"/>
-    <cs:fillRef idx="0"/>
-    <cs:effectRef idx="0"/>
-    <cs:fontRef idx="minor">
-      <a:schemeClr val="tx1"/>
-    </cs:fontRef>
-  </cs:plotArea>
-  <cs:plotArea3D mods="allowNoFillOverride allowNoLineOverride">
-    <cs:lnRef idx="0"/>
-    <cs:fillRef idx="0"/>
-    <cs:effectRef idx="0"/>
-    <cs:fontRef idx="minor">
-      <a:schemeClr val="tx1"/>
-    </cs:fontRef>
-  </cs:plotArea3D>
-  <cs:seriesAxis>
-    <cs:lnRef idx="0"/>
-    <cs:fillRef idx="0"/>
-    <cs:effectRef idx="0"/>
-    <cs:fontRef idx="minor">
-      <a:schemeClr val="tx1">
-        <a:lumMod val="65000"/>
-        <a:lumOff val="35000"/>
-      </a:schemeClr>
-    </cs:fontRef>
-    <cs:defRPr sz="1197" kern="1200"/>
-  </cs:seriesAxis>
-  <cs:seriesLine>
-    <cs:lnRef idx="0"/>
-    <cs:fillRef idx="0"/>
-    <cs:effectRef idx="0"/>
-    <cs:fontRef idx="minor">
-      <a:schemeClr val="tx1"/>
-    </cs:fontRef>
-    <cs:spPr>
-      <a:ln w="9525" cap="flat" cmpd="sng" algn="ctr">
-        <a:solidFill>
-          <a:schemeClr val="tx1">
-            <a:lumMod val="35000"/>
-            <a:lumOff val="65000"/>
-          </a:schemeClr>
-        </a:solidFill>
-        <a:round/>
-      </a:ln>
-    </cs:spPr>
-  </cs:seriesLine>
-  <cs:title>
-    <cs:lnRef idx="0"/>
-    <cs:fillRef idx="0"/>
-    <cs:effectRef idx="0"/>
-    <cs:fontRef idx="minor">
-      <a:schemeClr val="tx1">
-        <a:lumMod val="65000"/>
-        <a:lumOff val="35000"/>
-      </a:schemeClr>
-    </cs:fontRef>
-    <cs:defRPr sz="1862" b="0" kern="1200" spc="0" baseline="0"/>
-  </cs:title>
-  <cs:trendline>
-    <cs:lnRef idx="0">
-      <cs:styleClr val="auto"/>
-    </cs:lnRef>
-    <cs:fillRef idx="0"/>
-    <cs:effectRef idx="0"/>
-    <cs:fontRef idx="minor">
-      <a:schemeClr val="tx1"/>
-    </cs:fontRef>
-    <cs:spPr>
-      <a:ln w="19050" cap="rnd">
-        <a:solidFill>
-          <a:schemeClr val="phClr"/>
-        </a:solidFill>
-        <a:prstDash val="sysDot"/>
-      </a:ln>
-    </cs:spPr>
-  </cs:trendline>
-  <cs:trendlineLabel>
-    <cs:lnRef idx="0"/>
-    <cs:fillRef idx="0"/>
-    <cs:effectRef idx="0"/>
-    <cs:fontRef idx="minor">
-      <a:schemeClr val="tx1">
-        <a:lumMod val="65000"/>
-        <a:lumOff val="35000"/>
-      </a:schemeClr>
-    </cs:fontRef>
-    <cs:defRPr sz="1197" kern="1200"/>
-  </cs:trendlineLabel>
-  <cs:upBar>
-    <cs:lnRef idx="0"/>
-    <cs:fillRef idx="0"/>
-    <cs:effectRef idx="0"/>
-    <cs:fontRef idx="minor">
-      <a:schemeClr val="dk1"/>
-    </cs:fontRef>
-    <cs:spPr>
-      <a:solidFill>
-        <a:schemeClr val="lt1"/>
-      </a:solidFill>
-      <a:ln w="9525">
-        <a:solidFill>
-          <a:schemeClr val="tx1">
-            <a:lumMod val="15000"/>
-            <a:lumOff val="85000"/>
-          </a:schemeClr>
-        </a:solidFill>
-      </a:ln>
-    </cs:spPr>
-  </cs:upBar>
-  <cs:valueAxis>
-    <cs:lnRef idx="0"/>
-    <cs:fillRef idx="0"/>
-    <cs:effectRef idx="0"/>
-    <cs:fontRef idx="minor">
-      <a:schemeClr val="tx1">
-        <a:lumMod val="65000"/>
-        <a:lumOff val="35000"/>
-      </a:schemeClr>
-    </cs:fontRef>
-    <cs:defRPr sz="1197" kern="1200"/>
-  </cs:valueAxis>
-  <cs:wall>
-    <cs:lnRef idx="0"/>
-    <cs:fillRef idx="0"/>
-    <cs:effectRef idx="0"/>
-    <cs:fontRef idx="minor">
-      <a:schemeClr val="tx1"/>
-    </cs:fontRef>
-    <cs:spPr>
-      <a:noFill/>
-      <a:ln>
-        <a:noFill/>
-      </a:ln>
-    </cs:spPr>
-  </cs:wall>
-</cs:chartStyle>
+        <a:latin typeface="+mn-lt"/>
+        <a:ea typeface="+mn-ea"/>
+        <a:cs typeface="+mn-cs"/>
+      </a:defRPr>
+    </a:lvl9pPr>
+  </p:notesStyle>
+</p:notesMaster>
 </file>
 
 <file path=ppt/slideLayouts/slideLayout1.xml><?xml version="1.0" encoding="utf-8"?>
@@ -2175,9 +607,9 @@
           <a:bodyPr/>
           <a:lstStyle/>
           <a:p>
-            <a:fld id="{A0615C23-7A81-4EB8-81D9-F12A86AA333A}" type="datetimeFigureOut">
+            <a:fld id="{1E61828C-380C-4CB0-89CE-C6C50BC734F9}" type="datetime1">
               <a:rPr lang="en-US" smtClean="0"/>
-              <a:t>5/8/2022</a:t>
+              <a:t>5/16/2022</a:t>
             </a:fld>
             <a:endParaRPr lang="en-US"/>
           </a:p>
@@ -2343,9 +775,9 @@
           <a:bodyPr/>
           <a:lstStyle/>
           <a:p>
-            <a:fld id="{A0615C23-7A81-4EB8-81D9-F12A86AA333A}" type="datetimeFigureOut">
+            <a:fld id="{8F004301-15C2-4498-AE07-5CB871D9E2E2}" type="datetime1">
               <a:rPr lang="en-US" smtClean="0"/>
-              <a:t>5/8/2022</a:t>
+              <a:t>5/16/2022</a:t>
             </a:fld>
             <a:endParaRPr lang="en-US"/>
           </a:p>
@@ -2521,9 +953,9 @@
           <a:bodyPr/>
           <a:lstStyle/>
           <a:p>
-            <a:fld id="{A0615C23-7A81-4EB8-81D9-F12A86AA333A}" type="datetimeFigureOut">
+            <a:fld id="{7E899F71-F426-470E-AE45-828AE364D774}" type="datetime1">
               <a:rPr lang="en-US" smtClean="0"/>
-              <a:t>5/8/2022</a:t>
+              <a:t>5/16/2022</a:t>
             </a:fld>
             <a:endParaRPr lang="en-US"/>
           </a:p>
@@ -2689,9 +1121,9 @@
           <a:bodyPr/>
           <a:lstStyle/>
           <a:p>
-            <a:fld id="{A0615C23-7A81-4EB8-81D9-F12A86AA333A}" type="datetimeFigureOut">
+            <a:fld id="{80190C6D-B509-4E21-9E63-FB7FB2811687}" type="datetime1">
               <a:rPr lang="en-US" smtClean="0"/>
-              <a:t>5/8/2022</a:t>
+              <a:t>5/16/2022</a:t>
             </a:fld>
             <a:endParaRPr lang="en-US"/>
           </a:p>
@@ -2934,9 +1366,9 @@
           <a:bodyPr/>
           <a:lstStyle/>
           <a:p>
-            <a:fld id="{A0615C23-7A81-4EB8-81D9-F12A86AA333A}" type="datetimeFigureOut">
+            <a:fld id="{34DACF4F-6C10-42B8-A4A7-7FD3B65FDE38}" type="datetime1">
               <a:rPr lang="en-US" smtClean="0"/>
-              <a:t>5/8/2022</a:t>
+              <a:t>5/16/2022</a:t>
             </a:fld>
             <a:endParaRPr lang="en-US"/>
           </a:p>
@@ -3163,9 +1595,9 @@
           <a:bodyPr/>
           <a:lstStyle/>
           <a:p>
-            <a:fld id="{A0615C23-7A81-4EB8-81D9-F12A86AA333A}" type="datetimeFigureOut">
+            <a:fld id="{CCE654B5-A985-4694-8F38-A0A16C6471D1}" type="datetime1">
               <a:rPr lang="en-US" smtClean="0"/>
-              <a:t>5/8/2022</a:t>
+              <a:t>5/16/2022</a:t>
             </a:fld>
             <a:endParaRPr lang="en-US"/>
           </a:p>
@@ -3527,9 +1959,9 @@
           <a:bodyPr/>
           <a:lstStyle/>
           <a:p>
-            <a:fld id="{A0615C23-7A81-4EB8-81D9-F12A86AA333A}" type="datetimeFigureOut">
+            <a:fld id="{A1FCF78E-95EC-45C6-9567-55A66843F095}" type="datetime1">
               <a:rPr lang="en-US" smtClean="0"/>
-              <a:t>5/8/2022</a:t>
+              <a:t>5/16/2022</a:t>
             </a:fld>
             <a:endParaRPr lang="en-US"/>
           </a:p>
@@ -3644,9 +2076,9 @@
           <a:bodyPr/>
           <a:lstStyle/>
           <a:p>
-            <a:fld id="{A0615C23-7A81-4EB8-81D9-F12A86AA333A}" type="datetimeFigureOut">
+            <a:fld id="{F5AA3670-7BF9-4B7C-B307-6D03BB4DF414}" type="datetime1">
               <a:rPr lang="en-US" smtClean="0"/>
-              <a:t>5/8/2022</a:t>
+              <a:t>5/16/2022</a:t>
             </a:fld>
             <a:endParaRPr lang="en-US"/>
           </a:p>
@@ -3739,9 +2171,9 @@
           <a:bodyPr/>
           <a:lstStyle/>
           <a:p>
-            <a:fld id="{A0615C23-7A81-4EB8-81D9-F12A86AA333A}" type="datetimeFigureOut">
+            <a:fld id="{963833F2-2B3A-4F0A-966B-14797B050C97}" type="datetime1">
               <a:rPr lang="en-US" smtClean="0"/>
-              <a:t>5/8/2022</a:t>
+              <a:t>5/16/2022</a:t>
             </a:fld>
             <a:endParaRPr lang="en-US"/>
           </a:p>
@@ -4014,9 +2446,9 @@
           <a:bodyPr/>
           <a:lstStyle/>
           <a:p>
-            <a:fld id="{A0615C23-7A81-4EB8-81D9-F12A86AA333A}" type="datetimeFigureOut">
+            <a:fld id="{38013FE5-4D98-47C9-BB8D-8159BFFDC7F9}" type="datetime1">
               <a:rPr lang="en-US" smtClean="0"/>
-              <a:t>5/8/2022</a:t>
+              <a:t>5/16/2022</a:t>
             </a:fld>
             <a:endParaRPr lang="en-US"/>
           </a:p>
@@ -4266,9 +2698,9 @@
           <a:bodyPr/>
           <a:lstStyle/>
           <a:p>
-            <a:fld id="{A0615C23-7A81-4EB8-81D9-F12A86AA333A}" type="datetimeFigureOut">
+            <a:fld id="{5AFAC740-73C5-4E8B-9498-798A21F75573}" type="datetime1">
               <a:rPr lang="en-US" smtClean="0"/>
-              <a:t>5/8/2022</a:t>
+              <a:t>5/16/2022</a:t>
             </a:fld>
             <a:endParaRPr lang="en-US"/>
           </a:p>
@@ -4486,9 +2918,9 @@
             </a:lvl1pPr>
           </a:lstStyle>
           <a:p>
-            <a:fld id="{A0615C23-7A81-4EB8-81D9-F12A86AA333A}" type="datetimeFigureOut">
+            <a:fld id="{C76C4E47-B5E2-4B8D-BBD4-5CF8C8FC32EA}" type="datetime1">
               <a:rPr lang="en-US" smtClean="0"/>
-              <a:t>5/8/2022</a:t>
+              <a:t>5/16/2022</a:t>
             </a:fld>
             <a:endParaRPr lang="en-US"/>
           </a:p>
@@ -4593,6 +3025,7 @@
     <p:sldLayoutId id="2147483658" r:id="rId10"/>
     <p:sldLayoutId id="2147483659" r:id="rId11"/>
   </p:sldLayoutIdLst>
+  <p:hf hdr="0" ftr="0" dt="0"/>
   <p:txStyles>
     <p:titleStyle>
       <a:lvl1pPr algn="l" defTabSz="914400" rtl="0" eaLnBrk="1" latinLnBrk="0" hangingPunct="1">
@@ -5180,6 +3613,29 @@
           </a:prstGeom>
         </p:spPr>
       </p:pic>
+      <p:sp>
+        <p:nvSpPr>
+          <p:cNvPr id="9" name="Slide Number Placeholder 8"/>
+          <p:cNvSpPr>
+            <a:spLocks noGrp="1"/>
+          </p:cNvSpPr>
+          <p:nvPr>
+            <p:ph type="sldNum" sz="quarter" idx="12"/>
+          </p:nvPr>
+        </p:nvSpPr>
+        <p:spPr/>
+        <p:txBody>
+          <a:bodyPr/>
+          <a:lstStyle/>
+          <a:p>
+            <a:fld id="{FC388293-6D4C-49F6-999F-FA35C2DD9781}" type="slidenum">
+              <a:rPr lang="en-US" smtClean="0"/>
+              <a:t>1</a:t>
+            </a:fld>
+            <a:endParaRPr lang="en-US"/>
+          </a:p>
+        </p:txBody>
+      </p:sp>
     </p:spTree>
     <p:extLst>
       <p:ext uri="{BB962C8B-B14F-4D97-AF65-F5344CB8AC3E}">
@@ -5219,14 +3675,69 @@
       </p:grpSpPr>
       <p:sp>
         <p:nvSpPr>
-          <p:cNvPr id="4" name="TextBox 3"/>
+          <p:cNvPr id="3" name="Content Placeholder 2"/>
+          <p:cNvSpPr>
+            <a:spLocks noGrp="1"/>
+          </p:cNvSpPr>
+          <p:nvPr>
+            <p:ph idx="1"/>
+          </p:nvPr>
+        </p:nvSpPr>
+        <p:spPr>
+          <a:xfrm>
+            <a:off x="1792958" y="1911178"/>
+            <a:ext cx="8343373" cy="4084859"/>
+          </a:xfrm>
+        </p:spPr>
+        <p:txBody>
+          <a:bodyPr>
+            <a:noAutofit/>
+          </a:bodyPr>
+          <a:lstStyle/>
+          <a:p>
+            <a:pPr marL="457200" lvl="1" indent="0">
+              <a:lnSpc>
+                <a:spcPct val="100000"/>
+              </a:lnSpc>
+              <a:buNone/>
+            </a:pPr>
+            <a:endParaRPr lang="en-US" sz="1800" dirty="0">
+              <a:latin typeface="Times New Roman" panose="02020603050405020304" pitchFamily="18" charset="0"/>
+              <a:cs typeface="Times New Roman" panose="02020603050405020304" pitchFamily="18" charset="0"/>
+            </a:endParaRPr>
+          </a:p>
+          <a:p>
+            <a:pPr lvl="1">
+              <a:lnSpc>
+                <a:spcPct val="100000"/>
+              </a:lnSpc>
+              <a:buFont typeface="Tahoma" panose="020B0604030504040204" pitchFamily="34" charset="0"/>
+              <a:buChar char="⁃"/>
+            </a:pPr>
+            <a:endParaRPr lang="en-US" sz="1800" dirty="0">
+              <a:latin typeface="Times New Roman" panose="02020603050405020304" pitchFamily="18" charset="0"/>
+              <a:ea typeface="Tahoma" panose="020B0604030504040204" pitchFamily="34" charset="0"/>
+              <a:cs typeface="Times New Roman" panose="02020603050405020304" pitchFamily="18" charset="0"/>
+            </a:endParaRPr>
+          </a:p>
+        </p:txBody>
+      </p:sp>
+      <p:sp>
+        <p:nvSpPr>
+          <p:cNvPr id="2" name="TextBox 1">
+            <a:extLst>
+              <a:ext uri="{FF2B5EF4-FFF2-40B4-BE49-F238E27FC236}">
+                <a16:creationId xmlns:a16="http://schemas.microsoft.com/office/drawing/2014/main" id="{16AF04DE-8B08-4FBF-BCC8-19036BE796C4}"/>
+              </a:ext>
+            </a:extLst>
+          </p:cNvPr>
           <p:cNvSpPr txBox="1"/>
           <p:nvPr/>
         </p:nvSpPr>
         <p:spPr>
           <a:xfrm>
-            <a:off x="2716880" y="347251"/>
-            <a:ext cx="6602135" cy="492443"/>
+            <a:off x="3028499" y="376899"/>
+            <a:ext cx="5872293" cy="492443"/>
           </a:xfrm>
           <a:prstGeom prst="rect">
             <a:avLst/>
@@ -5245,7 +3756,7 @@
                 <a:latin typeface="Times New Roman" panose="02020603050405020304" pitchFamily="18" charset="0"/>
                 <a:cs typeface="Times New Roman" panose="02020603050405020304" pitchFamily="18" charset="0"/>
               </a:rPr>
-              <a:t>II. Công nghệ và công cụ thực hiện đề tài</a:t>
+              <a:t>III. Phân tích thiết kế hệ thống</a:t>
             </a:r>
             <a:endParaRPr lang="vi-VN" sz="2600" b="1" dirty="0">
               <a:latin typeface="Times New Roman" panose="02020603050405020304" pitchFamily="18" charset="0"/>
@@ -5256,14 +3767,14 @@
       </p:sp>
       <p:sp>
         <p:nvSpPr>
-          <p:cNvPr id="6" name="TextBox 5"/>
+          <p:cNvPr id="4" name="TextBox 3"/>
           <p:cNvSpPr txBox="1"/>
           <p:nvPr/>
         </p:nvSpPr>
         <p:spPr>
           <a:xfrm>
-            <a:off x="2310713" y="1258856"/>
-            <a:ext cx="2743201" cy="400110"/>
+            <a:off x="2309230" y="1174816"/>
+            <a:ext cx="3076483" cy="400110"/>
           </a:xfrm>
           <a:prstGeom prst="rect">
             <a:avLst/>
@@ -5271,188 +3782,52 @@
           <a:noFill/>
         </p:spPr>
         <p:txBody>
-          <a:bodyPr wrap="square" rtlCol="0">
+          <a:bodyPr wrap="none" rtlCol="0">
             <a:spAutoFit/>
           </a:bodyPr>
           <a:lstStyle/>
           <a:p>
             <a:r>
               <a:rPr lang="en-US" sz="2000" b="1" dirty="0" smtClean="0">
-                <a:latin typeface="Times New Roman (Headings)"/>
-              </a:rPr>
-              <a:t>Spring framework</a:t>
-            </a:r>
-            <a:endParaRPr lang="en-US" sz="2000" b="1" dirty="0">
-              <a:latin typeface="Times New Roman (Headings)"/>
-            </a:endParaRPr>
-          </a:p>
-        </p:txBody>
-      </p:sp>
-      <p:sp>
-        <p:nvSpPr>
-          <p:cNvPr id="7" name="Content Placeholder 6"/>
-          <p:cNvSpPr>
-            <a:spLocks noGrp="1"/>
-          </p:cNvSpPr>
-          <p:nvPr>
-            <p:ph idx="1"/>
-          </p:nvPr>
-        </p:nvSpPr>
-        <p:spPr>
-          <a:xfrm>
-            <a:off x="2310713" y="1861751"/>
-            <a:ext cx="5811795" cy="3896498"/>
-          </a:xfrm>
-        </p:spPr>
-        <p:txBody>
-          <a:bodyPr>
-            <a:normAutofit fontScale="77500" lnSpcReduction="20000"/>
-          </a:bodyPr>
-          <a:lstStyle/>
-          <a:p>
-            <a:pPr algn="just">
-              <a:lnSpc>
-                <a:spcPct val="150000"/>
-              </a:lnSpc>
-            </a:pPr>
-            <a:r>
-              <a:rPr lang="vi-VN" sz="2300" b="1" dirty="0">
-                <a:latin typeface="+mj-lt"/>
-              </a:rPr>
-              <a:t>Spring</a:t>
-            </a:r>
-            <a:r>
-              <a:rPr lang="vi-VN" sz="2300" dirty="0">
-                <a:latin typeface="+mj-lt"/>
-              </a:rPr>
-              <a:t> là framework phát triển ứng dụng phổ biến nhất dành cho Java Enterprise. Ban đầu nó được viết bởi </a:t>
-            </a:r>
-            <a:r>
-              <a:rPr lang="vi-VN" sz="2300" b="1" dirty="0">
-                <a:latin typeface="+mj-lt"/>
-              </a:rPr>
-              <a:t>Rod Johnson</a:t>
-            </a:r>
-            <a:r>
-              <a:rPr lang="vi-VN" sz="2300" dirty="0">
-                <a:latin typeface="+mj-lt"/>
-              </a:rPr>
-              <a:t> và lần đầu tiên được phát hành theo giấy phép Apache 2.0 vào tháng 6 năm 2003</a:t>
-            </a:r>
-            <a:r>
-              <a:rPr lang="vi-VN" sz="2300" dirty="0" smtClean="0">
-                <a:latin typeface="+mj-lt"/>
-              </a:rPr>
-              <a:t>.</a:t>
-            </a:r>
-            <a:endParaRPr lang="en-US" sz="2300" dirty="0" smtClean="0">
-              <a:latin typeface="+mj-lt"/>
-            </a:endParaRPr>
-          </a:p>
-          <a:p>
-            <a:pPr algn="just">
-              <a:lnSpc>
-                <a:spcPct val="150000"/>
-              </a:lnSpc>
-            </a:pPr>
-            <a:r>
-              <a:rPr lang="vi-VN" sz="2300" dirty="0" smtClean="0">
-                <a:latin typeface="+mj-lt"/>
-              </a:rPr>
-              <a:t>Spring </a:t>
-            </a:r>
-            <a:r>
-              <a:rPr lang="vi-VN" sz="2300" dirty="0">
-                <a:latin typeface="+mj-lt"/>
-              </a:rPr>
-              <a:t>là một mã nguồn mở, được phát triển, chia sẻ và có cộng đồng người dùng rất </a:t>
-            </a:r>
-            <a:r>
-              <a:rPr lang="en-US" sz="2300" dirty="0" smtClean="0">
-                <a:latin typeface="+mj-lt"/>
-                <a:cs typeface="Times New Roman" panose="02020603050405020304" pitchFamily="18" charset="0"/>
-              </a:rPr>
-              <a:t>lớn</a:t>
-            </a:r>
-            <a:r>
-              <a:rPr lang="vi-VN" sz="2300" dirty="0" smtClean="0">
-                <a:latin typeface="+mj-lt"/>
-              </a:rPr>
-              <a:t>.</a:t>
-            </a:r>
-            <a:endParaRPr lang="vi-VN" sz="2300" dirty="0">
-              <a:latin typeface="+mj-lt"/>
-            </a:endParaRPr>
-          </a:p>
-          <a:p>
-            <a:pPr algn="just">
-              <a:lnSpc>
-                <a:spcPct val="150000"/>
-              </a:lnSpc>
-            </a:pPr>
-            <a:r>
-              <a:rPr lang="vi-VN" sz="2300" dirty="0">
-                <a:latin typeface="+mj-lt"/>
-              </a:rPr>
-              <a:t>Spring Framework được xây dựng dựa trên 2 nguyên tắc design chính là: Dependency Injection và </a:t>
-            </a:r>
-            <a:r>
-              <a:rPr lang="en-US" sz="2300" dirty="0">
                 <a:latin typeface="Times New Roman" panose="02020603050405020304" pitchFamily="18" charset="0"/>
                 <a:cs typeface="Times New Roman" panose="02020603050405020304" pitchFamily="18" charset="0"/>
               </a:rPr>
-              <a:t>Inversion of Control</a:t>
-            </a:r>
-          </a:p>
-          <a:p>
-            <a:pPr marL="0" indent="0">
-              <a:lnSpc>
-                <a:spcPct val="150000"/>
-              </a:lnSpc>
-              <a:buNone/>
-            </a:pPr>
-            <a:endParaRPr lang="vi-VN" sz="2300" dirty="0">
-              <a:latin typeface="+mj-lt"/>
+              <a:t>Các Use case: Khách hàng</a:t>
+            </a:r>
+            <a:endParaRPr lang="en-US" sz="2000" b="1" dirty="0">
+              <a:latin typeface="Times New Roman" panose="02020603050405020304" pitchFamily="18" charset="0"/>
+              <a:cs typeface="Times New Roman" panose="02020603050405020304" pitchFamily="18" charset="0"/>
             </a:endParaRPr>
-          </a:p>
-          <a:p>
-            <a:endParaRPr lang="en-US" dirty="0"/>
           </a:p>
         </p:txBody>
       </p:sp>
       <p:pic>
         <p:nvPicPr>
-          <p:cNvPr id="8" name="Picture 7"/>
-          <p:cNvPicPr>
-            <a:picLocks noChangeAspect="1"/>
-          </p:cNvPicPr>
+          <p:cNvPr id="9" name="image1.png"/>
+          <p:cNvPicPr/>
           <p:nvPr/>
         </p:nvPicPr>
         <p:blipFill>
-          <a:blip r:embed="rId2" cstate="print">
-            <a:extLst>
-              <a:ext uri="{28A0092B-C50C-407E-A947-70E740481C1C}">
-                <a14:useLocalDpi xmlns:a14="http://schemas.microsoft.com/office/drawing/2010/main" val="0"/>
-              </a:ext>
-            </a:extLst>
-          </a:blip>
+          <a:blip r:embed="rId2"/>
+          <a:srcRect/>
           <a:stretch>
             <a:fillRect/>
           </a:stretch>
         </p:blipFill>
         <p:spPr>
           <a:xfrm>
-            <a:off x="8270789" y="1955469"/>
-            <a:ext cx="3443416" cy="3448553"/>
+            <a:off x="3804126" y="1475834"/>
+            <a:ext cx="5579745" cy="5200015"/>
           </a:xfrm>
           <a:prstGeom prst="rect">
             <a:avLst/>
           </a:prstGeom>
+          <a:ln/>
         </p:spPr>
       </p:pic>
       <p:pic>
         <p:nvPicPr>
-          <p:cNvPr id="9" name="Picture 8"/>
+          <p:cNvPr id="10" name="Picture 9"/>
           <p:cNvPicPr>
             <a:picLocks noChangeAspect="1"/>
           </p:cNvPicPr>
@@ -5480,10 +3855,33 @@
           </a:prstGeom>
         </p:spPr>
       </p:pic>
+      <p:sp>
+        <p:nvSpPr>
+          <p:cNvPr id="7" name="Slide Number Placeholder 6"/>
+          <p:cNvSpPr>
+            <a:spLocks noGrp="1"/>
+          </p:cNvSpPr>
+          <p:nvPr>
+            <p:ph type="sldNum" sz="quarter" idx="12"/>
+          </p:nvPr>
+        </p:nvSpPr>
+        <p:spPr/>
+        <p:txBody>
+          <a:bodyPr/>
+          <a:lstStyle/>
+          <a:p>
+            <a:fld id="{FC388293-6D4C-49F6-999F-FA35C2DD9781}" type="slidenum">
+              <a:rPr lang="en-US" smtClean="0"/>
+              <a:t>10</a:t>
+            </a:fld>
+            <a:endParaRPr lang="en-US"/>
+          </a:p>
+        </p:txBody>
+      </p:sp>
     </p:spTree>
     <p:extLst>
       <p:ext uri="{BB962C8B-B14F-4D97-AF65-F5344CB8AC3E}">
-        <p14:creationId xmlns:p14="http://schemas.microsoft.com/office/powerpoint/2010/main" val="2432767872"/>
+        <p14:creationId xmlns:p14="http://schemas.microsoft.com/office/powerpoint/2010/main" val="2387617284"/>
       </p:ext>
     </p:extLst>
   </p:cSld>
@@ -5493,242 +3891,7 @@
   <p:timing>
     <p:tnLst>
       <p:par>
-        <p:cTn id="1" dur="indefinite" restart="never" nodeType="tmRoot">
-          <p:childTnLst>
-            <p:seq concurrent="1" nextAc="seek">
-              <p:cTn id="2" dur="indefinite" nodeType="mainSeq">
-                <p:childTnLst>
-                  <p:par>
-                    <p:cTn id="3" fill="hold">
-                      <p:stCondLst>
-                        <p:cond delay="indefinite"/>
-                      </p:stCondLst>
-                      <p:childTnLst>
-                        <p:par>
-                          <p:cTn id="4" fill="hold">
-                            <p:stCondLst>
-                              <p:cond delay="0"/>
-                            </p:stCondLst>
-                            <p:childTnLst>
-                              <p:par>
-                                <p:cTn id="5" presetID="42" presetClass="entr" presetSubtype="0" fill="hold" nodeType="clickEffect">
-                                  <p:stCondLst>
-                                    <p:cond delay="0"/>
-                                  </p:stCondLst>
-                                  <p:childTnLst>
-                                    <p:set>
-                                      <p:cBhvr>
-                                        <p:cTn id="6" dur="1" fill="hold">
-                                          <p:stCondLst>
-                                            <p:cond delay="0"/>
-                                          </p:stCondLst>
-                                        </p:cTn>
-                                        <p:tgtEl>
-                                          <p:spTgt spid="7">
-                                            <p:txEl>
-                                              <p:pRg st="1" end="1"/>
-                                            </p:txEl>
-                                          </p:spTgt>
-                                        </p:tgtEl>
-                                        <p:attrNameLst>
-                                          <p:attrName>style.visibility</p:attrName>
-                                        </p:attrNameLst>
-                                      </p:cBhvr>
-                                      <p:to>
-                                        <p:strVal val="visible"/>
-                                      </p:to>
-                                    </p:set>
-                                    <p:animEffect transition="in" filter="fade">
-                                      <p:cBhvr>
-                                        <p:cTn id="7" dur="1000"/>
-                                        <p:tgtEl>
-                                          <p:spTgt spid="7">
-                                            <p:txEl>
-                                              <p:pRg st="1" end="1"/>
-                                            </p:txEl>
-                                          </p:spTgt>
-                                        </p:tgtEl>
-                                      </p:cBhvr>
-                                    </p:animEffect>
-                                    <p:anim calcmode="lin" valueType="num">
-                                      <p:cBhvr>
-                                        <p:cTn id="8" dur="1000" fill="hold"/>
-                                        <p:tgtEl>
-                                          <p:spTgt spid="7">
-                                            <p:txEl>
-                                              <p:pRg st="1" end="1"/>
-                                            </p:txEl>
-                                          </p:spTgt>
-                                        </p:tgtEl>
-                                        <p:attrNameLst>
-                                          <p:attrName>ppt_x</p:attrName>
-                                        </p:attrNameLst>
-                                      </p:cBhvr>
-                                      <p:tavLst>
-                                        <p:tav tm="0">
-                                          <p:val>
-                                            <p:strVal val="#ppt_x"/>
-                                          </p:val>
-                                        </p:tav>
-                                        <p:tav tm="100000">
-                                          <p:val>
-                                            <p:strVal val="#ppt_x"/>
-                                          </p:val>
-                                        </p:tav>
-                                      </p:tavLst>
-                                    </p:anim>
-                                    <p:anim calcmode="lin" valueType="num">
-                                      <p:cBhvr>
-                                        <p:cTn id="9" dur="1000" fill="hold"/>
-                                        <p:tgtEl>
-                                          <p:spTgt spid="7">
-                                            <p:txEl>
-                                              <p:pRg st="1" end="1"/>
-                                            </p:txEl>
-                                          </p:spTgt>
-                                        </p:tgtEl>
-                                        <p:attrNameLst>
-                                          <p:attrName>ppt_y</p:attrName>
-                                        </p:attrNameLst>
-                                      </p:cBhvr>
-                                      <p:tavLst>
-                                        <p:tav tm="0">
-                                          <p:val>
-                                            <p:strVal val="#ppt_y+.1"/>
-                                          </p:val>
-                                        </p:tav>
-                                        <p:tav tm="100000">
-                                          <p:val>
-                                            <p:strVal val="#ppt_y"/>
-                                          </p:val>
-                                        </p:tav>
-                                      </p:tavLst>
-                                    </p:anim>
-                                  </p:childTnLst>
-                                </p:cTn>
-                              </p:par>
-                              <p:par>
-                                <p:cTn id="10" presetID="42" presetClass="entr" presetSubtype="0" fill="hold" nodeType="withEffect">
-                                  <p:stCondLst>
-                                    <p:cond delay="0"/>
-                                  </p:stCondLst>
-                                  <p:childTnLst>
-                                    <p:set>
-                                      <p:cBhvr>
-                                        <p:cTn id="11" dur="1" fill="hold">
-                                          <p:stCondLst>
-                                            <p:cond delay="0"/>
-                                          </p:stCondLst>
-                                        </p:cTn>
-                                        <p:tgtEl>
-                                          <p:spTgt spid="7">
-                                            <p:txEl>
-                                              <p:pRg st="2" end="2"/>
-                                            </p:txEl>
-                                          </p:spTgt>
-                                        </p:tgtEl>
-                                        <p:attrNameLst>
-                                          <p:attrName>style.visibility</p:attrName>
-                                        </p:attrNameLst>
-                                      </p:cBhvr>
-                                      <p:to>
-                                        <p:strVal val="visible"/>
-                                      </p:to>
-                                    </p:set>
-                                    <p:animEffect transition="in" filter="fade">
-                                      <p:cBhvr>
-                                        <p:cTn id="12" dur="1000"/>
-                                        <p:tgtEl>
-                                          <p:spTgt spid="7">
-                                            <p:txEl>
-                                              <p:pRg st="2" end="2"/>
-                                            </p:txEl>
-                                          </p:spTgt>
-                                        </p:tgtEl>
-                                      </p:cBhvr>
-                                    </p:animEffect>
-                                    <p:anim calcmode="lin" valueType="num">
-                                      <p:cBhvr>
-                                        <p:cTn id="13" dur="1000" fill="hold"/>
-                                        <p:tgtEl>
-                                          <p:spTgt spid="7">
-                                            <p:txEl>
-                                              <p:pRg st="2" end="2"/>
-                                            </p:txEl>
-                                          </p:spTgt>
-                                        </p:tgtEl>
-                                        <p:attrNameLst>
-                                          <p:attrName>ppt_x</p:attrName>
-                                        </p:attrNameLst>
-                                      </p:cBhvr>
-                                      <p:tavLst>
-                                        <p:tav tm="0">
-                                          <p:val>
-                                            <p:strVal val="#ppt_x"/>
-                                          </p:val>
-                                        </p:tav>
-                                        <p:tav tm="100000">
-                                          <p:val>
-                                            <p:strVal val="#ppt_x"/>
-                                          </p:val>
-                                        </p:tav>
-                                      </p:tavLst>
-                                    </p:anim>
-                                    <p:anim calcmode="lin" valueType="num">
-                                      <p:cBhvr>
-                                        <p:cTn id="14" dur="1000" fill="hold"/>
-                                        <p:tgtEl>
-                                          <p:spTgt spid="7">
-                                            <p:txEl>
-                                              <p:pRg st="2" end="2"/>
-                                            </p:txEl>
-                                          </p:spTgt>
-                                        </p:tgtEl>
-                                        <p:attrNameLst>
-                                          <p:attrName>ppt_y</p:attrName>
-                                        </p:attrNameLst>
-                                      </p:cBhvr>
-                                      <p:tavLst>
-                                        <p:tav tm="0">
-                                          <p:val>
-                                            <p:strVal val="#ppt_y+.1"/>
-                                          </p:val>
-                                        </p:tav>
-                                        <p:tav tm="100000">
-                                          <p:val>
-                                            <p:strVal val="#ppt_y"/>
-                                          </p:val>
-                                        </p:tav>
-                                      </p:tavLst>
-                                    </p:anim>
-                                  </p:childTnLst>
-                                </p:cTn>
-                              </p:par>
-                            </p:childTnLst>
-                          </p:cTn>
-                        </p:par>
-                      </p:childTnLst>
-                    </p:cTn>
-                  </p:par>
-                </p:childTnLst>
-              </p:cTn>
-              <p:prevCondLst>
-                <p:cond evt="onPrev" delay="0">
-                  <p:tgtEl>
-                    <p:sldTgt/>
-                  </p:tgtEl>
-                </p:cond>
-              </p:prevCondLst>
-              <p:nextCondLst>
-                <p:cond evt="onNext" delay="0">
-                  <p:tgtEl>
-                    <p:sldTgt/>
-                  </p:tgtEl>
-                </p:cond>
-              </p:nextCondLst>
-            </p:seq>
-          </p:childTnLst>
-        </p:cTn>
+        <p:cTn id="1" dur="indefinite" restart="never" nodeType="tmRoot"/>
       </p:par>
     </p:tnLst>
   </p:timing>
@@ -5764,13 +3927,13 @@
         </p:nvSpPr>
         <p:spPr>
           <a:xfrm>
-            <a:off x="2225773" y="1810487"/>
-            <a:ext cx="8878833" cy="4424447"/>
+            <a:off x="2287217" y="6038335"/>
+            <a:ext cx="8619682" cy="336944"/>
           </a:xfrm>
         </p:spPr>
         <p:txBody>
           <a:bodyPr>
-            <a:noAutofit/>
+            <a:normAutofit/>
           </a:bodyPr>
           <a:lstStyle/>
           <a:p>
@@ -5780,7 +3943,7 @@
               </a:lnSpc>
               <a:buNone/>
             </a:pPr>
-            <a:endParaRPr lang="en-US" sz="1800" dirty="0">
+            <a:endParaRPr lang="en-US" sz="1600" dirty="0">
               <a:latin typeface="Times New Roman" panose="02020603050405020304" pitchFamily="18" charset="0"/>
               <a:cs typeface="Times New Roman" panose="02020603050405020304" pitchFamily="18" charset="0"/>
             </a:endParaRPr>
@@ -5793,30 +3956,24 @@
               <a:buFont typeface="Tahoma" panose="020B0604030504040204" pitchFamily="34" charset="0"/>
               <a:buChar char="⁃"/>
             </a:pPr>
-            <a:endParaRPr lang="en-US" sz="1800" dirty="0">
-              <a:latin typeface="Times New Roman" panose="02020603050405020304" pitchFamily="18" charset="0"/>
+            <a:endParaRPr lang="en-US" sz="1600" dirty="0">
+              <a:latin typeface="Tahoma" panose="020B0604030504040204" pitchFamily="34" charset="0"/>
               <a:ea typeface="Tahoma" panose="020B0604030504040204" pitchFamily="34" charset="0"/>
-              <a:cs typeface="Times New Roman" panose="02020603050405020304" pitchFamily="18" charset="0"/>
+              <a:cs typeface="Tahoma" panose="020B0604030504040204" pitchFamily="34" charset="0"/>
             </a:endParaRPr>
           </a:p>
         </p:txBody>
       </p:sp>
       <p:sp>
         <p:nvSpPr>
-          <p:cNvPr id="2" name="TextBox 1">
-            <a:extLst>
-              <a:ext uri="{FF2B5EF4-FFF2-40B4-BE49-F238E27FC236}">
-                <a16:creationId xmlns:a16="http://schemas.microsoft.com/office/drawing/2014/main" id="{16AF04DE-8B08-4FBF-BCC8-19036BE796C4}"/>
-              </a:ext>
-            </a:extLst>
-          </p:cNvPr>
+          <p:cNvPr id="4" name="TextBox 3"/>
           <p:cNvSpPr txBox="1"/>
           <p:nvPr/>
         </p:nvSpPr>
         <p:spPr>
           <a:xfrm>
-            <a:off x="2979962" y="335710"/>
-            <a:ext cx="6436777" cy="523220"/>
+            <a:off x="3495697" y="361510"/>
+            <a:ext cx="4773119" cy="492443"/>
           </a:xfrm>
           <a:prstGeom prst="rect">
             <a:avLst/>
@@ -5831,25 +3988,59 @@
           <a:p>
             <a:pPr algn="ctr"/>
             <a:r>
-              <a:rPr lang="en-US" sz="2800" b="1" dirty="0" smtClean="0">
+              <a:rPr lang="en-US" sz="2600" b="1" dirty="0">
                 <a:latin typeface="Times New Roman" panose="02020603050405020304" pitchFamily="18" charset="0"/>
                 <a:cs typeface="Times New Roman" panose="02020603050405020304" pitchFamily="18" charset="0"/>
               </a:rPr>
-              <a:t>II. Công nghệ và công cụ thực hiện đề tài</a:t>
-            </a:r>
-            <a:endParaRPr lang="vi-VN" sz="2800" b="1" dirty="0">
+              <a:t>III. Phân tích thiết kế hệ thống</a:t>
+            </a:r>
+            <a:endParaRPr lang="vi-VN" sz="2600" b="1" dirty="0">
               <a:latin typeface="Times New Roman" panose="02020603050405020304" pitchFamily="18" charset="0"/>
               <a:cs typeface="Times New Roman" panose="02020603050405020304" pitchFamily="18" charset="0"/>
             </a:endParaRPr>
           </a:p>
         </p:txBody>
       </p:sp>
+      <p:sp>
+        <p:nvSpPr>
+          <p:cNvPr id="8" name="TextBox 7"/>
+          <p:cNvSpPr txBox="1"/>
+          <p:nvPr/>
+        </p:nvSpPr>
+        <p:spPr>
+          <a:xfrm>
+            <a:off x="2309230" y="1174816"/>
+            <a:ext cx="3209533" cy="400110"/>
+          </a:xfrm>
+          <a:prstGeom prst="rect">
+            <a:avLst/>
+          </a:prstGeom>
+          <a:noFill/>
+        </p:spPr>
+        <p:txBody>
+          <a:bodyPr wrap="none" rtlCol="0">
+            <a:spAutoFit/>
+          </a:bodyPr>
+          <a:lstStyle/>
+          <a:p>
+            <a:r>
+              <a:rPr lang="en-US" sz="2000" b="1" dirty="0" smtClean="0">
+                <a:latin typeface="Times New Roman" panose="02020603050405020304" pitchFamily="18" charset="0"/>
+                <a:cs typeface="Times New Roman" panose="02020603050405020304" pitchFamily="18" charset="0"/>
+              </a:rPr>
+              <a:t>Các Use case: Quản trị viên</a:t>
+            </a:r>
+            <a:endParaRPr lang="en-US" sz="2000" b="1" dirty="0">
+              <a:latin typeface="Times New Roman" panose="02020603050405020304" pitchFamily="18" charset="0"/>
+              <a:cs typeface="Times New Roman" panose="02020603050405020304" pitchFamily="18" charset="0"/>
+            </a:endParaRPr>
+          </a:p>
+        </p:txBody>
+      </p:sp>
       <p:pic>
         <p:nvPicPr>
-          <p:cNvPr id="4" name="Picture 3"/>
-          <p:cNvPicPr>
-            <a:picLocks noChangeAspect="1"/>
-          </p:cNvPicPr>
+          <p:cNvPr id="9" name="Picture 8"/>
+          <p:cNvPicPr/>
           <p:nvPr/>
         </p:nvPicPr>
         <p:blipFill>
@@ -5860,85 +4051,17 @@
         </p:blipFill>
         <p:spPr>
           <a:xfrm>
-            <a:off x="2957834" y="1810487"/>
-            <a:ext cx="6722076" cy="4239781"/>
+            <a:off x="3092383" y="1895789"/>
+            <a:ext cx="5579745" cy="4457065"/>
           </a:xfrm>
           <a:prstGeom prst="rect">
             <a:avLst/>
           </a:prstGeom>
         </p:spPr>
       </p:pic>
-      <p:sp>
-        <p:nvSpPr>
-          <p:cNvPr id="6" name="TextBox 5"/>
-          <p:cNvSpPr txBox="1"/>
-          <p:nvPr/>
-        </p:nvSpPr>
-        <p:spPr>
-          <a:xfrm>
-            <a:off x="4829481" y="6050268"/>
-            <a:ext cx="3058851" cy="400110"/>
-          </a:xfrm>
-          <a:prstGeom prst="rect">
-            <a:avLst/>
-          </a:prstGeom>
-          <a:noFill/>
-        </p:spPr>
-        <p:txBody>
-          <a:bodyPr wrap="none" rtlCol="0">
-            <a:spAutoFit/>
-          </a:bodyPr>
-          <a:lstStyle/>
-          <a:p>
-            <a:r>
-              <a:rPr lang="en-US" sz="2000" dirty="0">
-                <a:latin typeface="Times New Roman" panose="02020603050405020304" pitchFamily="18" charset="0"/>
-                <a:cs typeface="Times New Roman" panose="02020603050405020304" pitchFamily="18" charset="0"/>
-              </a:rPr>
-              <a:t>Spring Framework Runtime</a:t>
-            </a:r>
-          </a:p>
-        </p:txBody>
-      </p:sp>
-      <p:sp>
-        <p:nvSpPr>
-          <p:cNvPr id="7" name="TextBox 6"/>
-          <p:cNvSpPr txBox="1"/>
-          <p:nvPr/>
-        </p:nvSpPr>
-        <p:spPr>
-          <a:xfrm>
-            <a:off x="2479589" y="1313608"/>
-            <a:ext cx="3323346" cy="400110"/>
-          </a:xfrm>
-          <a:prstGeom prst="rect">
-            <a:avLst/>
-          </a:prstGeom>
-          <a:noFill/>
-        </p:spPr>
-        <p:txBody>
-          <a:bodyPr wrap="none" rtlCol="0">
-            <a:spAutoFit/>
-          </a:bodyPr>
-          <a:lstStyle/>
-          <a:p>
-            <a:r>
-              <a:rPr lang="en-US" sz="2000" b="1" dirty="0" smtClean="0">
-                <a:latin typeface="Times New Roman" panose="02020603050405020304" pitchFamily="18" charset="0"/>
-                <a:cs typeface="Times New Roman" panose="02020603050405020304" pitchFamily="18" charset="0"/>
-              </a:rPr>
-              <a:t>Kiến trúc Spring framework</a:t>
-            </a:r>
-            <a:endParaRPr lang="en-US" sz="2000" b="1" dirty="0">
-              <a:latin typeface="Times New Roman" panose="02020603050405020304" pitchFamily="18" charset="0"/>
-              <a:cs typeface="Times New Roman" panose="02020603050405020304" pitchFamily="18" charset="0"/>
-            </a:endParaRPr>
-          </a:p>
-        </p:txBody>
-      </p:sp>
       <p:pic>
         <p:nvPicPr>
-          <p:cNvPr id="8" name="Picture 7"/>
+          <p:cNvPr id="10" name="Picture 9"/>
           <p:cNvPicPr>
             <a:picLocks noChangeAspect="1"/>
           </p:cNvPicPr>
@@ -5966,10 +4089,33 @@
           </a:prstGeom>
         </p:spPr>
       </p:pic>
+      <p:sp>
+        <p:nvSpPr>
+          <p:cNvPr id="6" name="Slide Number Placeholder 5"/>
+          <p:cNvSpPr>
+            <a:spLocks noGrp="1"/>
+          </p:cNvSpPr>
+          <p:nvPr>
+            <p:ph type="sldNum" sz="quarter" idx="12"/>
+          </p:nvPr>
+        </p:nvSpPr>
+        <p:spPr/>
+        <p:txBody>
+          <a:bodyPr/>
+          <a:lstStyle/>
+          <a:p>
+            <a:fld id="{FC388293-6D4C-49F6-999F-FA35C2DD9781}" type="slidenum">
+              <a:rPr lang="en-US" smtClean="0"/>
+              <a:t>11</a:t>
+            </a:fld>
+            <a:endParaRPr lang="en-US"/>
+          </a:p>
+        </p:txBody>
+      </p:sp>
     </p:spTree>
     <p:extLst>
       <p:ext uri="{BB962C8B-B14F-4D97-AF65-F5344CB8AC3E}">
-        <p14:creationId xmlns:p14="http://schemas.microsoft.com/office/powerpoint/2010/main" val="3341814801"/>
+        <p14:creationId xmlns:p14="http://schemas.microsoft.com/office/powerpoint/2010/main" val="1718633713"/>
       </p:ext>
     </p:extLst>
   </p:cSld>
@@ -6011,8 +4157,8 @@
         </p:nvSpPr>
         <p:spPr>
           <a:xfrm>
-            <a:off x="2493287" y="0"/>
-            <a:ext cx="6984421" cy="492443"/>
+            <a:off x="4078997" y="141566"/>
+            <a:ext cx="5589201" cy="492443"/>
           </a:xfrm>
           <a:prstGeom prst="rect">
             <a:avLst/>
@@ -6025,96 +4171,31 @@
           </a:bodyPr>
           <a:lstStyle/>
           <a:p>
-            <a:pPr algn="ctr"/>
+            <a:pPr marL="0" lvl="1"/>
             <a:r>
               <a:rPr lang="en-US" sz="2600" b="1" dirty="0" smtClean="0">
                 <a:latin typeface="Times New Roman" panose="02020603050405020304" pitchFamily="18" charset="0"/>
                 <a:cs typeface="Times New Roman" panose="02020603050405020304" pitchFamily="18" charset="0"/>
               </a:rPr>
-              <a:t>III. Phân tích </a:t>
-            </a:r>
-            <a:r>
-              <a:rPr lang="en-US" sz="2600" b="1" smtClean="0">
-                <a:latin typeface="Times New Roman" panose="02020603050405020304" pitchFamily="18" charset="0"/>
-                <a:cs typeface="Times New Roman" panose="02020603050405020304" pitchFamily="18" charset="0"/>
-              </a:rPr>
-              <a:t>thiết kế hệ thống</a:t>
-            </a:r>
-            <a:endParaRPr lang="vi-VN" sz="2600" b="1" dirty="0">
+              <a:t>IV. Kết quả chương trình</a:t>
+            </a:r>
+            <a:endParaRPr lang="en-US" sz="2600" b="1" dirty="0">
               <a:latin typeface="Times New Roman" panose="02020603050405020304" pitchFamily="18" charset="0"/>
               <a:cs typeface="Times New Roman" panose="02020603050405020304" pitchFamily="18" charset="0"/>
             </a:endParaRPr>
           </a:p>
         </p:txBody>
       </p:sp>
-      <p:sp>
-        <p:nvSpPr>
-          <p:cNvPr id="2" name="TextBox 1"/>
-          <p:cNvSpPr txBox="1"/>
-          <p:nvPr/>
-        </p:nvSpPr>
-        <p:spPr>
-          <a:xfrm>
-            <a:off x="5637876" y="423763"/>
-            <a:ext cx="1571264" cy="400110"/>
-          </a:xfrm>
-          <a:prstGeom prst="rect">
-            <a:avLst/>
-          </a:prstGeom>
-          <a:noFill/>
-        </p:spPr>
-        <p:txBody>
-          <a:bodyPr wrap="none" rtlCol="0">
-            <a:spAutoFit/>
-          </a:bodyPr>
-          <a:lstStyle/>
-          <a:p>
-            <a:r>
-              <a:rPr lang="en-US" sz="2000" dirty="0" smtClean="0">
-                <a:latin typeface="Times New Roman" panose="02020603050405020304" pitchFamily="18" charset="0"/>
-                <a:cs typeface="Times New Roman" panose="02020603050405020304" pitchFamily="18" charset="0"/>
-              </a:rPr>
-              <a:t>Cơ sở dữ liệu</a:t>
-            </a:r>
-            <a:endParaRPr lang="en-US" sz="2000" dirty="0">
-              <a:latin typeface="Times New Roman" panose="02020603050405020304" pitchFamily="18" charset="0"/>
-              <a:cs typeface="Times New Roman" panose="02020603050405020304" pitchFamily="18" charset="0"/>
-            </a:endParaRPr>
-          </a:p>
-        </p:txBody>
-      </p:sp>
       <p:pic>
         <p:nvPicPr>
-          <p:cNvPr id="7" name="Picture 6"/>
-          <p:cNvPicPr/>
-          <p:nvPr/>
-        </p:nvPicPr>
-        <p:blipFill>
-          <a:blip r:embed="rId2"/>
-          <a:stretch>
-            <a:fillRect/>
-          </a:stretch>
-        </p:blipFill>
-        <p:spPr>
-          <a:xfrm>
-            <a:off x="3636175" y="916206"/>
-            <a:ext cx="5574665" cy="5708650"/>
-          </a:xfrm>
-          <a:prstGeom prst="rect">
-            <a:avLst/>
-          </a:prstGeom>
-        </p:spPr>
-      </p:pic>
-      <p:pic>
-        <p:nvPicPr>
-          <p:cNvPr id="10" name="Picture 9"/>
+          <p:cNvPr id="5" name="Picture 4"/>
           <p:cNvPicPr>
             <a:picLocks noChangeAspect="1"/>
           </p:cNvPicPr>
           <p:nvPr/>
         </p:nvPicPr>
         <p:blipFill>
-          <a:blip r:embed="rId3">
+          <a:blip r:embed="rId2">
             <a:extLst>
               <a:ext uri="{28A0092B-C50C-407E-A947-70E740481C1C}">
                 <a14:useLocalDpi xmlns:a14="http://schemas.microsoft.com/office/drawing/2010/main" val="0"/>
@@ -6135,10 +4216,129 @@
           </a:prstGeom>
         </p:spPr>
       </p:pic>
+      <p:sp>
+        <p:nvSpPr>
+          <p:cNvPr id="7" name="TextBox 6"/>
+          <p:cNvSpPr txBox="1"/>
+          <p:nvPr/>
+        </p:nvSpPr>
+        <p:spPr>
+          <a:xfrm>
+            <a:off x="4672046" y="5519404"/>
+            <a:ext cx="3174267" cy="400110"/>
+          </a:xfrm>
+          <a:prstGeom prst="rect">
+            <a:avLst/>
+          </a:prstGeom>
+          <a:noFill/>
+        </p:spPr>
+        <p:txBody>
+          <a:bodyPr wrap="none" rtlCol="0">
+            <a:spAutoFit/>
+          </a:bodyPr>
+          <a:lstStyle/>
+          <a:p>
+            <a:r>
+              <a:rPr lang="en-US" sz="2000" dirty="0" smtClean="0">
+                <a:latin typeface="Times New Roman" panose="02020603050405020304" pitchFamily="18" charset="0"/>
+                <a:cs typeface="Times New Roman" panose="02020603050405020304" pitchFamily="18" charset="0"/>
+              </a:rPr>
+              <a:t>Hình 4.1 Giao diện trang chủ</a:t>
+            </a:r>
+            <a:endParaRPr lang="en-US" sz="2000" dirty="0">
+              <a:latin typeface="Times New Roman" panose="02020603050405020304" pitchFamily="18" charset="0"/>
+              <a:cs typeface="Times New Roman" panose="02020603050405020304" pitchFamily="18" charset="0"/>
+            </a:endParaRPr>
+          </a:p>
+        </p:txBody>
+      </p:sp>
+      <p:sp>
+        <p:nvSpPr>
+          <p:cNvPr id="8" name="TextBox 7"/>
+          <p:cNvSpPr txBox="1"/>
+          <p:nvPr/>
+        </p:nvSpPr>
+        <p:spPr>
+          <a:xfrm>
+            <a:off x="2097870" y="908553"/>
+            <a:ext cx="3491661" cy="400110"/>
+          </a:xfrm>
+          <a:prstGeom prst="rect">
+            <a:avLst/>
+          </a:prstGeom>
+          <a:noFill/>
+        </p:spPr>
+        <p:txBody>
+          <a:bodyPr wrap="none" rtlCol="0">
+            <a:spAutoFit/>
+          </a:bodyPr>
+          <a:lstStyle/>
+          <a:p>
+            <a:r>
+              <a:rPr lang="en-US" sz="2000" b="1" dirty="0" smtClean="0">
+                <a:latin typeface="Times New Roman" panose="02020603050405020304" pitchFamily="18" charset="0"/>
+                <a:cs typeface="Times New Roman" panose="02020603050405020304" pitchFamily="18" charset="0"/>
+              </a:rPr>
+              <a:t>Một số giao diện chương trình</a:t>
+            </a:r>
+            <a:endParaRPr lang="en-US" sz="2000" b="1" dirty="0">
+              <a:latin typeface="Times New Roman" panose="02020603050405020304" pitchFamily="18" charset="0"/>
+              <a:cs typeface="Times New Roman" panose="02020603050405020304" pitchFamily="18" charset="0"/>
+            </a:endParaRPr>
+          </a:p>
+        </p:txBody>
+      </p:sp>
+      <p:pic>
+        <p:nvPicPr>
+          <p:cNvPr id="9" name="Picture 8"/>
+          <p:cNvPicPr>
+            <a:picLocks noChangeAspect="1"/>
+          </p:cNvPicPr>
+          <p:nvPr/>
+        </p:nvPicPr>
+        <p:blipFill>
+          <a:blip r:embed="rId3"/>
+          <a:stretch>
+            <a:fillRect/>
+          </a:stretch>
+        </p:blipFill>
+        <p:spPr>
+          <a:xfrm>
+            <a:off x="2097870" y="1462437"/>
+            <a:ext cx="8008494" cy="3903193"/>
+          </a:xfrm>
+          <a:prstGeom prst="rect">
+            <a:avLst/>
+          </a:prstGeom>
+        </p:spPr>
+      </p:pic>
+      <p:sp>
+        <p:nvSpPr>
+          <p:cNvPr id="6" name="Slide Number Placeholder 5"/>
+          <p:cNvSpPr>
+            <a:spLocks noGrp="1"/>
+          </p:cNvSpPr>
+          <p:nvPr>
+            <p:ph type="sldNum" sz="quarter" idx="12"/>
+          </p:nvPr>
+        </p:nvSpPr>
+        <p:spPr/>
+        <p:txBody>
+          <a:bodyPr/>
+          <a:lstStyle/>
+          <a:p>
+            <a:fld id="{FC388293-6D4C-49F6-999F-FA35C2DD9781}" type="slidenum">
+              <a:rPr lang="en-US" smtClean="0"/>
+              <a:t>12</a:t>
+            </a:fld>
+            <a:endParaRPr lang="en-US"/>
+          </a:p>
+        </p:txBody>
+      </p:sp>
     </p:spTree>
     <p:extLst>
       <p:ext uri="{BB962C8B-B14F-4D97-AF65-F5344CB8AC3E}">
-        <p14:creationId xmlns:p14="http://schemas.microsoft.com/office/powerpoint/2010/main" val="4165358827"/>
+        <p14:creationId xmlns:p14="http://schemas.microsoft.com/office/powerpoint/2010/main" val="3726691490"/>
       </p:ext>
     </p:extLst>
   </p:cSld>
@@ -6174,69 +4374,14 @@
       </p:grpSpPr>
       <p:sp>
         <p:nvSpPr>
-          <p:cNvPr id="3" name="Content Placeholder 2"/>
-          <p:cNvSpPr>
-            <a:spLocks noGrp="1"/>
-          </p:cNvSpPr>
-          <p:nvPr>
-            <p:ph idx="1"/>
-          </p:nvPr>
-        </p:nvSpPr>
-        <p:spPr>
-          <a:xfrm>
-            <a:off x="1792958" y="1911178"/>
-            <a:ext cx="8343373" cy="4084859"/>
-          </a:xfrm>
-        </p:spPr>
-        <p:txBody>
-          <a:bodyPr>
-            <a:noAutofit/>
-          </a:bodyPr>
-          <a:lstStyle/>
-          <a:p>
-            <a:pPr marL="457200" lvl="1" indent="0">
-              <a:lnSpc>
-                <a:spcPct val="100000"/>
-              </a:lnSpc>
-              <a:buNone/>
-            </a:pPr>
-            <a:endParaRPr lang="en-US" sz="1800" dirty="0">
-              <a:latin typeface="Times New Roman" panose="02020603050405020304" pitchFamily="18" charset="0"/>
-              <a:cs typeface="Times New Roman" panose="02020603050405020304" pitchFamily="18" charset="0"/>
-            </a:endParaRPr>
-          </a:p>
-          <a:p>
-            <a:pPr lvl="1">
-              <a:lnSpc>
-                <a:spcPct val="100000"/>
-              </a:lnSpc>
-              <a:buFont typeface="Tahoma" panose="020B0604030504040204" pitchFamily="34" charset="0"/>
-              <a:buChar char="⁃"/>
-            </a:pPr>
-            <a:endParaRPr lang="en-US" sz="1800" dirty="0">
-              <a:latin typeface="Times New Roman" panose="02020603050405020304" pitchFamily="18" charset="0"/>
-              <a:ea typeface="Tahoma" panose="020B0604030504040204" pitchFamily="34" charset="0"/>
-              <a:cs typeface="Times New Roman" panose="02020603050405020304" pitchFamily="18" charset="0"/>
-            </a:endParaRPr>
-          </a:p>
-        </p:txBody>
-      </p:sp>
-      <p:sp>
-        <p:nvSpPr>
-          <p:cNvPr id="2" name="TextBox 1">
-            <a:extLst>
-              <a:ext uri="{FF2B5EF4-FFF2-40B4-BE49-F238E27FC236}">
-                <a16:creationId xmlns:a16="http://schemas.microsoft.com/office/drawing/2014/main" id="{16AF04DE-8B08-4FBF-BCC8-19036BE796C4}"/>
-              </a:ext>
-            </a:extLst>
-          </p:cNvPr>
+          <p:cNvPr id="7" name="TextBox 6"/>
           <p:cNvSpPr txBox="1"/>
           <p:nvPr/>
         </p:nvSpPr>
         <p:spPr>
           <a:xfrm>
-            <a:off x="3028499" y="376899"/>
-            <a:ext cx="5872293" cy="492443"/>
+            <a:off x="3809891" y="4225822"/>
+            <a:ext cx="4860626" cy="400110"/>
           </a:xfrm>
           <a:prstGeom prst="rect">
             <a:avLst/>
@@ -6244,89 +4389,50 @@
           <a:noFill/>
         </p:spPr>
         <p:txBody>
-          <a:bodyPr wrap="square" rtlCol="0">
+          <a:bodyPr wrap="none" rtlCol="0">
             <a:spAutoFit/>
           </a:bodyPr>
           <a:lstStyle/>
           <a:p>
-            <a:pPr algn="ctr"/>
-            <a:r>
-              <a:rPr lang="en-US" sz="2600" b="1" dirty="0" smtClean="0">
+            <a:r>
+              <a:rPr lang="en-US" sz="2000" dirty="0" smtClean="0">
                 <a:latin typeface="Times New Roman" panose="02020603050405020304" pitchFamily="18" charset="0"/>
                 <a:cs typeface="Times New Roman" panose="02020603050405020304" pitchFamily="18" charset="0"/>
               </a:rPr>
-              <a:t>III. Phân tích thiết kế hệ thống</a:t>
-            </a:r>
-            <a:endParaRPr lang="vi-VN" sz="2600" b="1" dirty="0">
+              <a:t>Hình 4.2 Giao diện trang danh sách sản phẩm</a:t>
+            </a:r>
+            <a:endParaRPr lang="en-US" sz="2000" dirty="0">
               <a:latin typeface="Times New Roman" panose="02020603050405020304" pitchFamily="18" charset="0"/>
               <a:cs typeface="Times New Roman" panose="02020603050405020304" pitchFamily="18" charset="0"/>
             </a:endParaRPr>
           </a:p>
         </p:txBody>
       </p:sp>
-      <p:sp>
-        <p:nvSpPr>
-          <p:cNvPr id="4" name="TextBox 3"/>
-          <p:cNvSpPr txBox="1"/>
-          <p:nvPr/>
-        </p:nvSpPr>
-        <p:spPr>
-          <a:xfrm>
-            <a:off x="2309230" y="1174816"/>
-            <a:ext cx="3076483" cy="400110"/>
-          </a:xfrm>
-          <a:prstGeom prst="rect">
-            <a:avLst/>
-          </a:prstGeom>
-          <a:noFill/>
-        </p:spPr>
-        <p:txBody>
-          <a:bodyPr wrap="none" rtlCol="0">
-            <a:spAutoFit/>
-          </a:bodyPr>
-          <a:lstStyle/>
-          <a:p>
-            <a:r>
-              <a:rPr lang="en-US" sz="2000" b="1" dirty="0" smtClean="0">
-                <a:latin typeface="Times New Roman" panose="02020603050405020304" pitchFamily="18" charset="0"/>
-                <a:cs typeface="Times New Roman" panose="02020603050405020304" pitchFamily="18" charset="0"/>
-              </a:rPr>
-              <a:t>Các Use case: Khách hàng</a:t>
-            </a:r>
-            <a:endParaRPr lang="en-US" sz="2000" b="1" dirty="0">
-              <a:latin typeface="Times New Roman" panose="02020603050405020304" pitchFamily="18" charset="0"/>
-              <a:cs typeface="Times New Roman" panose="02020603050405020304" pitchFamily="18" charset="0"/>
-            </a:endParaRPr>
-          </a:p>
-        </p:txBody>
-      </p:sp>
       <p:pic>
         <p:nvPicPr>
-          <p:cNvPr id="9" name="image1.png"/>
+          <p:cNvPr id="8" name="Picture 7"/>
           <p:cNvPicPr/>
           <p:nvPr/>
         </p:nvPicPr>
         <p:blipFill>
           <a:blip r:embed="rId2"/>
-          <a:srcRect/>
           <a:stretch>
             <a:fillRect/>
           </a:stretch>
         </p:blipFill>
         <p:spPr>
           <a:xfrm>
-            <a:off x="3804126" y="1475834"/>
-            <a:ext cx="5579745" cy="5200015"/>
+            <a:off x="2780680" y="1155939"/>
+            <a:ext cx="6919049" cy="3069883"/>
           </a:xfrm>
           <a:prstGeom prst="rect">
             <a:avLst/>
           </a:prstGeom>
-          <a:ln/>
         </p:spPr>
       </p:pic>
       <p:pic>
         <p:nvPicPr>
-          <p:cNvPr id="10" name="Picture 9"/>
+          <p:cNvPr id="9" name="Picture 8"/>
           <p:cNvPicPr>
             <a:picLocks noChangeAspect="1"/>
           </p:cNvPicPr>
@@ -6354,10 +4460,70 @@
           </a:prstGeom>
         </p:spPr>
       </p:pic>
+      <p:sp>
+        <p:nvSpPr>
+          <p:cNvPr id="10" name="TextBox 9"/>
+          <p:cNvSpPr txBox="1"/>
+          <p:nvPr/>
+        </p:nvSpPr>
+        <p:spPr>
+          <a:xfrm>
+            <a:off x="4078997" y="141566"/>
+            <a:ext cx="5589201" cy="492443"/>
+          </a:xfrm>
+          <a:prstGeom prst="rect">
+            <a:avLst/>
+          </a:prstGeom>
+          <a:noFill/>
+        </p:spPr>
+        <p:txBody>
+          <a:bodyPr wrap="square" rtlCol="0">
+            <a:spAutoFit/>
+          </a:bodyPr>
+          <a:lstStyle/>
+          <a:p>
+            <a:pPr marL="0" lvl="1"/>
+            <a:r>
+              <a:rPr lang="en-US" sz="2600" b="1" dirty="0" smtClean="0">
+                <a:latin typeface="Times New Roman" panose="02020603050405020304" pitchFamily="18" charset="0"/>
+                <a:cs typeface="Times New Roman" panose="02020603050405020304" pitchFamily="18" charset="0"/>
+              </a:rPr>
+              <a:t>IV. Kết quả chương trình</a:t>
+            </a:r>
+            <a:endParaRPr lang="en-US" sz="2600" b="1" dirty="0">
+              <a:latin typeface="Times New Roman" panose="02020603050405020304" pitchFamily="18" charset="0"/>
+              <a:cs typeface="Times New Roman" panose="02020603050405020304" pitchFamily="18" charset="0"/>
+            </a:endParaRPr>
+          </a:p>
+        </p:txBody>
+      </p:sp>
+      <p:sp>
+        <p:nvSpPr>
+          <p:cNvPr id="4" name="Slide Number Placeholder 3"/>
+          <p:cNvSpPr>
+            <a:spLocks noGrp="1"/>
+          </p:cNvSpPr>
+          <p:nvPr>
+            <p:ph type="sldNum" sz="quarter" idx="12"/>
+          </p:nvPr>
+        </p:nvSpPr>
+        <p:spPr/>
+        <p:txBody>
+          <a:bodyPr/>
+          <a:lstStyle/>
+          <a:p>
+            <a:fld id="{FC388293-6D4C-49F6-999F-FA35C2DD9781}" type="slidenum">
+              <a:rPr lang="en-US" smtClean="0"/>
+              <a:t>13</a:t>
+            </a:fld>
+            <a:endParaRPr lang="en-US"/>
+          </a:p>
+        </p:txBody>
+      </p:sp>
     </p:spTree>
     <p:extLst>
       <p:ext uri="{BB962C8B-B14F-4D97-AF65-F5344CB8AC3E}">
-        <p14:creationId xmlns:p14="http://schemas.microsoft.com/office/powerpoint/2010/main" val="2387617284"/>
+        <p14:creationId xmlns:p14="http://schemas.microsoft.com/office/powerpoint/2010/main" val="2138245722"/>
       </p:ext>
     </p:extLst>
   </p:cSld>
@@ -6393,63 +4559,14 @@
       </p:grpSpPr>
       <p:sp>
         <p:nvSpPr>
-          <p:cNvPr id="3" name="Content Placeholder 2"/>
-          <p:cNvSpPr>
-            <a:spLocks noGrp="1"/>
-          </p:cNvSpPr>
-          <p:nvPr>
-            <p:ph idx="1"/>
-          </p:nvPr>
-        </p:nvSpPr>
-        <p:spPr>
-          <a:xfrm>
-            <a:off x="2287217" y="6038335"/>
-            <a:ext cx="8619682" cy="336944"/>
-          </a:xfrm>
-        </p:spPr>
-        <p:txBody>
-          <a:bodyPr>
-            <a:normAutofit/>
-          </a:bodyPr>
-          <a:lstStyle/>
-          <a:p>
-            <a:pPr marL="457200" lvl="1" indent="0">
-              <a:lnSpc>
-                <a:spcPct val="100000"/>
-              </a:lnSpc>
-              <a:buNone/>
-            </a:pPr>
-            <a:endParaRPr lang="en-US" sz="1600" dirty="0">
-              <a:latin typeface="Times New Roman" panose="02020603050405020304" pitchFamily="18" charset="0"/>
-              <a:cs typeface="Times New Roman" panose="02020603050405020304" pitchFamily="18" charset="0"/>
-            </a:endParaRPr>
-          </a:p>
-          <a:p>
-            <a:pPr lvl="1">
-              <a:lnSpc>
-                <a:spcPct val="100000"/>
-              </a:lnSpc>
-              <a:buFont typeface="Tahoma" panose="020B0604030504040204" pitchFamily="34" charset="0"/>
-              <a:buChar char="⁃"/>
-            </a:pPr>
-            <a:endParaRPr lang="en-US" sz="1600" dirty="0">
-              <a:latin typeface="Tahoma" panose="020B0604030504040204" pitchFamily="34" charset="0"/>
-              <a:ea typeface="Tahoma" panose="020B0604030504040204" pitchFamily="34" charset="0"/>
-              <a:cs typeface="Tahoma" panose="020B0604030504040204" pitchFamily="34" charset="0"/>
-            </a:endParaRPr>
-          </a:p>
-        </p:txBody>
-      </p:sp>
-      <p:sp>
-        <p:nvSpPr>
-          <p:cNvPr id="4" name="TextBox 3"/>
+          <p:cNvPr id="6" name="TextBox 5"/>
           <p:cNvSpPr txBox="1"/>
           <p:nvPr/>
         </p:nvSpPr>
         <p:spPr>
           <a:xfrm>
-            <a:off x="3495697" y="361510"/>
-            <a:ext cx="4773119" cy="492443"/>
+            <a:off x="4264708" y="4672896"/>
+            <a:ext cx="4544834" cy="400110"/>
           </a:xfrm>
           <a:prstGeom prst="rect">
             <a:avLst/>
@@ -6457,94 +4574,86 @@
           <a:noFill/>
         </p:spPr>
         <p:txBody>
-          <a:bodyPr wrap="square" rtlCol="0">
+          <a:bodyPr wrap="none" rtlCol="0">
             <a:spAutoFit/>
           </a:bodyPr>
           <a:lstStyle/>
           <a:p>
-            <a:pPr algn="ctr"/>
-            <a:r>
-              <a:rPr lang="en-US" sz="2600" b="1" dirty="0">
+            <a:pPr marL="0" marR="0" lvl="0" indent="0" algn="l" defTabSz="914400" rtl="0" eaLnBrk="1" fontAlgn="auto" latinLnBrk="0" hangingPunct="1">
+              <a:lnSpc>
+                <a:spcPct val="100000"/>
+              </a:lnSpc>
+              <a:spcBef>
+                <a:spcPts val="0"/>
+              </a:spcBef>
+              <a:spcAft>
+                <a:spcPts val="0"/>
+              </a:spcAft>
+              <a:buClrTx/>
+              <a:buSzTx/>
+              <a:buFontTx/>
+              <a:buNone/>
+              <a:tabLst/>
+              <a:defRPr/>
+            </a:pPr>
+            <a:r>
+              <a:rPr kumimoji="0" lang="en-US" sz="2000" b="0" i="0" u="none" strike="noStrike" kern="1200" cap="none" spc="0" normalizeH="0" baseline="0" noProof="0" dirty="0" smtClean="0">
+                <a:ln>
+                  <a:noFill/>
+                </a:ln>
+                <a:solidFill>
+                  <a:prstClr val="black"/>
+                </a:solidFill>
+                <a:effectLst/>
+                <a:uLnTx/>
+                <a:uFillTx/>
                 <a:latin typeface="Times New Roman" panose="02020603050405020304" pitchFamily="18" charset="0"/>
                 <a:cs typeface="Times New Roman" panose="02020603050405020304" pitchFamily="18" charset="0"/>
               </a:rPr>
-              <a:t>III. Phân tích thiết kế hệ thống</a:t>
-            </a:r>
-            <a:endParaRPr lang="vi-VN" sz="2600" b="1" dirty="0">
+              <a:t>Hình 4.5 Giao diện trang chi tiết</a:t>
+            </a:r>
+            <a:r>
+              <a:rPr kumimoji="0" lang="en-US" sz="2000" b="0" i="0" u="none" strike="noStrike" kern="1200" cap="none" spc="0" normalizeH="0" noProof="0" dirty="0" smtClean="0">
+                <a:ln>
+                  <a:noFill/>
+                </a:ln>
+                <a:solidFill>
+                  <a:prstClr val="black"/>
+                </a:solidFill>
+                <a:effectLst/>
+                <a:uLnTx/>
+                <a:uFillTx/>
+                <a:latin typeface="Times New Roman" panose="02020603050405020304" pitchFamily="18" charset="0"/>
+                <a:cs typeface="Times New Roman" panose="02020603050405020304" pitchFamily="18" charset="0"/>
+              </a:rPr>
+              <a:t> sản phẩm</a:t>
+            </a:r>
+            <a:endParaRPr kumimoji="0" lang="en-US" sz="2000" b="0" i="0" u="none" strike="noStrike" kern="1200" cap="none" spc="0" normalizeH="0" baseline="0" noProof="0" dirty="0">
+              <a:ln>
+                <a:noFill/>
+              </a:ln>
+              <a:solidFill>
+                <a:prstClr val="black"/>
+              </a:solidFill>
+              <a:effectLst/>
+              <a:uLnTx/>
+              <a:uFillTx/>
               <a:latin typeface="Times New Roman" panose="02020603050405020304" pitchFamily="18" charset="0"/>
               <a:cs typeface="Times New Roman" panose="02020603050405020304" pitchFamily="18" charset="0"/>
             </a:endParaRPr>
           </a:p>
         </p:txBody>
       </p:sp>
-      <p:sp>
-        <p:nvSpPr>
-          <p:cNvPr id="8" name="TextBox 7"/>
-          <p:cNvSpPr txBox="1"/>
-          <p:nvPr/>
-        </p:nvSpPr>
-        <p:spPr>
-          <a:xfrm>
-            <a:off x="2309230" y="1174816"/>
-            <a:ext cx="3209533" cy="400110"/>
-          </a:xfrm>
-          <a:prstGeom prst="rect">
-            <a:avLst/>
-          </a:prstGeom>
-          <a:noFill/>
-        </p:spPr>
-        <p:txBody>
-          <a:bodyPr wrap="none" rtlCol="0">
-            <a:spAutoFit/>
-          </a:bodyPr>
-          <a:lstStyle/>
-          <a:p>
-            <a:r>
-              <a:rPr lang="en-US" sz="2000" b="1" dirty="0" smtClean="0">
-                <a:latin typeface="Times New Roman" panose="02020603050405020304" pitchFamily="18" charset="0"/>
-                <a:cs typeface="Times New Roman" panose="02020603050405020304" pitchFamily="18" charset="0"/>
-              </a:rPr>
-              <a:t>Các Use case: Quản trị viên</a:t>
-            </a:r>
-            <a:endParaRPr lang="en-US" sz="2000" b="1" dirty="0">
-              <a:latin typeface="Times New Roman" panose="02020603050405020304" pitchFamily="18" charset="0"/>
-              <a:cs typeface="Times New Roman" panose="02020603050405020304" pitchFamily="18" charset="0"/>
-            </a:endParaRPr>
-          </a:p>
-        </p:txBody>
-      </p:sp>
       <p:pic>
         <p:nvPicPr>
-          <p:cNvPr id="9" name="Picture 8"/>
-          <p:cNvPicPr/>
-          <p:nvPr/>
-        </p:nvPicPr>
-        <p:blipFill>
-          <a:blip r:embed="rId2"/>
-          <a:stretch>
-            <a:fillRect/>
-          </a:stretch>
-        </p:blipFill>
-        <p:spPr>
-          <a:xfrm>
-            <a:off x="3092383" y="1895789"/>
-            <a:ext cx="5579745" cy="4457065"/>
-          </a:xfrm>
-          <a:prstGeom prst="rect">
-            <a:avLst/>
-          </a:prstGeom>
-        </p:spPr>
-      </p:pic>
-      <p:pic>
-        <p:nvPicPr>
-          <p:cNvPr id="10" name="Picture 9"/>
+          <p:cNvPr id="7" name="Picture 6"/>
           <p:cNvPicPr>
             <a:picLocks noChangeAspect="1"/>
           </p:cNvPicPr>
           <p:nvPr/>
         </p:nvPicPr>
         <p:blipFill>
-          <a:blip r:embed="rId3">
+          <a:blip r:embed="rId2">
             <a:extLst>
               <a:ext uri="{28A0092B-C50C-407E-A947-70E740481C1C}">
                 <a14:useLocalDpi xmlns:a14="http://schemas.microsoft.com/office/drawing/2010/main" val="0"/>
@@ -6565,10 +4674,92 @@
           </a:prstGeom>
         </p:spPr>
       </p:pic>
+      <p:sp>
+        <p:nvSpPr>
+          <p:cNvPr id="8" name="TextBox 7"/>
+          <p:cNvSpPr txBox="1"/>
+          <p:nvPr/>
+        </p:nvSpPr>
+        <p:spPr>
+          <a:xfrm>
+            <a:off x="4078997" y="141566"/>
+            <a:ext cx="5589201" cy="492443"/>
+          </a:xfrm>
+          <a:prstGeom prst="rect">
+            <a:avLst/>
+          </a:prstGeom>
+          <a:noFill/>
+        </p:spPr>
+        <p:txBody>
+          <a:bodyPr wrap="square" rtlCol="0">
+            <a:spAutoFit/>
+          </a:bodyPr>
+          <a:lstStyle/>
+          <a:p>
+            <a:pPr marL="0" lvl="1"/>
+            <a:r>
+              <a:rPr lang="en-US" sz="2600" b="1" dirty="0" smtClean="0">
+                <a:latin typeface="Times New Roman" panose="02020603050405020304" pitchFamily="18" charset="0"/>
+                <a:cs typeface="Times New Roman" panose="02020603050405020304" pitchFamily="18" charset="0"/>
+              </a:rPr>
+              <a:t>IV. Kết quả chương trình</a:t>
+            </a:r>
+            <a:endParaRPr lang="en-US" sz="2600" b="1" dirty="0">
+              <a:latin typeface="Times New Roman" panose="02020603050405020304" pitchFamily="18" charset="0"/>
+              <a:cs typeface="Times New Roman" panose="02020603050405020304" pitchFamily="18" charset="0"/>
+            </a:endParaRPr>
+          </a:p>
+        </p:txBody>
+      </p:sp>
+      <p:pic>
+        <p:nvPicPr>
+          <p:cNvPr id="9" name="Picture 8"/>
+          <p:cNvPicPr/>
+          <p:nvPr/>
+        </p:nvPicPr>
+        <p:blipFill>
+          <a:blip r:embed="rId3"/>
+          <a:stretch>
+            <a:fillRect/>
+          </a:stretch>
+        </p:blipFill>
+        <p:spPr>
+          <a:xfrm>
+            <a:off x="2602500" y="819510"/>
+            <a:ext cx="7065698" cy="3667885"/>
+          </a:xfrm>
+          <a:prstGeom prst="rect">
+            <a:avLst/>
+          </a:prstGeom>
+        </p:spPr>
+      </p:pic>
+      <p:sp>
+        <p:nvSpPr>
+          <p:cNvPr id="4" name="Slide Number Placeholder 3"/>
+          <p:cNvSpPr>
+            <a:spLocks noGrp="1"/>
+          </p:cNvSpPr>
+          <p:nvPr>
+            <p:ph type="sldNum" sz="quarter" idx="12"/>
+          </p:nvPr>
+        </p:nvSpPr>
+        <p:spPr/>
+        <p:txBody>
+          <a:bodyPr/>
+          <a:lstStyle/>
+          <a:p>
+            <a:fld id="{FC388293-6D4C-49F6-999F-FA35C2DD9781}" type="slidenum">
+              <a:rPr lang="en-US" smtClean="0"/>
+              <a:t>14</a:t>
+            </a:fld>
+            <a:endParaRPr lang="en-US"/>
+          </a:p>
+        </p:txBody>
+      </p:sp>
     </p:spTree>
     <p:extLst>
       <p:ext uri="{BB962C8B-B14F-4D97-AF65-F5344CB8AC3E}">
-        <p14:creationId xmlns:p14="http://schemas.microsoft.com/office/powerpoint/2010/main" val="1718633713"/>
+        <p14:creationId xmlns:p14="http://schemas.microsoft.com/office/powerpoint/2010/main" val="2531690415"/>
       </p:ext>
     </p:extLst>
   </p:cSld>
@@ -6610,8 +4801,8 @@
         </p:nvSpPr>
         <p:spPr>
           <a:xfrm>
-            <a:off x="4078997" y="141566"/>
-            <a:ext cx="5589201" cy="492443"/>
+            <a:off x="5066682" y="400245"/>
+            <a:ext cx="2424838" cy="492443"/>
           </a:xfrm>
           <a:prstGeom prst="rect">
             <a:avLst/>
@@ -6630,7 +4821,7 @@
                 <a:latin typeface="Times New Roman" panose="02020603050405020304" pitchFamily="18" charset="0"/>
                 <a:cs typeface="Times New Roman" panose="02020603050405020304" pitchFamily="18" charset="0"/>
               </a:rPr>
-              <a:t>IV. Kết quả chương trình</a:t>
+              <a:t>V. Tổng kết</a:t>
             </a:r>
             <a:endParaRPr lang="en-US" sz="2600" b="1" dirty="0">
               <a:latin typeface="Times New Roman" panose="02020603050405020304" pitchFamily="18" charset="0"/>
@@ -6639,9 +4830,248 @@
           </a:p>
         </p:txBody>
       </p:sp>
+      <p:sp>
+        <p:nvSpPr>
+          <p:cNvPr id="8" name="TextBox 7"/>
+          <p:cNvSpPr txBox="1"/>
+          <p:nvPr/>
+        </p:nvSpPr>
+        <p:spPr>
+          <a:xfrm>
+            <a:off x="1712694" y="1390051"/>
+            <a:ext cx="3690552" cy="400110"/>
+          </a:xfrm>
+          <a:prstGeom prst="rect">
+            <a:avLst/>
+          </a:prstGeom>
+          <a:noFill/>
+        </p:spPr>
+        <p:txBody>
+          <a:bodyPr wrap="square" rtlCol="0">
+            <a:spAutoFit/>
+          </a:bodyPr>
+          <a:lstStyle/>
+          <a:p>
+            <a:pPr marL="285750" indent="-285750">
+              <a:buFont typeface="Wingdings" panose="05000000000000000000" pitchFamily="2" charset="2"/>
+              <a:buChar char="v"/>
+            </a:pPr>
+            <a:r>
+              <a:rPr lang="en-US" sz="2000" b="1" dirty="0" smtClean="0">
+                <a:latin typeface="Times New Roman" panose="02020603050405020304" pitchFamily="18" charset="0"/>
+                <a:cs typeface="Times New Roman" panose="02020603050405020304" pitchFamily="18" charset="0"/>
+              </a:rPr>
+              <a:t>Những điểm đã đạt được:</a:t>
+            </a:r>
+            <a:endParaRPr lang="en-US" sz="2000" b="1" dirty="0">
+              <a:latin typeface="Times New Roman" panose="02020603050405020304" pitchFamily="18" charset="0"/>
+              <a:cs typeface="Times New Roman" panose="02020603050405020304" pitchFamily="18" charset="0"/>
+            </a:endParaRPr>
+          </a:p>
+        </p:txBody>
+      </p:sp>
+      <p:sp>
+        <p:nvSpPr>
+          <p:cNvPr id="10" name="TextBox 9"/>
+          <p:cNvSpPr txBox="1"/>
+          <p:nvPr/>
+        </p:nvSpPr>
+        <p:spPr>
+          <a:xfrm>
+            <a:off x="1992781" y="1767199"/>
+            <a:ext cx="4760358" cy="3785652"/>
+          </a:xfrm>
+          <a:prstGeom prst="rect">
+            <a:avLst/>
+          </a:prstGeom>
+          <a:noFill/>
+        </p:spPr>
+        <p:txBody>
+          <a:bodyPr wrap="square" rtlCol="0">
+            <a:spAutoFit/>
+          </a:bodyPr>
+          <a:lstStyle/>
+          <a:p>
+            <a:pPr marL="285750" indent="-285750" algn="just">
+              <a:lnSpc>
+                <a:spcPct val="150000"/>
+              </a:lnSpc>
+              <a:buFont typeface="Arial" panose="020B0604020202020204" pitchFamily="34" charset="0"/>
+              <a:buChar char="•"/>
+            </a:pPr>
+            <a:r>
+              <a:rPr lang="en-US" sz="2000" dirty="0" smtClean="0">
+                <a:latin typeface="Times New Roman" panose="02020603050405020304" pitchFamily="18" charset="0"/>
+                <a:cs typeface="Times New Roman" panose="02020603050405020304" pitchFamily="18" charset="0"/>
+              </a:rPr>
+              <a:t>Giao diện thân thiện dễ sử dụng.</a:t>
+            </a:r>
+          </a:p>
+          <a:p>
+            <a:pPr marL="285750" indent="-285750" algn="just">
+              <a:lnSpc>
+                <a:spcPct val="150000"/>
+              </a:lnSpc>
+              <a:buFont typeface="Arial" panose="020B0604020202020204" pitchFamily="34" charset="0"/>
+              <a:buChar char="•"/>
+            </a:pPr>
+            <a:r>
+              <a:rPr lang="en-US" sz="2000" dirty="0" smtClean="0">
+                <a:latin typeface="Times New Roman" panose="02020603050405020304" pitchFamily="18" charset="0"/>
+                <a:cs typeface="Times New Roman" panose="02020603050405020304" pitchFamily="18" charset="0"/>
+              </a:rPr>
+              <a:t>Các thông tin được lưu trữ, xử lý một cách dễ dàng chính xác.</a:t>
+            </a:r>
+          </a:p>
+          <a:p>
+            <a:pPr marL="285750" indent="-285750" algn="just">
+              <a:lnSpc>
+                <a:spcPct val="150000"/>
+              </a:lnSpc>
+              <a:buFont typeface="Arial" panose="020B0604020202020204" pitchFamily="34" charset="0"/>
+              <a:buChar char="•"/>
+            </a:pPr>
+            <a:r>
+              <a:rPr lang="en-US" sz="2000" dirty="0" smtClean="0">
+                <a:latin typeface="Times New Roman" panose="02020603050405020304" pitchFamily="18" charset="0"/>
+                <a:cs typeface="Times New Roman" panose="02020603050405020304" pitchFamily="18" charset="0"/>
+              </a:rPr>
+              <a:t>Cho phép đặt hàng trực tuyến.</a:t>
+            </a:r>
+          </a:p>
+          <a:p>
+            <a:pPr marL="285750" indent="-285750" algn="just">
+              <a:lnSpc>
+                <a:spcPct val="150000"/>
+              </a:lnSpc>
+              <a:buFont typeface="Arial" panose="020B0604020202020204" pitchFamily="34" charset="0"/>
+              <a:buChar char="•"/>
+            </a:pPr>
+            <a:r>
+              <a:rPr lang="en-US" sz="2000" dirty="0" smtClean="0">
+                <a:latin typeface="Times New Roman" panose="02020603050405020304" pitchFamily="18" charset="0"/>
+                <a:cs typeface="Times New Roman" panose="02020603050405020304" pitchFamily="18" charset="0"/>
+              </a:rPr>
+              <a:t>Website đáp ứng được các nghiệp vụ cơ bản của quá trình bán hàng: Quản lý sản phẩm, quản lý đơn hàng, quản lý người dùng…</a:t>
+            </a:r>
+          </a:p>
+        </p:txBody>
+      </p:sp>
+      <p:sp>
+        <p:nvSpPr>
+          <p:cNvPr id="11" name="TextBox 10"/>
+          <p:cNvSpPr txBox="1"/>
+          <p:nvPr/>
+        </p:nvSpPr>
+        <p:spPr>
+          <a:xfrm>
+            <a:off x="6968808" y="1440330"/>
+            <a:ext cx="3716082" cy="400110"/>
+          </a:xfrm>
+          <a:prstGeom prst="rect">
+            <a:avLst/>
+          </a:prstGeom>
+          <a:noFill/>
+        </p:spPr>
+        <p:txBody>
+          <a:bodyPr wrap="none" rtlCol="0">
+            <a:spAutoFit/>
+          </a:bodyPr>
+          <a:lstStyle/>
+          <a:p>
+            <a:pPr marL="285750" indent="-285750">
+              <a:buFont typeface="Wingdings" panose="05000000000000000000" pitchFamily="2" charset="2"/>
+              <a:buChar char="v"/>
+            </a:pPr>
+            <a:r>
+              <a:rPr lang="en-US" sz="2000" b="1" dirty="0" smtClean="0">
+                <a:latin typeface="Times New Roman" panose="02020603050405020304" pitchFamily="18" charset="0"/>
+                <a:cs typeface="Times New Roman" panose="02020603050405020304" pitchFamily="18" charset="0"/>
+              </a:rPr>
+              <a:t>Hướng phát triển của website</a:t>
+            </a:r>
+            <a:endParaRPr lang="en-US" sz="2000" b="1" dirty="0">
+              <a:latin typeface="Times New Roman" panose="02020603050405020304" pitchFamily="18" charset="0"/>
+              <a:cs typeface="Times New Roman" panose="02020603050405020304" pitchFamily="18" charset="0"/>
+            </a:endParaRPr>
+          </a:p>
+        </p:txBody>
+      </p:sp>
+      <p:sp>
+        <p:nvSpPr>
+          <p:cNvPr id="12" name="TextBox 11"/>
+          <p:cNvSpPr txBox="1"/>
+          <p:nvPr/>
+        </p:nvSpPr>
+        <p:spPr>
+          <a:xfrm>
+            <a:off x="7215942" y="1871272"/>
+            <a:ext cx="4563611" cy="2246769"/>
+          </a:xfrm>
+          <a:prstGeom prst="rect">
+            <a:avLst/>
+          </a:prstGeom>
+          <a:noFill/>
+        </p:spPr>
+        <p:txBody>
+          <a:bodyPr wrap="square" rtlCol="0">
+            <a:spAutoFit/>
+          </a:bodyPr>
+          <a:lstStyle/>
+          <a:p>
+            <a:pPr marL="285750" indent="-285750" algn="just">
+              <a:buFont typeface="Arial" panose="020B0604020202020204" pitchFamily="34" charset="0"/>
+              <a:buChar char="•"/>
+            </a:pPr>
+            <a:r>
+              <a:rPr lang="en-US" sz="2000" dirty="0" smtClean="0">
+                <a:latin typeface="Times New Roman" panose="02020603050405020304" pitchFamily="18" charset="0"/>
+                <a:cs typeface="Times New Roman" panose="02020603050405020304" pitchFamily="18" charset="0"/>
+              </a:rPr>
+              <a:t>Hỗ trợ thanh toán thêm các phương thức mới.</a:t>
+            </a:r>
+          </a:p>
+          <a:p>
+            <a:pPr marL="285750" indent="-285750" algn="just">
+              <a:buFont typeface="Arial" panose="020B0604020202020204" pitchFamily="34" charset="0"/>
+              <a:buChar char="•"/>
+            </a:pPr>
+            <a:r>
+              <a:rPr lang="en-US" sz="2000" dirty="0" smtClean="0">
+                <a:latin typeface="Times New Roman" panose="02020603050405020304" pitchFamily="18" charset="0"/>
+                <a:cs typeface="Times New Roman" panose="02020603050405020304" pitchFamily="18" charset="0"/>
+              </a:rPr>
+              <a:t>Xây dựng thêm các phương thức khuyến mại.</a:t>
+            </a:r>
+          </a:p>
+          <a:p>
+            <a:pPr marL="285750" indent="-285750" algn="just">
+              <a:buFont typeface="Arial" panose="020B0604020202020204" pitchFamily="34" charset="0"/>
+              <a:buChar char="•"/>
+            </a:pPr>
+            <a:r>
+              <a:rPr lang="en-US" sz="2000" dirty="0" smtClean="0">
+                <a:latin typeface="Times New Roman" panose="02020603050405020304" pitchFamily="18" charset="0"/>
+                <a:cs typeface="Times New Roman" panose="02020603050405020304" pitchFamily="18" charset="0"/>
+              </a:rPr>
+              <a:t>Cho phép người quản trị thêm sản phẩm qua file excel.</a:t>
+            </a:r>
+          </a:p>
+          <a:p>
+            <a:pPr marL="285750" indent="-285750" algn="just">
+              <a:buFont typeface="Arial" panose="020B0604020202020204" pitchFamily="34" charset="0"/>
+              <a:buChar char="•"/>
+            </a:pPr>
+            <a:endParaRPr lang="en-US" sz="2000" dirty="0">
+              <a:latin typeface="Times New Roman" panose="02020603050405020304" pitchFamily="18" charset="0"/>
+              <a:cs typeface="Times New Roman" panose="02020603050405020304" pitchFamily="18" charset="0"/>
+            </a:endParaRPr>
+          </a:p>
+        </p:txBody>
+      </p:sp>
       <p:pic>
         <p:nvPicPr>
-          <p:cNvPr id="5" name="Picture 4"/>
+          <p:cNvPr id="9" name="Picture 8"/>
           <p:cNvPicPr>
             <a:picLocks noChangeAspect="1"/>
           </p:cNvPicPr>
@@ -6671,104 +5101,31 @@
       </p:pic>
       <p:sp>
         <p:nvSpPr>
-          <p:cNvPr id="7" name="TextBox 6"/>
-          <p:cNvSpPr txBox="1"/>
-          <p:nvPr/>
-        </p:nvSpPr>
-        <p:spPr>
-          <a:xfrm>
-            <a:off x="4672046" y="5519404"/>
-            <a:ext cx="3174267" cy="400110"/>
-          </a:xfrm>
-          <a:prstGeom prst="rect">
-            <a:avLst/>
-          </a:prstGeom>
-          <a:noFill/>
-        </p:spPr>
-        <p:txBody>
-          <a:bodyPr wrap="none" rtlCol="0">
-            <a:spAutoFit/>
-          </a:bodyPr>
-          <a:lstStyle/>
-          <a:p>
-            <a:r>
-              <a:rPr lang="en-US" sz="2000" dirty="0" smtClean="0">
-                <a:latin typeface="Times New Roman" panose="02020603050405020304" pitchFamily="18" charset="0"/>
-                <a:cs typeface="Times New Roman" panose="02020603050405020304" pitchFamily="18" charset="0"/>
-              </a:rPr>
-              <a:t>Hình 4.1 Giao diện trang chủ</a:t>
-            </a:r>
-            <a:endParaRPr lang="en-US" sz="2000" dirty="0">
-              <a:latin typeface="Times New Roman" panose="02020603050405020304" pitchFamily="18" charset="0"/>
-              <a:cs typeface="Times New Roman" panose="02020603050405020304" pitchFamily="18" charset="0"/>
-            </a:endParaRPr>
-          </a:p>
-        </p:txBody>
-      </p:sp>
-      <p:sp>
-        <p:nvSpPr>
-          <p:cNvPr id="8" name="TextBox 7"/>
-          <p:cNvSpPr txBox="1"/>
-          <p:nvPr/>
-        </p:nvSpPr>
-        <p:spPr>
-          <a:xfrm>
-            <a:off x="2097870" y="908553"/>
-            <a:ext cx="3491661" cy="400110"/>
-          </a:xfrm>
-          <a:prstGeom prst="rect">
-            <a:avLst/>
-          </a:prstGeom>
-          <a:noFill/>
-        </p:spPr>
-        <p:txBody>
-          <a:bodyPr wrap="none" rtlCol="0">
-            <a:spAutoFit/>
-          </a:bodyPr>
-          <a:lstStyle/>
-          <a:p>
-            <a:r>
-              <a:rPr lang="en-US" sz="2000" b="1" dirty="0" smtClean="0">
-                <a:latin typeface="Times New Roman" panose="02020603050405020304" pitchFamily="18" charset="0"/>
-                <a:cs typeface="Times New Roman" panose="02020603050405020304" pitchFamily="18" charset="0"/>
-              </a:rPr>
-              <a:t>Một số giao diện chương trình</a:t>
-            </a:r>
-            <a:endParaRPr lang="en-US" sz="2000" b="1" dirty="0">
-              <a:latin typeface="Times New Roman" panose="02020603050405020304" pitchFamily="18" charset="0"/>
-              <a:cs typeface="Times New Roman" panose="02020603050405020304" pitchFamily="18" charset="0"/>
-            </a:endParaRPr>
-          </a:p>
-        </p:txBody>
-      </p:sp>
-      <p:pic>
-        <p:nvPicPr>
-          <p:cNvPr id="9" name="Picture 8"/>
-          <p:cNvPicPr>
-            <a:picLocks noChangeAspect="1"/>
-          </p:cNvPicPr>
-          <p:nvPr/>
-        </p:nvPicPr>
-        <p:blipFill>
-          <a:blip r:embed="rId3"/>
-          <a:stretch>
-            <a:fillRect/>
-          </a:stretch>
-        </p:blipFill>
-        <p:spPr>
-          <a:xfrm>
-            <a:off x="2097870" y="1462437"/>
-            <a:ext cx="8008494" cy="3903193"/>
-          </a:xfrm>
-          <a:prstGeom prst="rect">
-            <a:avLst/>
-          </a:prstGeom>
-        </p:spPr>
-      </p:pic>
+          <p:cNvPr id="5" name="Slide Number Placeholder 4"/>
+          <p:cNvSpPr>
+            <a:spLocks noGrp="1"/>
+          </p:cNvSpPr>
+          <p:nvPr>
+            <p:ph type="sldNum" sz="quarter" idx="12"/>
+          </p:nvPr>
+        </p:nvSpPr>
+        <p:spPr/>
+        <p:txBody>
+          <a:bodyPr/>
+          <a:lstStyle/>
+          <a:p>
+            <a:fld id="{FC388293-6D4C-49F6-999F-FA35C2DD9781}" type="slidenum">
+              <a:rPr lang="en-US" smtClean="0"/>
+              <a:t>15</a:t>
+            </a:fld>
+            <a:endParaRPr lang="en-US"/>
+          </a:p>
+        </p:txBody>
+      </p:sp>
     </p:spTree>
     <p:extLst>
       <p:ext uri="{BB962C8B-B14F-4D97-AF65-F5344CB8AC3E}">
-        <p14:creationId xmlns:p14="http://schemas.microsoft.com/office/powerpoint/2010/main" val="3726691490"/>
+        <p14:creationId xmlns:p14="http://schemas.microsoft.com/office/powerpoint/2010/main" val="1376457686"/>
       </p:ext>
     </p:extLst>
   </p:cSld>
@@ -6802,262 +5159,15 @@
           <a:chExt cx="0" cy="0"/>
         </a:xfrm>
       </p:grpSpPr>
-      <p:sp>
-        <p:nvSpPr>
-          <p:cNvPr id="7" name="TextBox 6"/>
-          <p:cNvSpPr txBox="1"/>
-          <p:nvPr/>
-        </p:nvSpPr>
-        <p:spPr>
-          <a:xfrm>
-            <a:off x="3809891" y="4225822"/>
-            <a:ext cx="4860626" cy="400110"/>
-          </a:xfrm>
-          <a:prstGeom prst="rect">
-            <a:avLst/>
-          </a:prstGeom>
-          <a:noFill/>
-        </p:spPr>
-        <p:txBody>
-          <a:bodyPr wrap="none" rtlCol="0">
-            <a:spAutoFit/>
-          </a:bodyPr>
-          <a:lstStyle/>
-          <a:p>
-            <a:r>
-              <a:rPr lang="en-US" sz="2000" dirty="0" smtClean="0">
-                <a:latin typeface="Times New Roman" panose="02020603050405020304" pitchFamily="18" charset="0"/>
-                <a:cs typeface="Times New Roman" panose="02020603050405020304" pitchFamily="18" charset="0"/>
-              </a:rPr>
-              <a:t>Hình 4.2 Giao diện trang danh sách sản phẩm</a:t>
-            </a:r>
-            <a:endParaRPr lang="en-US" sz="2000" dirty="0">
-              <a:latin typeface="Times New Roman" panose="02020603050405020304" pitchFamily="18" charset="0"/>
-              <a:cs typeface="Times New Roman" panose="02020603050405020304" pitchFamily="18" charset="0"/>
-            </a:endParaRPr>
-          </a:p>
-        </p:txBody>
-      </p:sp>
       <p:pic>
         <p:nvPicPr>
-          <p:cNvPr id="8" name="Picture 7"/>
-          <p:cNvPicPr/>
-          <p:nvPr/>
-        </p:nvPicPr>
-        <p:blipFill>
-          <a:blip r:embed="rId2"/>
-          <a:stretch>
-            <a:fillRect/>
-          </a:stretch>
-        </p:blipFill>
-        <p:spPr>
-          <a:xfrm>
-            <a:off x="2780680" y="1155939"/>
-            <a:ext cx="6919049" cy="3069883"/>
-          </a:xfrm>
-          <a:prstGeom prst="rect">
-            <a:avLst/>
-          </a:prstGeom>
-        </p:spPr>
-      </p:pic>
-      <p:pic>
-        <p:nvPicPr>
-          <p:cNvPr id="9" name="Picture 8"/>
+          <p:cNvPr id="4" name="Content Placeholder 3"/>
           <p:cNvPicPr>
-            <a:picLocks noChangeAspect="1"/>
+            <a:picLocks noGrp="1" noChangeAspect="1"/>
           </p:cNvPicPr>
-          <p:nvPr/>
-        </p:nvPicPr>
-        <p:blipFill>
-          <a:blip r:embed="rId3">
-            <a:extLst>
-              <a:ext uri="{28A0092B-C50C-407E-A947-70E740481C1C}">
-                <a14:useLocalDpi xmlns:a14="http://schemas.microsoft.com/office/drawing/2010/main" val="0"/>
-              </a:ext>
-            </a:extLst>
-          </a:blip>
-          <a:stretch>
-            <a:fillRect/>
-          </a:stretch>
-        </p:blipFill>
-        <p:spPr>
-          <a:xfrm>
-            <a:off x="10780705" y="15262"/>
-            <a:ext cx="1293401" cy="1293401"/>
-          </a:xfrm>
-          <a:prstGeom prst="rect">
-            <a:avLst/>
-          </a:prstGeom>
-        </p:spPr>
-      </p:pic>
-      <p:sp>
-        <p:nvSpPr>
-          <p:cNvPr id="10" name="TextBox 9"/>
-          <p:cNvSpPr txBox="1"/>
-          <p:nvPr/>
-        </p:nvSpPr>
-        <p:spPr>
-          <a:xfrm>
-            <a:off x="4078997" y="141566"/>
-            <a:ext cx="5589201" cy="492443"/>
-          </a:xfrm>
-          <a:prstGeom prst="rect">
-            <a:avLst/>
-          </a:prstGeom>
-          <a:noFill/>
-        </p:spPr>
-        <p:txBody>
-          <a:bodyPr wrap="square" rtlCol="0">
-            <a:spAutoFit/>
-          </a:bodyPr>
-          <a:lstStyle/>
-          <a:p>
-            <a:pPr marL="0" lvl="1"/>
-            <a:r>
-              <a:rPr lang="en-US" sz="2600" b="1" dirty="0" smtClean="0">
-                <a:latin typeface="Times New Roman" panose="02020603050405020304" pitchFamily="18" charset="0"/>
-                <a:cs typeface="Times New Roman" panose="02020603050405020304" pitchFamily="18" charset="0"/>
-              </a:rPr>
-              <a:t>IV. Kết quả chương trình</a:t>
-            </a:r>
-            <a:endParaRPr lang="en-US" sz="2600" b="1" dirty="0">
-              <a:latin typeface="Times New Roman" panose="02020603050405020304" pitchFamily="18" charset="0"/>
-              <a:cs typeface="Times New Roman" panose="02020603050405020304" pitchFamily="18" charset="0"/>
-            </a:endParaRPr>
-          </a:p>
-        </p:txBody>
-      </p:sp>
-    </p:spTree>
-    <p:extLst>
-      <p:ext uri="{BB962C8B-B14F-4D97-AF65-F5344CB8AC3E}">
-        <p14:creationId xmlns:p14="http://schemas.microsoft.com/office/powerpoint/2010/main" val="2138245722"/>
-      </p:ext>
-    </p:extLst>
-  </p:cSld>
-  <p:clrMapOvr>
-    <a:masterClrMapping/>
-  </p:clrMapOvr>
-  <p:timing>
-    <p:tnLst>
-      <p:par>
-        <p:cTn id="1" dur="indefinite" restart="never" nodeType="tmRoot"/>
-      </p:par>
-    </p:tnLst>
-  </p:timing>
-</p:sld>
-</file>
-
-<file path=ppt/slides/slide17.xml><?xml version="1.0" encoding="utf-8"?>
-<p:sld xmlns:a="http://schemas.openxmlformats.org/drawingml/2006/main" xmlns:r="http://schemas.openxmlformats.org/officeDocument/2006/relationships" xmlns:p="http://schemas.openxmlformats.org/presentationml/2006/main">
-  <p:cSld>
-    <p:spTree>
-      <p:nvGrpSpPr>
-        <p:cNvPr id="1" name=""/>
-        <p:cNvGrpSpPr/>
-        <p:nvPr/>
-      </p:nvGrpSpPr>
-      <p:grpSpPr>
-        <a:xfrm>
-          <a:off x="0" y="0"/>
-          <a:ext cx="0" cy="0"/>
-          <a:chOff x="0" y="0"/>
-          <a:chExt cx="0" cy="0"/>
-        </a:xfrm>
-      </p:grpSpPr>
-      <p:sp>
-        <p:nvSpPr>
-          <p:cNvPr id="6" name="TextBox 5"/>
-          <p:cNvSpPr txBox="1"/>
-          <p:nvPr/>
-        </p:nvSpPr>
-        <p:spPr>
-          <a:xfrm>
-            <a:off x="4264708" y="4672896"/>
-            <a:ext cx="4544834" cy="400110"/>
-          </a:xfrm>
-          <a:prstGeom prst="rect">
-            <a:avLst/>
-          </a:prstGeom>
-          <a:noFill/>
-        </p:spPr>
-        <p:txBody>
-          <a:bodyPr wrap="none" rtlCol="0">
-            <a:spAutoFit/>
-          </a:bodyPr>
-          <a:lstStyle/>
-          <a:p>
-            <a:pPr marL="0" marR="0" lvl="0" indent="0" algn="l" defTabSz="914400" rtl="0" eaLnBrk="1" fontAlgn="auto" latinLnBrk="0" hangingPunct="1">
-              <a:lnSpc>
-                <a:spcPct val="100000"/>
-              </a:lnSpc>
-              <a:spcBef>
-                <a:spcPts val="0"/>
-              </a:spcBef>
-              <a:spcAft>
-                <a:spcPts val="0"/>
-              </a:spcAft>
-              <a:buClrTx/>
-              <a:buSzTx/>
-              <a:buFontTx/>
-              <a:buNone/>
-              <a:tabLst/>
-              <a:defRPr/>
-            </a:pPr>
-            <a:r>
-              <a:rPr kumimoji="0" lang="en-US" sz="2000" b="0" i="0" u="none" strike="noStrike" kern="1200" cap="none" spc="0" normalizeH="0" baseline="0" noProof="0" dirty="0" smtClean="0">
-                <a:ln>
-                  <a:noFill/>
-                </a:ln>
-                <a:solidFill>
-                  <a:prstClr val="black"/>
-                </a:solidFill>
-                <a:effectLst/>
-                <a:uLnTx/>
-                <a:uFillTx/>
-                <a:latin typeface="Times New Roman" panose="02020603050405020304" pitchFamily="18" charset="0"/>
-                <a:cs typeface="Times New Roman" panose="02020603050405020304" pitchFamily="18" charset="0"/>
-              </a:rPr>
-              <a:t>Hình 4.5 Giao diện trang chi tiết</a:t>
-            </a:r>
-            <a:r>
-              <a:rPr kumimoji="0" lang="en-US" sz="2000" b="0" i="0" u="none" strike="noStrike" kern="1200" cap="none" spc="0" normalizeH="0" noProof="0" dirty="0" smtClean="0">
-                <a:ln>
-                  <a:noFill/>
-                </a:ln>
-                <a:solidFill>
-                  <a:prstClr val="black"/>
-                </a:solidFill>
-                <a:effectLst/>
-                <a:uLnTx/>
-                <a:uFillTx/>
-                <a:latin typeface="Times New Roman" panose="02020603050405020304" pitchFamily="18" charset="0"/>
-                <a:cs typeface="Times New Roman" panose="02020603050405020304" pitchFamily="18" charset="0"/>
-              </a:rPr>
-              <a:t> sản phẩm</a:t>
-            </a:r>
-            <a:endParaRPr kumimoji="0" lang="en-US" sz="2000" b="0" i="0" u="none" strike="noStrike" kern="1200" cap="none" spc="0" normalizeH="0" baseline="0" noProof="0" dirty="0">
-              <a:ln>
-                <a:noFill/>
-              </a:ln>
-              <a:solidFill>
-                <a:prstClr val="black"/>
-              </a:solidFill>
-              <a:effectLst/>
-              <a:uLnTx/>
-              <a:uFillTx/>
-              <a:latin typeface="Times New Roman" panose="02020603050405020304" pitchFamily="18" charset="0"/>
-              <a:cs typeface="Times New Roman" panose="02020603050405020304" pitchFamily="18" charset="0"/>
-            </a:endParaRPr>
-          </a:p>
-        </p:txBody>
-      </p:sp>
-      <p:pic>
-        <p:nvPicPr>
-          <p:cNvPr id="7" name="Picture 6"/>
-          <p:cNvPicPr>
-            <a:picLocks noChangeAspect="1"/>
-          </p:cNvPicPr>
-          <p:nvPr/>
+          <p:nvPr>
+            <p:ph idx="1"/>
+          </p:nvPr>
         </p:nvPicPr>
         <p:blipFill>
           <a:blip r:embed="rId2">
@@ -7073,401 +5183,38 @@
         </p:blipFill>
         <p:spPr>
           <a:xfrm>
-            <a:off x="10780705" y="15262"/>
-            <a:ext cx="1293401" cy="1293401"/>
-          </a:xfrm>
-          <a:prstGeom prst="rect">
-            <a:avLst/>
-          </a:prstGeom>
+            <a:off x="704850" y="586580"/>
+            <a:ext cx="11487150" cy="5333319"/>
+          </a:xfrm>
         </p:spPr>
       </p:pic>
       <p:sp>
         <p:nvSpPr>
-          <p:cNvPr id="8" name="TextBox 7"/>
-          <p:cNvSpPr txBox="1"/>
-          <p:nvPr/>
-        </p:nvSpPr>
-        <p:spPr>
-          <a:xfrm>
-            <a:off x="4078997" y="141566"/>
-            <a:ext cx="5589201" cy="492443"/>
-          </a:xfrm>
-          <a:prstGeom prst="rect">
-            <a:avLst/>
-          </a:prstGeom>
-          <a:noFill/>
-        </p:spPr>
-        <p:txBody>
-          <a:bodyPr wrap="square" rtlCol="0">
-            <a:spAutoFit/>
-          </a:bodyPr>
-          <a:lstStyle/>
-          <a:p>
-            <a:pPr marL="0" lvl="1"/>
-            <a:r>
-              <a:rPr lang="en-US" sz="2600" b="1" dirty="0" smtClean="0">
-                <a:latin typeface="Times New Roman" panose="02020603050405020304" pitchFamily="18" charset="0"/>
-                <a:cs typeface="Times New Roman" panose="02020603050405020304" pitchFamily="18" charset="0"/>
-              </a:rPr>
-              <a:t>IV. Kết quả chương trình</a:t>
-            </a:r>
-            <a:endParaRPr lang="en-US" sz="2600" b="1" dirty="0">
-              <a:latin typeface="Times New Roman" panose="02020603050405020304" pitchFamily="18" charset="0"/>
-              <a:cs typeface="Times New Roman" panose="02020603050405020304" pitchFamily="18" charset="0"/>
-            </a:endParaRPr>
-          </a:p>
-        </p:txBody>
-      </p:sp>
-      <p:pic>
-        <p:nvPicPr>
-          <p:cNvPr id="9" name="Picture 8"/>
-          <p:cNvPicPr/>
-          <p:nvPr/>
-        </p:nvPicPr>
-        <p:blipFill>
-          <a:blip r:embed="rId3"/>
-          <a:stretch>
-            <a:fillRect/>
-          </a:stretch>
-        </p:blipFill>
-        <p:spPr>
-          <a:xfrm>
-            <a:off x="2602500" y="819510"/>
-            <a:ext cx="7065698" cy="3667885"/>
-          </a:xfrm>
-          <a:prstGeom prst="rect">
-            <a:avLst/>
-          </a:prstGeom>
-        </p:spPr>
-      </p:pic>
+          <p:cNvPr id="5" name="Slide Number Placeholder 4"/>
+          <p:cNvSpPr>
+            <a:spLocks noGrp="1"/>
+          </p:cNvSpPr>
+          <p:nvPr>
+            <p:ph type="sldNum" sz="quarter" idx="12"/>
+          </p:nvPr>
+        </p:nvSpPr>
+        <p:spPr/>
+        <p:txBody>
+          <a:bodyPr/>
+          <a:lstStyle/>
+          <a:p>
+            <a:fld id="{FC388293-6D4C-49F6-999F-FA35C2DD9781}" type="slidenum">
+              <a:rPr lang="en-US" smtClean="0"/>
+              <a:t>16</a:t>
+            </a:fld>
+            <a:endParaRPr lang="en-US"/>
+          </a:p>
+        </p:txBody>
+      </p:sp>
     </p:spTree>
     <p:extLst>
       <p:ext uri="{BB962C8B-B14F-4D97-AF65-F5344CB8AC3E}">
-        <p14:creationId xmlns:p14="http://schemas.microsoft.com/office/powerpoint/2010/main" val="2531690415"/>
-      </p:ext>
-    </p:extLst>
-  </p:cSld>
-  <p:clrMapOvr>
-    <a:masterClrMapping/>
-  </p:clrMapOvr>
-  <p:timing>
-    <p:tnLst>
-      <p:par>
-        <p:cTn id="1" dur="indefinite" restart="never" nodeType="tmRoot"/>
-      </p:par>
-    </p:tnLst>
-  </p:timing>
-</p:sld>
-</file>
-
-<file path=ppt/slides/slide18.xml><?xml version="1.0" encoding="utf-8"?>
-<p:sld xmlns:a="http://schemas.openxmlformats.org/drawingml/2006/main" xmlns:r="http://schemas.openxmlformats.org/officeDocument/2006/relationships" xmlns:p="http://schemas.openxmlformats.org/presentationml/2006/main">
-  <p:cSld>
-    <p:spTree>
-      <p:nvGrpSpPr>
-        <p:cNvPr id="1" name=""/>
-        <p:cNvGrpSpPr/>
-        <p:nvPr/>
-      </p:nvGrpSpPr>
-      <p:grpSpPr>
-        <a:xfrm>
-          <a:off x="0" y="0"/>
-          <a:ext cx="0" cy="0"/>
-          <a:chOff x="0" y="0"/>
-          <a:chExt cx="0" cy="0"/>
-        </a:xfrm>
-      </p:grpSpPr>
-      <p:sp>
-        <p:nvSpPr>
-          <p:cNvPr id="7" name="TextBox 6"/>
-          <p:cNvSpPr txBox="1"/>
-          <p:nvPr/>
-        </p:nvSpPr>
-        <p:spPr>
-          <a:xfrm>
-            <a:off x="4796411" y="4290642"/>
-            <a:ext cx="3103735" cy="400110"/>
-          </a:xfrm>
-          <a:prstGeom prst="rect">
-            <a:avLst/>
-          </a:prstGeom>
-          <a:noFill/>
-        </p:spPr>
-        <p:txBody>
-          <a:bodyPr wrap="none" rtlCol="0">
-            <a:spAutoFit/>
-          </a:bodyPr>
-          <a:lstStyle/>
-          <a:p>
-            <a:r>
-              <a:rPr lang="en-US" sz="2000" dirty="0" smtClean="0">
-                <a:latin typeface="Times New Roman" panose="02020603050405020304" pitchFamily="18" charset="0"/>
-                <a:cs typeface="Times New Roman" panose="02020603050405020304" pitchFamily="18" charset="0"/>
-              </a:rPr>
-              <a:t>Hình 4.3 Giao diện giỏ hàng</a:t>
-            </a:r>
-            <a:endParaRPr lang="en-US" sz="2000" dirty="0">
-              <a:latin typeface="Times New Roman" panose="02020603050405020304" pitchFamily="18" charset="0"/>
-              <a:cs typeface="Times New Roman" panose="02020603050405020304" pitchFamily="18" charset="0"/>
-            </a:endParaRPr>
-          </a:p>
-        </p:txBody>
-      </p:sp>
-      <p:pic>
-        <p:nvPicPr>
-          <p:cNvPr id="8" name="Picture 7"/>
-          <p:cNvPicPr/>
-          <p:nvPr/>
-        </p:nvPicPr>
-        <p:blipFill>
-          <a:blip r:embed="rId2"/>
-          <a:stretch>
-            <a:fillRect/>
-          </a:stretch>
-        </p:blipFill>
-        <p:spPr>
-          <a:xfrm>
-            <a:off x="2139351" y="879895"/>
-            <a:ext cx="7781691" cy="3316910"/>
-          </a:xfrm>
-          <a:prstGeom prst="rect">
-            <a:avLst/>
-          </a:prstGeom>
-        </p:spPr>
-      </p:pic>
-      <p:pic>
-        <p:nvPicPr>
-          <p:cNvPr id="9" name="Picture 8"/>
-          <p:cNvPicPr>
-            <a:picLocks noChangeAspect="1"/>
-          </p:cNvPicPr>
-          <p:nvPr/>
-        </p:nvPicPr>
-        <p:blipFill>
-          <a:blip r:embed="rId3">
-            <a:extLst>
-              <a:ext uri="{28A0092B-C50C-407E-A947-70E740481C1C}">
-                <a14:useLocalDpi xmlns:a14="http://schemas.microsoft.com/office/drawing/2010/main" val="0"/>
-              </a:ext>
-            </a:extLst>
-          </a:blip>
-          <a:stretch>
-            <a:fillRect/>
-          </a:stretch>
-        </p:blipFill>
-        <p:spPr>
-          <a:xfrm>
-            <a:off x="10780705" y="15262"/>
-            <a:ext cx="1293401" cy="1293401"/>
-          </a:xfrm>
-          <a:prstGeom prst="rect">
-            <a:avLst/>
-          </a:prstGeom>
-        </p:spPr>
-      </p:pic>
-      <p:sp>
-        <p:nvSpPr>
-          <p:cNvPr id="10" name="TextBox 9"/>
-          <p:cNvSpPr txBox="1"/>
-          <p:nvPr/>
-        </p:nvSpPr>
-        <p:spPr>
-          <a:xfrm>
-            <a:off x="4078997" y="141566"/>
-            <a:ext cx="5589201" cy="492443"/>
-          </a:xfrm>
-          <a:prstGeom prst="rect">
-            <a:avLst/>
-          </a:prstGeom>
-          <a:noFill/>
-        </p:spPr>
-        <p:txBody>
-          <a:bodyPr wrap="square" rtlCol="0">
-            <a:spAutoFit/>
-          </a:bodyPr>
-          <a:lstStyle/>
-          <a:p>
-            <a:pPr marL="0" lvl="1"/>
-            <a:r>
-              <a:rPr lang="en-US" sz="2600" b="1" dirty="0" smtClean="0">
-                <a:latin typeface="Times New Roman" panose="02020603050405020304" pitchFamily="18" charset="0"/>
-                <a:cs typeface="Times New Roman" panose="02020603050405020304" pitchFamily="18" charset="0"/>
-              </a:rPr>
-              <a:t>IV. Kết quả chương trình</a:t>
-            </a:r>
-            <a:endParaRPr lang="en-US" sz="2600" b="1" dirty="0">
-              <a:latin typeface="Times New Roman" panose="02020603050405020304" pitchFamily="18" charset="0"/>
-              <a:cs typeface="Times New Roman" panose="02020603050405020304" pitchFamily="18" charset="0"/>
-            </a:endParaRPr>
-          </a:p>
-        </p:txBody>
-      </p:sp>
-    </p:spTree>
-    <p:extLst>
-      <p:ext uri="{BB962C8B-B14F-4D97-AF65-F5344CB8AC3E}">
-        <p14:creationId xmlns:p14="http://schemas.microsoft.com/office/powerpoint/2010/main" val="2774817462"/>
-      </p:ext>
-    </p:extLst>
-  </p:cSld>
-  <p:clrMapOvr>
-    <a:masterClrMapping/>
-  </p:clrMapOvr>
-  <p:timing>
-    <p:tnLst>
-      <p:par>
-        <p:cTn id="1" dur="indefinite" restart="never" nodeType="tmRoot"/>
-      </p:par>
-    </p:tnLst>
-  </p:timing>
-</p:sld>
-</file>
-
-<file path=ppt/slides/slide19.xml><?xml version="1.0" encoding="utf-8"?>
-<p:sld xmlns:a="http://schemas.openxmlformats.org/drawingml/2006/main" xmlns:r="http://schemas.openxmlformats.org/officeDocument/2006/relationships" xmlns:p="http://schemas.openxmlformats.org/presentationml/2006/main">
-  <p:cSld>
-    <p:spTree>
-      <p:nvGrpSpPr>
-        <p:cNvPr id="1" name=""/>
-        <p:cNvGrpSpPr/>
-        <p:nvPr/>
-      </p:nvGrpSpPr>
-      <p:grpSpPr>
-        <a:xfrm>
-          <a:off x="0" y="0"/>
-          <a:ext cx="0" cy="0"/>
-          <a:chOff x="0" y="0"/>
-          <a:chExt cx="0" cy="0"/>
-        </a:xfrm>
-      </p:grpSpPr>
-      <p:sp>
-        <p:nvSpPr>
-          <p:cNvPr id="6" name="TextBox 5"/>
-          <p:cNvSpPr txBox="1"/>
-          <p:nvPr/>
-        </p:nvSpPr>
-        <p:spPr>
-          <a:xfrm>
-            <a:off x="3603006" y="4441338"/>
-            <a:ext cx="4831772" cy="400110"/>
-          </a:xfrm>
-          <a:prstGeom prst="rect">
-            <a:avLst/>
-          </a:prstGeom>
-          <a:noFill/>
-        </p:spPr>
-        <p:txBody>
-          <a:bodyPr wrap="none" rtlCol="0">
-            <a:spAutoFit/>
-          </a:bodyPr>
-          <a:lstStyle/>
-          <a:p>
-            <a:r>
-              <a:rPr lang="en-US" sz="2000" dirty="0" smtClean="0">
-                <a:latin typeface="Times New Roman" panose="02020603050405020304" pitchFamily="18" charset="0"/>
-                <a:cs typeface="Times New Roman" panose="02020603050405020304" pitchFamily="18" charset="0"/>
-              </a:rPr>
-              <a:t>Hình 4.7 Giao diện trang danh sách yêu thích</a:t>
-            </a:r>
-            <a:endParaRPr lang="en-US" sz="2000" dirty="0">
-              <a:latin typeface="Times New Roman" panose="02020603050405020304" pitchFamily="18" charset="0"/>
-              <a:cs typeface="Times New Roman" panose="02020603050405020304" pitchFamily="18" charset="0"/>
-            </a:endParaRPr>
-          </a:p>
-        </p:txBody>
-      </p:sp>
-      <p:pic>
-        <p:nvPicPr>
-          <p:cNvPr id="7" name="Picture 6"/>
-          <p:cNvPicPr>
-            <a:picLocks noChangeAspect="1"/>
-          </p:cNvPicPr>
-          <p:nvPr/>
-        </p:nvPicPr>
-        <p:blipFill>
-          <a:blip r:embed="rId2">
-            <a:extLst>
-              <a:ext uri="{28A0092B-C50C-407E-A947-70E740481C1C}">
-                <a14:useLocalDpi xmlns:a14="http://schemas.microsoft.com/office/drawing/2010/main" val="0"/>
-              </a:ext>
-            </a:extLst>
-          </a:blip>
-          <a:stretch>
-            <a:fillRect/>
-          </a:stretch>
-        </p:blipFill>
-        <p:spPr>
-          <a:xfrm>
-            <a:off x="10780705" y="15262"/>
-            <a:ext cx="1293401" cy="1293401"/>
-          </a:xfrm>
-          <a:prstGeom prst="rect">
-            <a:avLst/>
-          </a:prstGeom>
-        </p:spPr>
-      </p:pic>
-      <p:sp>
-        <p:nvSpPr>
-          <p:cNvPr id="9" name="TextBox 8"/>
-          <p:cNvSpPr txBox="1"/>
-          <p:nvPr/>
-        </p:nvSpPr>
-        <p:spPr>
-          <a:xfrm>
-            <a:off x="4078997" y="141566"/>
-            <a:ext cx="5589201" cy="492443"/>
-          </a:xfrm>
-          <a:prstGeom prst="rect">
-            <a:avLst/>
-          </a:prstGeom>
-          <a:noFill/>
-        </p:spPr>
-        <p:txBody>
-          <a:bodyPr wrap="square" rtlCol="0">
-            <a:spAutoFit/>
-          </a:bodyPr>
-          <a:lstStyle/>
-          <a:p>
-            <a:pPr marL="0" lvl="1"/>
-            <a:r>
-              <a:rPr lang="en-US" sz="2600" b="1" dirty="0" smtClean="0">
-                <a:latin typeface="Times New Roman" panose="02020603050405020304" pitchFamily="18" charset="0"/>
-                <a:cs typeface="Times New Roman" panose="02020603050405020304" pitchFamily="18" charset="0"/>
-              </a:rPr>
-              <a:t>IV. Kết quả chương trình</a:t>
-            </a:r>
-            <a:endParaRPr lang="en-US" sz="2600" b="1" dirty="0">
-              <a:latin typeface="Times New Roman" panose="02020603050405020304" pitchFamily="18" charset="0"/>
-              <a:cs typeface="Times New Roman" panose="02020603050405020304" pitchFamily="18" charset="0"/>
-            </a:endParaRPr>
-          </a:p>
-        </p:txBody>
-      </p:sp>
-      <p:pic>
-        <p:nvPicPr>
-          <p:cNvPr id="10" name="Picture 9"/>
-          <p:cNvPicPr/>
-          <p:nvPr/>
-        </p:nvPicPr>
-        <p:blipFill>
-          <a:blip r:embed="rId3"/>
-          <a:stretch>
-            <a:fillRect/>
-          </a:stretch>
-        </p:blipFill>
-        <p:spPr>
-          <a:xfrm>
-            <a:off x="2369586" y="810883"/>
-            <a:ext cx="7298612" cy="3480093"/>
-          </a:xfrm>
-          <a:prstGeom prst="rect">
-            <a:avLst/>
-          </a:prstGeom>
-        </p:spPr>
-      </p:pic>
-    </p:spTree>
-    <p:extLst>
-      <p:ext uri="{BB962C8B-B14F-4D97-AF65-F5344CB8AC3E}">
-        <p14:creationId xmlns:p14="http://schemas.microsoft.com/office/powerpoint/2010/main" val="22938217"/>
+        <p14:creationId xmlns:p14="http://schemas.microsoft.com/office/powerpoint/2010/main" val="2263099008"/>
       </p:ext>
     </p:extLst>
   </p:cSld>
@@ -8042,743 +5789,33 @@
           </a:prstGeom>
         </p:spPr>
       </p:pic>
+      <p:sp>
+        <p:nvSpPr>
+          <p:cNvPr id="6" name="Slide Number Placeholder 5"/>
+          <p:cNvSpPr>
+            <a:spLocks noGrp="1"/>
+          </p:cNvSpPr>
+          <p:nvPr>
+            <p:ph type="sldNum" sz="quarter" idx="12"/>
+          </p:nvPr>
+        </p:nvSpPr>
+        <p:spPr/>
+        <p:txBody>
+          <a:bodyPr/>
+          <a:lstStyle/>
+          <a:p>
+            <a:fld id="{FC388293-6D4C-49F6-999F-FA35C2DD9781}" type="slidenum">
+              <a:rPr lang="en-US" smtClean="0"/>
+              <a:t>2</a:t>
+            </a:fld>
+            <a:endParaRPr lang="en-US"/>
+          </a:p>
+        </p:txBody>
+      </p:sp>
     </p:spTree>
     <p:extLst>
       <p:ext uri="{BB962C8B-B14F-4D97-AF65-F5344CB8AC3E}">
         <p14:creationId xmlns:p14="http://schemas.microsoft.com/office/powerpoint/2010/main" val="2527710609"/>
-      </p:ext>
-    </p:extLst>
-  </p:cSld>
-  <p:clrMapOvr>
-    <a:masterClrMapping/>
-  </p:clrMapOvr>
-  <p:timing>
-    <p:tnLst>
-      <p:par>
-        <p:cTn id="1" dur="indefinite" restart="never" nodeType="tmRoot"/>
-      </p:par>
-    </p:tnLst>
-  </p:timing>
-</p:sld>
-</file>
-
-<file path=ppt/slides/slide20.xml><?xml version="1.0" encoding="utf-8"?>
-<p:sld xmlns:a="http://schemas.openxmlformats.org/drawingml/2006/main" xmlns:r="http://schemas.openxmlformats.org/officeDocument/2006/relationships" xmlns:p="http://schemas.openxmlformats.org/presentationml/2006/main">
-  <p:cSld>
-    <p:spTree>
-      <p:nvGrpSpPr>
-        <p:cNvPr id="1" name=""/>
-        <p:cNvGrpSpPr/>
-        <p:nvPr/>
-      </p:nvGrpSpPr>
-      <p:grpSpPr>
-        <a:xfrm>
-          <a:off x="0" y="0"/>
-          <a:ext cx="0" cy="0"/>
-          <a:chOff x="0" y="0"/>
-          <a:chExt cx="0" cy="0"/>
-        </a:xfrm>
-      </p:grpSpPr>
-      <p:sp>
-        <p:nvSpPr>
-          <p:cNvPr id="7" name="TextBox 6"/>
-          <p:cNvSpPr txBox="1"/>
-          <p:nvPr/>
-        </p:nvSpPr>
-        <p:spPr>
-          <a:xfrm>
-            <a:off x="3571509" y="4865361"/>
-            <a:ext cx="4604146" cy="400110"/>
-          </a:xfrm>
-          <a:prstGeom prst="rect">
-            <a:avLst/>
-          </a:prstGeom>
-          <a:noFill/>
-        </p:spPr>
-        <p:txBody>
-          <a:bodyPr wrap="none" rtlCol="0">
-            <a:spAutoFit/>
-          </a:bodyPr>
-          <a:lstStyle/>
-          <a:p>
-            <a:r>
-              <a:rPr lang="en-US" sz="2000" dirty="0" smtClean="0">
-                <a:latin typeface="Times New Roman" panose="02020603050405020304" pitchFamily="18" charset="0"/>
-                <a:cs typeface="Times New Roman" panose="02020603050405020304" pitchFamily="18" charset="0"/>
-              </a:rPr>
-              <a:t>Hình 4.6 Giao diện trang quản lý sản phẩm</a:t>
-            </a:r>
-            <a:endParaRPr lang="en-US" sz="2000" dirty="0">
-              <a:latin typeface="Times New Roman" panose="02020603050405020304" pitchFamily="18" charset="0"/>
-              <a:cs typeface="Times New Roman" panose="02020603050405020304" pitchFamily="18" charset="0"/>
-            </a:endParaRPr>
-          </a:p>
-        </p:txBody>
-      </p:sp>
-      <p:pic>
-        <p:nvPicPr>
-          <p:cNvPr id="8" name="Picture 7"/>
-          <p:cNvPicPr>
-            <a:picLocks noChangeAspect="1"/>
-          </p:cNvPicPr>
-          <p:nvPr/>
-        </p:nvPicPr>
-        <p:blipFill>
-          <a:blip r:embed="rId2">
-            <a:extLst>
-              <a:ext uri="{28A0092B-C50C-407E-A947-70E740481C1C}">
-                <a14:useLocalDpi xmlns:a14="http://schemas.microsoft.com/office/drawing/2010/main" val="0"/>
-              </a:ext>
-            </a:extLst>
-          </a:blip>
-          <a:stretch>
-            <a:fillRect/>
-          </a:stretch>
-        </p:blipFill>
-        <p:spPr>
-          <a:xfrm>
-            <a:off x="10780705" y="15262"/>
-            <a:ext cx="1293401" cy="1293401"/>
-          </a:xfrm>
-          <a:prstGeom prst="rect">
-            <a:avLst/>
-          </a:prstGeom>
-        </p:spPr>
-      </p:pic>
-      <p:sp>
-        <p:nvSpPr>
-          <p:cNvPr id="9" name="TextBox 8"/>
-          <p:cNvSpPr txBox="1"/>
-          <p:nvPr/>
-        </p:nvSpPr>
-        <p:spPr>
-          <a:xfrm>
-            <a:off x="4078997" y="141566"/>
-            <a:ext cx="5589201" cy="492443"/>
-          </a:xfrm>
-          <a:prstGeom prst="rect">
-            <a:avLst/>
-          </a:prstGeom>
-          <a:noFill/>
-        </p:spPr>
-        <p:txBody>
-          <a:bodyPr wrap="square" rtlCol="0">
-            <a:spAutoFit/>
-          </a:bodyPr>
-          <a:lstStyle/>
-          <a:p>
-            <a:pPr marL="0" lvl="1"/>
-            <a:r>
-              <a:rPr lang="en-US" sz="2600" b="1" dirty="0" smtClean="0">
-                <a:latin typeface="Times New Roman" panose="02020603050405020304" pitchFamily="18" charset="0"/>
-                <a:cs typeface="Times New Roman" panose="02020603050405020304" pitchFamily="18" charset="0"/>
-              </a:rPr>
-              <a:t>IV. Kết quả chương trình</a:t>
-            </a:r>
-            <a:endParaRPr lang="en-US" sz="2600" b="1" dirty="0">
-              <a:latin typeface="Times New Roman" panose="02020603050405020304" pitchFamily="18" charset="0"/>
-              <a:cs typeface="Times New Roman" panose="02020603050405020304" pitchFamily="18" charset="0"/>
-            </a:endParaRPr>
-          </a:p>
-        </p:txBody>
-      </p:sp>
-      <p:pic>
-        <p:nvPicPr>
-          <p:cNvPr id="10" name="Picture 9"/>
-          <p:cNvPicPr/>
-          <p:nvPr/>
-        </p:nvPicPr>
-        <p:blipFill>
-          <a:blip r:embed="rId3"/>
-          <a:stretch>
-            <a:fillRect/>
-          </a:stretch>
-        </p:blipFill>
-        <p:spPr>
-          <a:xfrm>
-            <a:off x="2078966" y="802256"/>
-            <a:ext cx="7589232" cy="3899140"/>
-          </a:xfrm>
-          <a:prstGeom prst="rect">
-            <a:avLst/>
-          </a:prstGeom>
-        </p:spPr>
-      </p:pic>
-    </p:spTree>
-    <p:extLst>
-      <p:ext uri="{BB962C8B-B14F-4D97-AF65-F5344CB8AC3E}">
-        <p14:creationId xmlns:p14="http://schemas.microsoft.com/office/powerpoint/2010/main" val="3748252607"/>
-      </p:ext>
-    </p:extLst>
-  </p:cSld>
-  <p:clrMapOvr>
-    <a:masterClrMapping/>
-  </p:clrMapOvr>
-  <p:timing>
-    <p:tnLst>
-      <p:par>
-        <p:cTn id="1" dur="indefinite" restart="never" nodeType="tmRoot"/>
-      </p:par>
-    </p:tnLst>
-  </p:timing>
-</p:sld>
-</file>
-
-<file path=ppt/slides/slide21.xml><?xml version="1.0" encoding="utf-8"?>
-<p:sld xmlns:a="http://schemas.openxmlformats.org/drawingml/2006/main" xmlns:r="http://schemas.openxmlformats.org/officeDocument/2006/relationships" xmlns:p="http://schemas.openxmlformats.org/presentationml/2006/main">
-  <p:cSld>
-    <p:spTree>
-      <p:nvGrpSpPr>
-        <p:cNvPr id="1" name=""/>
-        <p:cNvGrpSpPr/>
-        <p:nvPr/>
-      </p:nvGrpSpPr>
-      <p:grpSpPr>
-        <a:xfrm>
-          <a:off x="0" y="0"/>
-          <a:ext cx="0" cy="0"/>
-          <a:chOff x="0" y="0"/>
-          <a:chExt cx="0" cy="0"/>
-        </a:xfrm>
-      </p:grpSpPr>
-      <p:sp>
-        <p:nvSpPr>
-          <p:cNvPr id="7" name="TextBox 6"/>
-          <p:cNvSpPr txBox="1"/>
-          <p:nvPr/>
-        </p:nvSpPr>
-        <p:spPr>
-          <a:xfrm>
-            <a:off x="3571509" y="4865361"/>
-            <a:ext cx="4823756" cy="400110"/>
-          </a:xfrm>
-          <a:prstGeom prst="rect">
-            <a:avLst/>
-          </a:prstGeom>
-          <a:noFill/>
-        </p:spPr>
-        <p:txBody>
-          <a:bodyPr wrap="none" rtlCol="0">
-            <a:spAutoFit/>
-          </a:bodyPr>
-          <a:lstStyle/>
-          <a:p>
-            <a:r>
-              <a:rPr lang="en-US" sz="2000" dirty="0" smtClean="0">
-                <a:latin typeface="Times New Roman" panose="02020603050405020304" pitchFamily="18" charset="0"/>
-                <a:cs typeface="Times New Roman" panose="02020603050405020304" pitchFamily="18" charset="0"/>
-              </a:rPr>
-              <a:t>Hình 4.6 Giao diện trang thêm mới sản phẩm</a:t>
-            </a:r>
-            <a:endParaRPr lang="en-US" sz="2000" dirty="0">
-              <a:latin typeface="Times New Roman" panose="02020603050405020304" pitchFamily="18" charset="0"/>
-              <a:cs typeface="Times New Roman" panose="02020603050405020304" pitchFamily="18" charset="0"/>
-            </a:endParaRPr>
-          </a:p>
-        </p:txBody>
-      </p:sp>
-      <p:pic>
-        <p:nvPicPr>
-          <p:cNvPr id="8" name="Picture 7"/>
-          <p:cNvPicPr>
-            <a:picLocks noChangeAspect="1"/>
-          </p:cNvPicPr>
-          <p:nvPr/>
-        </p:nvPicPr>
-        <p:blipFill>
-          <a:blip r:embed="rId2">
-            <a:extLst>
-              <a:ext uri="{28A0092B-C50C-407E-A947-70E740481C1C}">
-                <a14:useLocalDpi xmlns:a14="http://schemas.microsoft.com/office/drawing/2010/main" val="0"/>
-              </a:ext>
-            </a:extLst>
-          </a:blip>
-          <a:stretch>
-            <a:fillRect/>
-          </a:stretch>
-        </p:blipFill>
-        <p:spPr>
-          <a:xfrm>
-            <a:off x="10780705" y="15262"/>
-            <a:ext cx="1293401" cy="1293401"/>
-          </a:xfrm>
-          <a:prstGeom prst="rect">
-            <a:avLst/>
-          </a:prstGeom>
-        </p:spPr>
-      </p:pic>
-      <p:sp>
-        <p:nvSpPr>
-          <p:cNvPr id="9" name="TextBox 8"/>
-          <p:cNvSpPr txBox="1"/>
-          <p:nvPr/>
-        </p:nvSpPr>
-        <p:spPr>
-          <a:xfrm>
-            <a:off x="4078997" y="141566"/>
-            <a:ext cx="5589201" cy="492443"/>
-          </a:xfrm>
-          <a:prstGeom prst="rect">
-            <a:avLst/>
-          </a:prstGeom>
-          <a:noFill/>
-        </p:spPr>
-        <p:txBody>
-          <a:bodyPr wrap="square" rtlCol="0">
-            <a:spAutoFit/>
-          </a:bodyPr>
-          <a:lstStyle/>
-          <a:p>
-            <a:pPr marL="0" lvl="1"/>
-            <a:r>
-              <a:rPr lang="en-US" sz="2600" b="1" dirty="0" smtClean="0">
-                <a:latin typeface="Times New Roman" panose="02020603050405020304" pitchFamily="18" charset="0"/>
-                <a:cs typeface="Times New Roman" panose="02020603050405020304" pitchFamily="18" charset="0"/>
-              </a:rPr>
-              <a:t>IV. Kết quả chương trình</a:t>
-            </a:r>
-            <a:endParaRPr lang="en-US" sz="2600" b="1" dirty="0">
-              <a:latin typeface="Times New Roman" panose="02020603050405020304" pitchFamily="18" charset="0"/>
-              <a:cs typeface="Times New Roman" panose="02020603050405020304" pitchFamily="18" charset="0"/>
-            </a:endParaRPr>
-          </a:p>
-        </p:txBody>
-      </p:sp>
-      <p:pic>
-        <p:nvPicPr>
-          <p:cNvPr id="6" name="Picture 5"/>
-          <p:cNvPicPr/>
-          <p:nvPr/>
-        </p:nvPicPr>
-        <p:blipFill>
-          <a:blip r:embed="rId3"/>
-          <a:stretch>
-            <a:fillRect/>
-          </a:stretch>
-        </p:blipFill>
-        <p:spPr>
-          <a:xfrm>
-            <a:off x="2368587" y="768029"/>
-            <a:ext cx="7229600" cy="3963311"/>
-          </a:xfrm>
-          <a:prstGeom prst="rect">
-            <a:avLst/>
-          </a:prstGeom>
-        </p:spPr>
-      </p:pic>
-    </p:spTree>
-    <p:extLst>
-      <p:ext uri="{BB962C8B-B14F-4D97-AF65-F5344CB8AC3E}">
-        <p14:creationId xmlns:p14="http://schemas.microsoft.com/office/powerpoint/2010/main" val="2690403054"/>
-      </p:ext>
-    </p:extLst>
-  </p:cSld>
-  <p:clrMapOvr>
-    <a:masterClrMapping/>
-  </p:clrMapOvr>
-  <p:timing>
-    <p:tnLst>
-      <p:par>
-        <p:cTn id="1" dur="indefinite" restart="never" nodeType="tmRoot"/>
-      </p:par>
-    </p:tnLst>
-  </p:timing>
-</p:sld>
-</file>
-
-<file path=ppt/slides/slide22.xml><?xml version="1.0" encoding="utf-8"?>
-<p:sld xmlns:a="http://schemas.openxmlformats.org/drawingml/2006/main" xmlns:r="http://schemas.openxmlformats.org/officeDocument/2006/relationships" xmlns:p="http://schemas.openxmlformats.org/presentationml/2006/main">
-  <p:cSld>
-    <p:spTree>
-      <p:nvGrpSpPr>
-        <p:cNvPr id="1" name=""/>
-        <p:cNvGrpSpPr/>
-        <p:nvPr/>
-      </p:nvGrpSpPr>
-      <p:grpSpPr>
-        <a:xfrm>
-          <a:off x="0" y="0"/>
-          <a:ext cx="0" cy="0"/>
-          <a:chOff x="0" y="0"/>
-          <a:chExt cx="0" cy="0"/>
-        </a:xfrm>
-      </p:grpSpPr>
-      <p:sp>
-        <p:nvSpPr>
-          <p:cNvPr id="4" name="TextBox 3"/>
-          <p:cNvSpPr txBox="1"/>
-          <p:nvPr/>
-        </p:nvSpPr>
-        <p:spPr>
-          <a:xfrm>
-            <a:off x="5066682" y="400245"/>
-            <a:ext cx="2424838" cy="492443"/>
-          </a:xfrm>
-          <a:prstGeom prst="rect">
-            <a:avLst/>
-          </a:prstGeom>
-          <a:noFill/>
-        </p:spPr>
-        <p:txBody>
-          <a:bodyPr wrap="square" rtlCol="0">
-            <a:spAutoFit/>
-          </a:bodyPr>
-          <a:lstStyle/>
-          <a:p>
-            <a:pPr marL="0" lvl="1"/>
-            <a:r>
-              <a:rPr lang="en-US" sz="2600" b="1" dirty="0" smtClean="0">
-                <a:latin typeface="Times New Roman" panose="02020603050405020304" pitchFamily="18" charset="0"/>
-                <a:cs typeface="Times New Roman" panose="02020603050405020304" pitchFamily="18" charset="0"/>
-              </a:rPr>
-              <a:t>V. Tổng kết</a:t>
-            </a:r>
-            <a:endParaRPr lang="en-US" sz="2600" b="1" dirty="0">
-              <a:latin typeface="Times New Roman" panose="02020603050405020304" pitchFamily="18" charset="0"/>
-              <a:cs typeface="Times New Roman" panose="02020603050405020304" pitchFamily="18" charset="0"/>
-            </a:endParaRPr>
-          </a:p>
-        </p:txBody>
-      </p:sp>
-      <p:sp>
-        <p:nvSpPr>
-          <p:cNvPr id="8" name="TextBox 7"/>
-          <p:cNvSpPr txBox="1"/>
-          <p:nvPr/>
-        </p:nvSpPr>
-        <p:spPr>
-          <a:xfrm>
-            <a:off x="1712694" y="1390051"/>
-            <a:ext cx="3690552" cy="400110"/>
-          </a:xfrm>
-          <a:prstGeom prst="rect">
-            <a:avLst/>
-          </a:prstGeom>
-          <a:noFill/>
-        </p:spPr>
-        <p:txBody>
-          <a:bodyPr wrap="square" rtlCol="0">
-            <a:spAutoFit/>
-          </a:bodyPr>
-          <a:lstStyle/>
-          <a:p>
-            <a:pPr marL="285750" indent="-285750">
-              <a:buFont typeface="Wingdings" panose="05000000000000000000" pitchFamily="2" charset="2"/>
-              <a:buChar char="v"/>
-            </a:pPr>
-            <a:r>
-              <a:rPr lang="en-US" sz="2000" b="1" dirty="0" smtClean="0">
-                <a:latin typeface="Times New Roman" panose="02020603050405020304" pitchFamily="18" charset="0"/>
-                <a:cs typeface="Times New Roman" panose="02020603050405020304" pitchFamily="18" charset="0"/>
-              </a:rPr>
-              <a:t>Những điểm đã đạt được:</a:t>
-            </a:r>
-            <a:endParaRPr lang="en-US" sz="2000" b="1" dirty="0">
-              <a:latin typeface="Times New Roman" panose="02020603050405020304" pitchFamily="18" charset="0"/>
-              <a:cs typeface="Times New Roman" panose="02020603050405020304" pitchFamily="18" charset="0"/>
-            </a:endParaRPr>
-          </a:p>
-        </p:txBody>
-      </p:sp>
-      <p:sp>
-        <p:nvSpPr>
-          <p:cNvPr id="10" name="TextBox 9"/>
-          <p:cNvSpPr txBox="1"/>
-          <p:nvPr/>
-        </p:nvSpPr>
-        <p:spPr>
-          <a:xfrm>
-            <a:off x="1992781" y="1767199"/>
-            <a:ext cx="4760358" cy="3785652"/>
-          </a:xfrm>
-          <a:prstGeom prst="rect">
-            <a:avLst/>
-          </a:prstGeom>
-          <a:noFill/>
-        </p:spPr>
-        <p:txBody>
-          <a:bodyPr wrap="square" rtlCol="0">
-            <a:spAutoFit/>
-          </a:bodyPr>
-          <a:lstStyle/>
-          <a:p>
-            <a:pPr marL="285750" indent="-285750" algn="just">
-              <a:lnSpc>
-                <a:spcPct val="150000"/>
-              </a:lnSpc>
-              <a:buFont typeface="Arial" panose="020B0604020202020204" pitchFamily="34" charset="0"/>
-              <a:buChar char="•"/>
-            </a:pPr>
-            <a:r>
-              <a:rPr lang="en-US" sz="2000" dirty="0" smtClean="0">
-                <a:latin typeface="Times New Roman" panose="02020603050405020304" pitchFamily="18" charset="0"/>
-                <a:cs typeface="Times New Roman" panose="02020603050405020304" pitchFamily="18" charset="0"/>
-              </a:rPr>
-              <a:t>Giao diện thân thiện dễ sử dụng.</a:t>
-            </a:r>
-          </a:p>
-          <a:p>
-            <a:pPr marL="285750" indent="-285750" algn="just">
-              <a:lnSpc>
-                <a:spcPct val="150000"/>
-              </a:lnSpc>
-              <a:buFont typeface="Arial" panose="020B0604020202020204" pitchFamily="34" charset="0"/>
-              <a:buChar char="•"/>
-            </a:pPr>
-            <a:r>
-              <a:rPr lang="en-US" sz="2000" dirty="0" smtClean="0">
-                <a:latin typeface="Times New Roman" panose="02020603050405020304" pitchFamily="18" charset="0"/>
-                <a:cs typeface="Times New Roman" panose="02020603050405020304" pitchFamily="18" charset="0"/>
-              </a:rPr>
-              <a:t>Các thông tin được lưu trữ, xử lý một cách dễ dàng chính xác.</a:t>
-            </a:r>
-          </a:p>
-          <a:p>
-            <a:pPr marL="285750" indent="-285750" algn="just">
-              <a:lnSpc>
-                <a:spcPct val="150000"/>
-              </a:lnSpc>
-              <a:buFont typeface="Arial" panose="020B0604020202020204" pitchFamily="34" charset="0"/>
-              <a:buChar char="•"/>
-            </a:pPr>
-            <a:r>
-              <a:rPr lang="en-US" sz="2000" dirty="0" smtClean="0">
-                <a:latin typeface="Times New Roman" panose="02020603050405020304" pitchFamily="18" charset="0"/>
-                <a:cs typeface="Times New Roman" panose="02020603050405020304" pitchFamily="18" charset="0"/>
-              </a:rPr>
-              <a:t>Cho phép đặt hàng trực tuyến.</a:t>
-            </a:r>
-          </a:p>
-          <a:p>
-            <a:pPr marL="285750" indent="-285750" algn="just">
-              <a:lnSpc>
-                <a:spcPct val="150000"/>
-              </a:lnSpc>
-              <a:buFont typeface="Arial" panose="020B0604020202020204" pitchFamily="34" charset="0"/>
-              <a:buChar char="•"/>
-            </a:pPr>
-            <a:r>
-              <a:rPr lang="en-US" sz="2000" dirty="0" smtClean="0">
-                <a:latin typeface="Times New Roman" panose="02020603050405020304" pitchFamily="18" charset="0"/>
-                <a:cs typeface="Times New Roman" panose="02020603050405020304" pitchFamily="18" charset="0"/>
-              </a:rPr>
-              <a:t>Website đáp ứng được các nghiệp vụ cơ bản của quá trình bán hàng: Quản lý sản phẩm, quản lý đơn hàng, quản lý người dùng…</a:t>
-            </a:r>
-          </a:p>
-        </p:txBody>
-      </p:sp>
-      <p:sp>
-        <p:nvSpPr>
-          <p:cNvPr id="11" name="TextBox 10"/>
-          <p:cNvSpPr txBox="1"/>
-          <p:nvPr/>
-        </p:nvSpPr>
-        <p:spPr>
-          <a:xfrm>
-            <a:off x="6968808" y="1440330"/>
-            <a:ext cx="3716082" cy="400110"/>
-          </a:xfrm>
-          <a:prstGeom prst="rect">
-            <a:avLst/>
-          </a:prstGeom>
-          <a:noFill/>
-        </p:spPr>
-        <p:txBody>
-          <a:bodyPr wrap="none" rtlCol="0">
-            <a:spAutoFit/>
-          </a:bodyPr>
-          <a:lstStyle/>
-          <a:p>
-            <a:pPr marL="285750" indent="-285750">
-              <a:buFont typeface="Wingdings" panose="05000000000000000000" pitchFamily="2" charset="2"/>
-              <a:buChar char="v"/>
-            </a:pPr>
-            <a:r>
-              <a:rPr lang="en-US" sz="2000" b="1" dirty="0" smtClean="0">
-                <a:latin typeface="Times New Roman" panose="02020603050405020304" pitchFamily="18" charset="0"/>
-                <a:cs typeface="Times New Roman" panose="02020603050405020304" pitchFamily="18" charset="0"/>
-              </a:rPr>
-              <a:t>Hướng phát triển của website</a:t>
-            </a:r>
-            <a:endParaRPr lang="en-US" sz="2000" b="1" dirty="0">
-              <a:latin typeface="Times New Roman" panose="02020603050405020304" pitchFamily="18" charset="0"/>
-              <a:cs typeface="Times New Roman" panose="02020603050405020304" pitchFamily="18" charset="0"/>
-            </a:endParaRPr>
-          </a:p>
-        </p:txBody>
-      </p:sp>
-      <p:sp>
-        <p:nvSpPr>
-          <p:cNvPr id="12" name="TextBox 11"/>
-          <p:cNvSpPr txBox="1"/>
-          <p:nvPr/>
-        </p:nvSpPr>
-        <p:spPr>
-          <a:xfrm>
-            <a:off x="7215942" y="1871272"/>
-            <a:ext cx="4563611" cy="2246769"/>
-          </a:xfrm>
-          <a:prstGeom prst="rect">
-            <a:avLst/>
-          </a:prstGeom>
-          <a:noFill/>
-        </p:spPr>
-        <p:txBody>
-          <a:bodyPr wrap="square" rtlCol="0">
-            <a:spAutoFit/>
-          </a:bodyPr>
-          <a:lstStyle/>
-          <a:p>
-            <a:pPr marL="285750" indent="-285750" algn="just">
-              <a:buFont typeface="Arial" panose="020B0604020202020204" pitchFamily="34" charset="0"/>
-              <a:buChar char="•"/>
-            </a:pPr>
-            <a:r>
-              <a:rPr lang="en-US" sz="2000" dirty="0" smtClean="0">
-                <a:latin typeface="Times New Roman" panose="02020603050405020304" pitchFamily="18" charset="0"/>
-                <a:cs typeface="Times New Roman" panose="02020603050405020304" pitchFamily="18" charset="0"/>
-              </a:rPr>
-              <a:t>Hỗ trợ thanh toán thêm các phương thức mới.</a:t>
-            </a:r>
-          </a:p>
-          <a:p>
-            <a:pPr marL="285750" indent="-285750" algn="just">
-              <a:buFont typeface="Arial" panose="020B0604020202020204" pitchFamily="34" charset="0"/>
-              <a:buChar char="•"/>
-            </a:pPr>
-            <a:r>
-              <a:rPr lang="en-US" sz="2000" dirty="0" smtClean="0">
-                <a:latin typeface="Times New Roman" panose="02020603050405020304" pitchFamily="18" charset="0"/>
-                <a:cs typeface="Times New Roman" panose="02020603050405020304" pitchFamily="18" charset="0"/>
-              </a:rPr>
-              <a:t>Xây dựng thêm các phương thức khuyến mại.</a:t>
-            </a:r>
-          </a:p>
-          <a:p>
-            <a:pPr marL="285750" indent="-285750" algn="just">
-              <a:buFont typeface="Arial" panose="020B0604020202020204" pitchFamily="34" charset="0"/>
-              <a:buChar char="•"/>
-            </a:pPr>
-            <a:r>
-              <a:rPr lang="en-US" sz="2000" dirty="0" smtClean="0">
-                <a:latin typeface="Times New Roman" panose="02020603050405020304" pitchFamily="18" charset="0"/>
-                <a:cs typeface="Times New Roman" panose="02020603050405020304" pitchFamily="18" charset="0"/>
-              </a:rPr>
-              <a:t>Cho phép người quản trị thêm sản phẩm qua file excel.</a:t>
-            </a:r>
-          </a:p>
-          <a:p>
-            <a:pPr marL="285750" indent="-285750" algn="just">
-              <a:buFont typeface="Arial" panose="020B0604020202020204" pitchFamily="34" charset="0"/>
-              <a:buChar char="•"/>
-            </a:pPr>
-            <a:endParaRPr lang="en-US" sz="2000" dirty="0">
-              <a:latin typeface="Times New Roman" panose="02020603050405020304" pitchFamily="18" charset="0"/>
-              <a:cs typeface="Times New Roman" panose="02020603050405020304" pitchFamily="18" charset="0"/>
-            </a:endParaRPr>
-          </a:p>
-        </p:txBody>
-      </p:sp>
-      <p:pic>
-        <p:nvPicPr>
-          <p:cNvPr id="9" name="Picture 8"/>
-          <p:cNvPicPr>
-            <a:picLocks noChangeAspect="1"/>
-          </p:cNvPicPr>
-          <p:nvPr/>
-        </p:nvPicPr>
-        <p:blipFill>
-          <a:blip r:embed="rId2">
-            <a:extLst>
-              <a:ext uri="{28A0092B-C50C-407E-A947-70E740481C1C}">
-                <a14:useLocalDpi xmlns:a14="http://schemas.microsoft.com/office/drawing/2010/main" val="0"/>
-              </a:ext>
-            </a:extLst>
-          </a:blip>
-          <a:stretch>
-            <a:fillRect/>
-          </a:stretch>
-        </p:blipFill>
-        <p:spPr>
-          <a:xfrm>
-            <a:off x="10780705" y="15262"/>
-            <a:ext cx="1293401" cy="1293401"/>
-          </a:xfrm>
-          <a:prstGeom prst="rect">
-            <a:avLst/>
-          </a:prstGeom>
-        </p:spPr>
-      </p:pic>
-    </p:spTree>
-    <p:extLst>
-      <p:ext uri="{BB962C8B-B14F-4D97-AF65-F5344CB8AC3E}">
-        <p14:creationId xmlns:p14="http://schemas.microsoft.com/office/powerpoint/2010/main" val="1376457686"/>
-      </p:ext>
-    </p:extLst>
-  </p:cSld>
-  <p:clrMapOvr>
-    <a:masterClrMapping/>
-  </p:clrMapOvr>
-  <p:timing>
-    <p:tnLst>
-      <p:par>
-        <p:cTn id="1" dur="indefinite" restart="never" nodeType="tmRoot"/>
-      </p:par>
-    </p:tnLst>
-  </p:timing>
-</p:sld>
-</file>
-
-<file path=ppt/slides/slide23.xml><?xml version="1.0" encoding="utf-8"?>
-<p:sld xmlns:a="http://schemas.openxmlformats.org/drawingml/2006/main" xmlns:r="http://schemas.openxmlformats.org/officeDocument/2006/relationships" xmlns:p="http://schemas.openxmlformats.org/presentationml/2006/main">
-  <p:cSld>
-    <p:spTree>
-      <p:nvGrpSpPr>
-        <p:cNvPr id="1" name=""/>
-        <p:cNvGrpSpPr/>
-        <p:nvPr/>
-      </p:nvGrpSpPr>
-      <p:grpSpPr>
-        <a:xfrm>
-          <a:off x="0" y="0"/>
-          <a:ext cx="0" cy="0"/>
-          <a:chOff x="0" y="0"/>
-          <a:chExt cx="0" cy="0"/>
-        </a:xfrm>
-      </p:grpSpPr>
-      <p:pic>
-        <p:nvPicPr>
-          <p:cNvPr id="4" name="Content Placeholder 3"/>
-          <p:cNvPicPr>
-            <a:picLocks noGrp="1" noChangeAspect="1"/>
-          </p:cNvPicPr>
-          <p:nvPr>
-            <p:ph idx="1"/>
-          </p:nvPr>
-        </p:nvPicPr>
-        <p:blipFill>
-          <a:blip r:embed="rId2">
-            <a:extLst>
-              <a:ext uri="{28A0092B-C50C-407E-A947-70E740481C1C}">
-                <a14:useLocalDpi xmlns:a14="http://schemas.microsoft.com/office/drawing/2010/main" val="0"/>
-              </a:ext>
-            </a:extLst>
-          </a:blip>
-          <a:stretch>
-            <a:fillRect/>
-          </a:stretch>
-        </p:blipFill>
-        <p:spPr>
-          <a:xfrm>
-            <a:off x="704850" y="586580"/>
-            <a:ext cx="11487150" cy="5333319"/>
-          </a:xfrm>
-        </p:spPr>
-      </p:pic>
-    </p:spTree>
-    <p:extLst>
-      <p:ext uri="{BB962C8B-B14F-4D97-AF65-F5344CB8AC3E}">
-        <p14:creationId xmlns:p14="http://schemas.microsoft.com/office/powerpoint/2010/main" val="2263099008"/>
       </p:ext>
     </p:extLst>
   </p:cSld>
@@ -8969,6 +6006,29 @@
           </a:prstGeom>
         </p:spPr>
       </p:pic>
+      <p:sp>
+        <p:nvSpPr>
+          <p:cNvPr id="7" name="Slide Number Placeholder 6"/>
+          <p:cNvSpPr>
+            <a:spLocks noGrp="1"/>
+          </p:cNvSpPr>
+          <p:nvPr>
+            <p:ph type="sldNum" sz="quarter" idx="12"/>
+          </p:nvPr>
+        </p:nvSpPr>
+        <p:spPr/>
+        <p:txBody>
+          <a:bodyPr/>
+          <a:lstStyle/>
+          <a:p>
+            <a:fld id="{FC388293-6D4C-49F6-999F-FA35C2DD9781}" type="slidenum">
+              <a:rPr lang="en-US" smtClean="0"/>
+              <a:t>3</a:t>
+            </a:fld>
+            <a:endParaRPr lang="en-US"/>
+          </a:p>
+        </p:txBody>
+      </p:sp>
     </p:spTree>
     <p:extLst>
       <p:ext uri="{BB962C8B-B14F-4D97-AF65-F5344CB8AC3E}">
@@ -9008,20 +6068,143 @@
       </p:grpSpPr>
       <p:sp>
         <p:nvSpPr>
-          <p:cNvPr id="2" name="TextBox 1">
-            <a:extLst>
-              <a:ext uri="{FF2B5EF4-FFF2-40B4-BE49-F238E27FC236}">
-                <a16:creationId xmlns:a16="http://schemas.microsoft.com/office/drawing/2014/main" id="{6356FD5F-3517-4D65-BEFA-0C39E3C7746D}"/>
-              </a:ext>
-            </a:extLst>
-          </p:cNvPr>
+          <p:cNvPr id="3" name="Content Placeholder 2"/>
+          <p:cNvSpPr>
+            <a:spLocks noGrp="1"/>
+          </p:cNvSpPr>
+          <p:nvPr>
+            <p:ph idx="1"/>
+          </p:nvPr>
+        </p:nvSpPr>
+        <p:spPr>
+          <a:xfrm>
+            <a:off x="2379572" y="1717798"/>
+            <a:ext cx="7291649" cy="3883932"/>
+          </a:xfrm>
+        </p:spPr>
+        <p:txBody>
+          <a:bodyPr>
+            <a:normAutofit/>
+          </a:bodyPr>
+          <a:lstStyle/>
+          <a:p>
+            <a:pPr marL="457200" lvl="1" indent="0">
+              <a:lnSpc>
+                <a:spcPct val="150000"/>
+              </a:lnSpc>
+              <a:buNone/>
+            </a:pPr>
+            <a:r>
+              <a:rPr lang="en-US" sz="2000" b="1" dirty="0">
+                <a:latin typeface="Times New Roman" panose="02020603050405020304" pitchFamily="18" charset="0"/>
+                <a:cs typeface="Times New Roman" panose="02020603050405020304" pitchFamily="18" charset="0"/>
+              </a:rPr>
+              <a:t>N</a:t>
+            </a:r>
+            <a:r>
+              <a:rPr lang="en-US" sz="2000" b="1" dirty="0" smtClean="0">
+                <a:latin typeface="Times New Roman" panose="02020603050405020304" pitchFamily="18" charset="0"/>
+                <a:cs typeface="Times New Roman" panose="02020603050405020304" pitchFamily="18" charset="0"/>
+              </a:rPr>
+              <a:t>hững </a:t>
+            </a:r>
+            <a:r>
+              <a:rPr lang="en-US" sz="2000" b="1" dirty="0">
+                <a:latin typeface="Times New Roman" panose="02020603050405020304" pitchFamily="18" charset="0"/>
+                <a:cs typeface="Times New Roman" panose="02020603050405020304" pitchFamily="18" charset="0"/>
+              </a:rPr>
+              <a:t>lợi ích khi mua hàng </a:t>
+            </a:r>
+            <a:r>
+              <a:rPr lang="en-US" sz="2000" b="1" dirty="0" smtClean="0">
+                <a:latin typeface="Times New Roman" panose="02020603050405020304" pitchFamily="18" charset="0"/>
+                <a:cs typeface="Times New Roman" panose="02020603050405020304" pitchFamily="18" charset="0"/>
+              </a:rPr>
+              <a:t>online:</a:t>
+            </a:r>
+          </a:p>
+          <a:p>
+            <a:pPr lvl="1">
+              <a:lnSpc>
+                <a:spcPct val="150000"/>
+              </a:lnSpc>
+            </a:pPr>
+            <a:r>
+              <a:rPr lang="en-US" sz="1800" dirty="0" smtClean="0">
+                <a:latin typeface="Times New Roman" panose="02020603050405020304" pitchFamily="18" charset="0"/>
+                <a:cs typeface="Times New Roman" panose="02020603050405020304" pitchFamily="18" charset="0"/>
+              </a:rPr>
+              <a:t>Tiết kiệm được thời gian.</a:t>
+            </a:r>
+          </a:p>
+          <a:p>
+            <a:pPr lvl="1">
+              <a:lnSpc>
+                <a:spcPct val="150000"/>
+              </a:lnSpc>
+            </a:pPr>
+            <a:r>
+              <a:rPr lang="en-US" sz="1800" dirty="0" smtClean="0">
+                <a:latin typeface="Times New Roman" panose="02020603050405020304" pitchFamily="18" charset="0"/>
+                <a:cs typeface="Times New Roman" panose="02020603050405020304" pitchFamily="18" charset="0"/>
+              </a:rPr>
+              <a:t>Linh hoạt khi mua sắm.</a:t>
+            </a:r>
+          </a:p>
+          <a:p>
+            <a:pPr lvl="1">
+              <a:lnSpc>
+                <a:spcPct val="150000"/>
+              </a:lnSpc>
+            </a:pPr>
+            <a:r>
+              <a:rPr lang="en-US" sz="1800" dirty="0" smtClean="0">
+                <a:latin typeface="Times New Roman" panose="02020603050405020304" pitchFamily="18" charset="0"/>
+                <a:cs typeface="Times New Roman" panose="02020603050405020304" pitchFamily="18" charset="0"/>
+              </a:rPr>
+              <a:t>Có thời gian nghiên cứu kỹ sản phẩm.</a:t>
+            </a:r>
+          </a:p>
+          <a:p>
+            <a:pPr lvl="1">
+              <a:lnSpc>
+                <a:spcPct val="150000"/>
+              </a:lnSpc>
+            </a:pPr>
+            <a:r>
+              <a:rPr lang="en-US" sz="1800" dirty="0" smtClean="0">
+                <a:latin typeface="Times New Roman" panose="02020603050405020304" pitchFamily="18" charset="0"/>
+                <a:cs typeface="Times New Roman" panose="02020603050405020304" pitchFamily="18" charset="0"/>
+              </a:rPr>
+              <a:t>Được mua sắm an toàn.</a:t>
+            </a:r>
+          </a:p>
+          <a:p>
+            <a:pPr lvl="1">
+              <a:lnSpc>
+                <a:spcPct val="150000"/>
+              </a:lnSpc>
+            </a:pPr>
+            <a:r>
+              <a:rPr lang="en-US" sz="1800" dirty="0" smtClean="0">
+                <a:latin typeface="Times New Roman" panose="02020603050405020304" pitchFamily="18" charset="0"/>
+                <a:cs typeface="Times New Roman" panose="02020603050405020304" pitchFamily="18" charset="0"/>
+              </a:rPr>
+              <a:t>Tránh khỏi những phiền phức khó chịu.</a:t>
+            </a:r>
+          </a:p>
+        </p:txBody>
+      </p:sp>
+      <p:sp>
+        <p:nvSpPr>
+          <p:cNvPr id="4" name="TextBox 3"/>
           <p:cNvSpPr txBox="1"/>
           <p:nvPr/>
         </p:nvSpPr>
         <p:spPr>
           <a:xfrm>
-            <a:off x="2203508" y="298442"/>
-            <a:ext cx="7476939" cy="492443"/>
+            <a:off x="2091248" y="447901"/>
+            <a:ext cx="7376272" cy="492443"/>
           </a:xfrm>
           <a:prstGeom prst="rect">
             <a:avLst/>
@@ -9040,76 +6223,19 @@
                 <a:latin typeface="Times New Roman" panose="02020603050405020304" pitchFamily="18" charset="0"/>
                 <a:cs typeface="Times New Roman" panose="02020603050405020304" pitchFamily="18" charset="0"/>
               </a:rPr>
-              <a:t>I. Lý do chọn đề tài, mục đích nghiên cứu</a:t>
-            </a:r>
-          </a:p>
-        </p:txBody>
-      </p:sp>
-      <p:graphicFrame>
-        <p:nvGraphicFramePr>
-          <p:cNvPr id="12" name="Content Placeholder 11"/>
-          <p:cNvGraphicFramePr>
-            <a:graphicFrameLocks noGrp="1"/>
-          </p:cNvGraphicFramePr>
-          <p:nvPr>
-            <p:ph idx="1"/>
-            <p:extLst>
-              <p:ext uri="{D42A27DB-BD31-4B8C-83A1-F6EECF244321}">
-                <p14:modId xmlns:p14="http://schemas.microsoft.com/office/powerpoint/2010/main" val="2036984509"/>
-              </p:ext>
-            </p:extLst>
-          </p:nvPr>
-        </p:nvGraphicFramePr>
-        <p:xfrm>
-          <a:off x="1890793" y="1891184"/>
-          <a:ext cx="7501179" cy="4246145"/>
-        </p:xfrm>
-        <a:graphic>
-          <a:graphicData uri="http://schemas.openxmlformats.org/drawingml/2006/chart">
-            <c:chart xmlns:c="http://schemas.openxmlformats.org/drawingml/2006/chart" xmlns:r="http://schemas.openxmlformats.org/officeDocument/2006/relationships" r:id="rId2"/>
-          </a:graphicData>
-        </a:graphic>
-      </p:graphicFrame>
-      <p:sp>
-        <p:nvSpPr>
-          <p:cNvPr id="14" name="TextBox 13"/>
-          <p:cNvSpPr txBox="1"/>
-          <p:nvPr/>
-        </p:nvSpPr>
-        <p:spPr>
-          <a:xfrm>
-            <a:off x="1689316" y="1137132"/>
-            <a:ext cx="1890261" cy="646331"/>
-          </a:xfrm>
-          <a:prstGeom prst="rect">
-            <a:avLst/>
-          </a:prstGeom>
-          <a:noFill/>
-        </p:spPr>
-        <p:txBody>
-          <a:bodyPr wrap="none" rtlCol="0">
-            <a:spAutoFit/>
-          </a:bodyPr>
-          <a:lstStyle/>
-          <a:p>
-            <a:pPr marL="0" lvl="1"/>
-            <a:r>
-              <a:rPr lang="en-US" b="1" dirty="0" smtClean="0">
+              <a:t>I</a:t>
+            </a:r>
+            <a:r>
+              <a:rPr lang="en-US" sz="2600" b="1" dirty="0" smtClean="0">
                 <a:latin typeface="Times New Roman" panose="02020603050405020304" pitchFamily="18" charset="0"/>
                 <a:cs typeface="Times New Roman" panose="02020603050405020304" pitchFamily="18" charset="0"/>
               </a:rPr>
-              <a:t>Lý </a:t>
-            </a:r>
-            <a:r>
-              <a:rPr lang="en-US" b="1" dirty="0">
-                <a:latin typeface="Times New Roman" panose="02020603050405020304" pitchFamily="18" charset="0"/>
-                <a:cs typeface="Times New Roman" panose="02020603050405020304" pitchFamily="18" charset="0"/>
-              </a:rPr>
-              <a:t>do chọn đề tài</a:t>
-            </a:r>
-          </a:p>
-          <a:p>
-            <a:endParaRPr lang="en-US" dirty="0"/>
+              <a:t>. Lý do chọn đề tài, mục đích nghiên cứu</a:t>
+            </a:r>
+            <a:endParaRPr lang="en-US" sz="2600" b="1" dirty="0">
+              <a:latin typeface="Times New Roman" panose="02020603050405020304" pitchFamily="18" charset="0"/>
+              <a:cs typeface="Times New Roman" panose="02020603050405020304" pitchFamily="18" charset="0"/>
+            </a:endParaRPr>
           </a:p>
         </p:txBody>
       </p:sp>
@@ -9122,7 +6248,7 @@
           <p:nvPr/>
         </p:nvPicPr>
         <p:blipFill>
-          <a:blip r:embed="rId3">
+          <a:blip r:embed="rId2">
             <a:extLst>
               <a:ext uri="{28A0092B-C50C-407E-A947-70E740481C1C}">
                 <a14:useLocalDpi xmlns:a14="http://schemas.microsoft.com/office/drawing/2010/main" val="0"/>
@@ -9143,10 +6269,33 @@
           </a:prstGeom>
         </p:spPr>
       </p:pic>
+      <p:sp>
+        <p:nvSpPr>
+          <p:cNvPr id="7" name="Slide Number Placeholder 6"/>
+          <p:cNvSpPr>
+            <a:spLocks noGrp="1"/>
+          </p:cNvSpPr>
+          <p:nvPr>
+            <p:ph type="sldNum" sz="quarter" idx="12"/>
+          </p:nvPr>
+        </p:nvSpPr>
+        <p:spPr/>
+        <p:txBody>
+          <a:bodyPr/>
+          <a:lstStyle/>
+          <a:p>
+            <a:fld id="{FC388293-6D4C-49F6-999F-FA35C2DD9781}" type="slidenum">
+              <a:rPr lang="en-US" smtClean="0"/>
+              <a:t>4</a:t>
+            </a:fld>
+            <a:endParaRPr lang="en-US"/>
+          </a:p>
+        </p:txBody>
+      </p:sp>
     </p:spTree>
     <p:extLst>
       <p:ext uri="{BB962C8B-B14F-4D97-AF65-F5344CB8AC3E}">
-        <p14:creationId xmlns:p14="http://schemas.microsoft.com/office/powerpoint/2010/main" val="1100451702"/>
+        <p14:creationId xmlns:p14="http://schemas.microsoft.com/office/powerpoint/2010/main" val="617780808"/>
       </p:ext>
     </p:extLst>
   </p:cSld>
@@ -9192,8 +6341,8 @@
         </p:nvSpPr>
         <p:spPr>
           <a:xfrm>
-            <a:off x="2091248" y="1717798"/>
-            <a:ext cx="7740909" cy="4016324"/>
+            <a:off x="1693063" y="1454782"/>
+            <a:ext cx="8559360" cy="4877881"/>
           </a:xfrm>
         </p:spPr>
         <p:txBody>
@@ -9202,77 +6351,183 @@
           </a:bodyPr>
           <a:lstStyle/>
           <a:p>
-            <a:pPr marL="457200" lvl="1" indent="0">
+            <a:pPr lvl="2" algn="just">
+              <a:lnSpc>
+                <a:spcPct val="120000"/>
+              </a:lnSpc>
+              <a:buFont typeface="Wingdings" panose="05000000000000000000" pitchFamily="2" charset="2"/>
+              <a:buChar char="v"/>
+            </a:pPr>
+            <a:r>
+              <a:rPr lang="en-US" dirty="0">
+                <a:latin typeface="Times New Roman" panose="02020603050405020304" pitchFamily="18" charset="0"/>
+                <a:cs typeface="Times New Roman" panose="02020603050405020304" pitchFamily="18" charset="0"/>
+              </a:rPr>
+              <a:t> </a:t>
+            </a:r>
+            <a:r>
+              <a:rPr lang="en-US" dirty="0" smtClean="0">
+                <a:latin typeface="Times New Roman" panose="02020603050405020304" pitchFamily="18" charset="0"/>
+                <a:cs typeface="Times New Roman" panose="02020603050405020304" pitchFamily="18" charset="0"/>
+              </a:rPr>
+              <a:t>Mục tiêu :</a:t>
+            </a:r>
+          </a:p>
+          <a:p>
+            <a:pPr lvl="3" algn="just">
+              <a:lnSpc>
+                <a:spcPct val="120000"/>
+              </a:lnSpc>
+            </a:pPr>
+            <a:r>
+              <a:rPr lang="en-US" sz="2000" dirty="0">
+                <a:latin typeface="Times New Roman" panose="02020603050405020304" pitchFamily="18" charset="0"/>
+                <a:cs typeface="Times New Roman" panose="02020603050405020304" pitchFamily="18" charset="0"/>
+              </a:rPr>
+              <a:t>X</a:t>
+            </a:r>
+            <a:r>
+              <a:rPr lang="en-US" sz="2000" dirty="0" smtClean="0">
+                <a:latin typeface="Times New Roman" panose="02020603050405020304" pitchFamily="18" charset="0"/>
+                <a:cs typeface="Times New Roman" panose="02020603050405020304" pitchFamily="18" charset="0"/>
+              </a:rPr>
+              <a:t>ây dựng một website bán sách dễ sử dụng, thân thiện với người dùng.</a:t>
+            </a:r>
+          </a:p>
+          <a:p>
+            <a:pPr lvl="3" algn="just">
+              <a:lnSpc>
+                <a:spcPct val="120000"/>
+              </a:lnSpc>
+            </a:pPr>
+            <a:r>
+              <a:rPr lang="en-US" sz="2000" dirty="0" smtClean="0">
+                <a:latin typeface="Times New Roman" panose="02020603050405020304" pitchFamily="18" charset="0"/>
+                <a:cs typeface="Times New Roman" panose="02020603050405020304" pitchFamily="18" charset="0"/>
+              </a:rPr>
+              <a:t>Xây dựng trang quản trị hỗ trợ cho nhân viên dễ dàng quản lý thông tin.</a:t>
+            </a:r>
+          </a:p>
+          <a:p>
+            <a:pPr lvl="3" algn="just">
+              <a:lnSpc>
+                <a:spcPct val="120000"/>
+              </a:lnSpc>
+            </a:pPr>
+            <a:r>
+              <a:rPr lang="en-US" sz="2000" dirty="0" smtClean="0">
+                <a:latin typeface="Times New Roman" panose="02020603050405020304" pitchFamily="18" charset="0"/>
+                <a:cs typeface="Times New Roman" panose="02020603050405020304" pitchFamily="18" charset="0"/>
+              </a:rPr>
+              <a:t>Các chức năng dễ dàng bảo trì.</a:t>
+            </a:r>
+          </a:p>
+          <a:p>
+            <a:pPr lvl="3" algn="just">
+              <a:lnSpc>
+                <a:spcPct val="120000"/>
+              </a:lnSpc>
+            </a:pPr>
+            <a:r>
+              <a:rPr lang="en-US" sz="2000" dirty="0" smtClean="0">
+                <a:latin typeface="Times New Roman" panose="02020603050405020304" pitchFamily="18" charset="0"/>
+                <a:cs typeface="Times New Roman" panose="02020603050405020304" pitchFamily="18" charset="0"/>
+              </a:rPr>
+              <a:t>Chăm sóc hỗ trợ khách hàng.</a:t>
+            </a:r>
+          </a:p>
+          <a:p>
+            <a:pPr marL="914400" lvl="2" indent="0" algn="just">
               <a:lnSpc>
                 <a:spcPct val="120000"/>
               </a:lnSpc>
               <a:buNone/>
             </a:pPr>
             <a:r>
-              <a:rPr lang="en-US" sz="2000" b="1" dirty="0" smtClean="0">
+              <a:rPr lang="en-US" dirty="0" smtClean="0">
                 <a:latin typeface="Times New Roman" panose="02020603050405020304" pitchFamily="18" charset="0"/>
                 <a:cs typeface="Times New Roman" panose="02020603050405020304" pitchFamily="18" charset="0"/>
               </a:rPr>
-              <a:t>Thống kê thương mại điện tử</a:t>
-            </a:r>
-            <a:endParaRPr lang="en-US" sz="2000" b="1" dirty="0">
+              <a:t>=&gt; Giúp tăng doanh số bán hàng cho cửa hàng.</a:t>
+            </a:r>
+          </a:p>
+          <a:p>
+            <a:pPr lvl="2" algn="just">
+              <a:lnSpc>
+                <a:spcPct val="120000"/>
+              </a:lnSpc>
+              <a:buFont typeface="Wingdings" panose="05000000000000000000" pitchFamily="2" charset="2"/>
+              <a:buChar char="v"/>
+            </a:pPr>
+            <a:r>
+              <a:rPr lang="en-US" dirty="0" smtClean="0">
+                <a:latin typeface="Times New Roman" panose="02020603050405020304" pitchFamily="18" charset="0"/>
+                <a:cs typeface="Times New Roman" panose="02020603050405020304" pitchFamily="18" charset="0"/>
+              </a:rPr>
+              <a:t>Yêu cầu:</a:t>
+            </a:r>
+          </a:p>
+          <a:p>
+            <a:pPr lvl="3" algn="just">
+              <a:lnSpc>
+                <a:spcPct val="120000"/>
+              </a:lnSpc>
+            </a:pPr>
+            <a:r>
+              <a:rPr lang="en-US" sz="2000" dirty="0" smtClean="0">
+                <a:latin typeface="Times New Roman" panose="02020603050405020304" pitchFamily="18" charset="0"/>
+                <a:cs typeface="Times New Roman" panose="02020603050405020304" pitchFamily="18" charset="0"/>
+              </a:rPr>
+              <a:t>Xây dựng website chuyên nghiệp.</a:t>
+            </a:r>
+          </a:p>
+          <a:p>
+            <a:pPr lvl="3" algn="just">
+              <a:lnSpc>
+                <a:spcPct val="120000"/>
+              </a:lnSpc>
+            </a:pPr>
+            <a:r>
+              <a:rPr lang="en-US" sz="2000" dirty="0" smtClean="0">
+                <a:latin typeface="Times New Roman" panose="02020603050405020304" pitchFamily="18" charset="0"/>
+                <a:cs typeface="Times New Roman" panose="02020603050405020304" pitchFamily="18" charset="0"/>
+              </a:rPr>
+              <a:t>Cho phép người dùng đặt hàng online.</a:t>
+            </a:r>
+          </a:p>
+          <a:p>
+            <a:pPr marL="914400" lvl="2" indent="0">
+              <a:lnSpc>
+                <a:spcPct val="120000"/>
+              </a:lnSpc>
+              <a:buNone/>
+            </a:pPr>
+            <a:endParaRPr lang="en-US" dirty="0">
               <a:latin typeface="Times New Roman" panose="02020603050405020304" pitchFamily="18" charset="0"/>
               <a:cs typeface="Times New Roman" panose="02020603050405020304" pitchFamily="18" charset="0"/>
             </a:endParaRPr>
           </a:p>
           <a:p>
-            <a:pPr lvl="1" algn="just">
+            <a:pPr marL="914400" lvl="2" indent="0">
               <a:lnSpc>
-                <a:spcPct val="150000"/>
+                <a:spcPct val="120000"/>
               </a:lnSpc>
+              <a:buNone/>
             </a:pPr>
-            <a:r>
-              <a:rPr lang="vi-VN" sz="1800" dirty="0" smtClean="0">
-                <a:latin typeface="Times New Roman" panose="02020603050405020304" pitchFamily="18" charset="0"/>
-                <a:cs typeface="Times New Roman" panose="02020603050405020304" pitchFamily="18" charset="0"/>
-              </a:rPr>
-              <a:t>Giai </a:t>
-            </a:r>
-            <a:r>
-              <a:rPr lang="vi-VN" sz="1800" dirty="0">
-                <a:latin typeface="Times New Roman" panose="02020603050405020304" pitchFamily="18" charset="0"/>
-                <a:cs typeface="Times New Roman" panose="02020603050405020304" pitchFamily="18" charset="0"/>
-              </a:rPr>
-              <a:t>đoạn 2016 - 2020, thị trường thương mại điện tử của Việt Nam luôn tăng trưởng ổn định lên tới 30%/năm, với quy mô 10 tỉ USD, chiếm 4% trong tổng mức bán lẻ hàng hóa và doanh thu dịch vụ tiêu dùng. </a:t>
-            </a:r>
-            <a:endParaRPr lang="en-US" sz="1800" dirty="0" smtClean="0">
+            <a:endParaRPr lang="en-US" sz="1200" dirty="0">
               <a:latin typeface="Times New Roman" panose="02020603050405020304" pitchFamily="18" charset="0"/>
               <a:cs typeface="Times New Roman" panose="02020603050405020304" pitchFamily="18" charset="0"/>
             </a:endParaRPr>
           </a:p>
           <a:p>
-            <a:pPr lvl="1" algn="just">
+            <a:pPr lvl="1">
               <a:lnSpc>
-                <a:spcPct val="150000"/>
+                <a:spcPct val="120000"/>
               </a:lnSpc>
+              <a:buFont typeface="Tahoma" panose="020B0604030504040204" pitchFamily="34" charset="0"/>
+              <a:buChar char="⁃"/>
             </a:pPr>
-            <a:r>
-              <a:rPr lang="vi-VN" sz="1800" dirty="0">
-                <a:latin typeface="Times New Roman" panose="02020603050405020304" pitchFamily="18" charset="0"/>
-                <a:cs typeface="Times New Roman" panose="02020603050405020304" pitchFamily="18" charset="0"/>
-              </a:rPr>
-              <a:t>Đến nay, đã có 44,8 triệu người tham gia mua sắm trực tuyến, tăng mạnh so với con số 30,3 triệu người vào năm 2015, với giá trị mua sắm trực tuyến là 225 USD/người/năm</a:t>
-            </a:r>
-            <a:r>
-              <a:rPr lang="vi-VN" sz="1800" dirty="0" smtClean="0">
-                <a:latin typeface="Times New Roman" panose="02020603050405020304" pitchFamily="18" charset="0"/>
-                <a:cs typeface="Times New Roman" panose="02020603050405020304" pitchFamily="18" charset="0"/>
-              </a:rPr>
-              <a:t>.</a:t>
-            </a:r>
-            <a:r>
-              <a:rPr lang="en-US" sz="1800" dirty="0" smtClean="0">
-                <a:latin typeface="Times New Roman" panose="02020603050405020304" pitchFamily="18" charset="0"/>
-                <a:cs typeface="Times New Roman" panose="02020603050405020304" pitchFamily="18" charset="0"/>
-              </a:rPr>
-              <a:t>(Báo tuổi trẻ)</a:t>
-            </a:r>
-            <a:endParaRPr lang="en-US" sz="1800" dirty="0">
+            <a:endParaRPr lang="en-US" sz="1600" dirty="0">
               <a:latin typeface="Times New Roman" panose="02020603050405020304" pitchFamily="18" charset="0"/>
               <a:ea typeface="Tahoma" panose="020B0604030504040204" pitchFamily="34" charset="0"/>
               <a:cs typeface="Times New Roman" panose="02020603050405020304" pitchFamily="18" charset="0"/>
@@ -9282,13 +6537,19 @@
       </p:sp>
       <p:sp>
         <p:nvSpPr>
-          <p:cNvPr id="4" name="TextBox 3"/>
+          <p:cNvPr id="2" name="TextBox 1">
+            <a:extLst>
+              <a:ext uri="{FF2B5EF4-FFF2-40B4-BE49-F238E27FC236}">
+                <a16:creationId xmlns:a16="http://schemas.microsoft.com/office/drawing/2014/main" id="{81EB22CF-41E7-4AE9-9EC0-FA7DFB6A1EFD}"/>
+              </a:ext>
+            </a:extLst>
+          </p:cNvPr>
           <p:cNvSpPr txBox="1"/>
           <p:nvPr/>
         </p:nvSpPr>
         <p:spPr>
           <a:xfrm>
-            <a:off x="2091248" y="447901"/>
+            <a:off x="2230489" y="344305"/>
             <a:ext cx="7376272" cy="492443"/>
           </a:xfrm>
           <a:prstGeom prst="rect">
@@ -9308,19 +6569,8 @@
                 <a:latin typeface="Times New Roman" panose="02020603050405020304" pitchFamily="18" charset="0"/>
                 <a:cs typeface="Times New Roman" panose="02020603050405020304" pitchFamily="18" charset="0"/>
               </a:rPr>
-              <a:t>I</a:t>
-            </a:r>
-            <a:r>
-              <a:rPr lang="en-US" sz="2600" b="1" dirty="0" smtClean="0">
-                <a:latin typeface="Times New Roman" panose="02020603050405020304" pitchFamily="18" charset="0"/>
-                <a:cs typeface="Times New Roman" panose="02020603050405020304" pitchFamily="18" charset="0"/>
-              </a:rPr>
-              <a:t>. Lý do chọn đề tài, mục đích nghiên cứu</a:t>
-            </a:r>
-            <a:endParaRPr lang="en-US" sz="2600" b="1" dirty="0">
-              <a:latin typeface="Times New Roman" panose="02020603050405020304" pitchFamily="18" charset="0"/>
-              <a:cs typeface="Times New Roman" panose="02020603050405020304" pitchFamily="18" charset="0"/>
-            </a:endParaRPr>
+              <a:t>I. Lý do chọn đề tài, mục đích nghiên cứu</a:t>
+            </a:r>
           </a:p>
         </p:txBody>
       </p:sp>
@@ -9354,558 +6604,29 @@
           </a:prstGeom>
         </p:spPr>
       </p:pic>
-    </p:spTree>
-    <p:extLst>
-      <p:ext uri="{BB962C8B-B14F-4D97-AF65-F5344CB8AC3E}">
-        <p14:creationId xmlns:p14="http://schemas.microsoft.com/office/powerpoint/2010/main" val="1577768437"/>
-      </p:ext>
-    </p:extLst>
-  </p:cSld>
-  <p:clrMapOvr>
-    <a:masterClrMapping/>
-  </p:clrMapOvr>
-  <p:timing>
-    <p:tnLst>
-      <p:par>
-        <p:cTn id="1" dur="indefinite" restart="never" nodeType="tmRoot"/>
-      </p:par>
-    </p:tnLst>
-  </p:timing>
-</p:sld>
-</file>
-
-<file path=ppt/slides/slide6.xml><?xml version="1.0" encoding="utf-8"?>
-<p:sld xmlns:a="http://schemas.openxmlformats.org/drawingml/2006/main" xmlns:r="http://schemas.openxmlformats.org/officeDocument/2006/relationships" xmlns:p="http://schemas.openxmlformats.org/presentationml/2006/main">
-  <p:cSld>
-    <p:spTree>
-      <p:nvGrpSpPr>
-        <p:cNvPr id="1" name=""/>
-        <p:cNvGrpSpPr/>
-        <p:nvPr/>
-      </p:nvGrpSpPr>
-      <p:grpSpPr>
-        <a:xfrm>
-          <a:off x="0" y="0"/>
-          <a:ext cx="0" cy="0"/>
-          <a:chOff x="0" y="0"/>
-          <a:chExt cx="0" cy="0"/>
-        </a:xfrm>
-      </p:grpSpPr>
-      <p:sp>
-        <p:nvSpPr>
-          <p:cNvPr id="3" name="Content Placeholder 2"/>
-          <p:cNvSpPr>
-            <a:spLocks noGrp="1"/>
-          </p:cNvSpPr>
-          <p:nvPr>
-            <p:ph idx="1"/>
-          </p:nvPr>
-        </p:nvSpPr>
-        <p:spPr>
-          <a:xfrm>
-            <a:off x="2379572" y="1717798"/>
-            <a:ext cx="7291649" cy="3883932"/>
-          </a:xfrm>
-        </p:spPr>
-        <p:txBody>
-          <a:bodyPr>
-            <a:normAutofit/>
-          </a:bodyPr>
-          <a:lstStyle/>
-          <a:p>
-            <a:pPr marL="457200" lvl="1" indent="0">
-              <a:lnSpc>
-                <a:spcPct val="150000"/>
-              </a:lnSpc>
-              <a:buNone/>
-            </a:pPr>
-            <a:r>
-              <a:rPr lang="en-US" sz="2000" b="1" dirty="0">
-                <a:latin typeface="Times New Roman" panose="02020603050405020304" pitchFamily="18" charset="0"/>
-                <a:cs typeface="Times New Roman" panose="02020603050405020304" pitchFamily="18" charset="0"/>
-              </a:rPr>
-              <a:t>N</a:t>
-            </a:r>
-            <a:r>
-              <a:rPr lang="en-US" sz="2000" b="1" dirty="0" smtClean="0">
-                <a:latin typeface="Times New Roman" panose="02020603050405020304" pitchFamily="18" charset="0"/>
-                <a:cs typeface="Times New Roman" panose="02020603050405020304" pitchFamily="18" charset="0"/>
-              </a:rPr>
-              <a:t>hững </a:t>
-            </a:r>
-            <a:r>
-              <a:rPr lang="en-US" sz="2000" b="1" dirty="0">
-                <a:latin typeface="Times New Roman" panose="02020603050405020304" pitchFamily="18" charset="0"/>
-                <a:cs typeface="Times New Roman" panose="02020603050405020304" pitchFamily="18" charset="0"/>
-              </a:rPr>
-              <a:t>lợi ích khi mua hàng </a:t>
-            </a:r>
-            <a:r>
-              <a:rPr lang="en-US" sz="2000" b="1" dirty="0" smtClean="0">
-                <a:latin typeface="Times New Roman" panose="02020603050405020304" pitchFamily="18" charset="0"/>
-                <a:cs typeface="Times New Roman" panose="02020603050405020304" pitchFamily="18" charset="0"/>
-              </a:rPr>
-              <a:t>online:</a:t>
-            </a:r>
-          </a:p>
-          <a:p>
-            <a:pPr lvl="1">
-              <a:lnSpc>
-                <a:spcPct val="150000"/>
-              </a:lnSpc>
-            </a:pPr>
-            <a:r>
-              <a:rPr lang="en-US" sz="1800" dirty="0" smtClean="0">
-                <a:latin typeface="Times New Roman" panose="02020603050405020304" pitchFamily="18" charset="0"/>
-                <a:cs typeface="Times New Roman" panose="02020603050405020304" pitchFamily="18" charset="0"/>
-              </a:rPr>
-              <a:t>Tiết kiệm được thời gian.</a:t>
-            </a:r>
-          </a:p>
-          <a:p>
-            <a:pPr lvl="1">
-              <a:lnSpc>
-                <a:spcPct val="150000"/>
-              </a:lnSpc>
-            </a:pPr>
-            <a:r>
-              <a:rPr lang="en-US" sz="1800" dirty="0" smtClean="0">
-                <a:latin typeface="Times New Roman" panose="02020603050405020304" pitchFamily="18" charset="0"/>
-                <a:cs typeface="Times New Roman" panose="02020603050405020304" pitchFamily="18" charset="0"/>
-              </a:rPr>
-              <a:t>Linh hoạt khi mua sắm.</a:t>
-            </a:r>
-          </a:p>
-          <a:p>
-            <a:pPr lvl="1">
-              <a:lnSpc>
-                <a:spcPct val="150000"/>
-              </a:lnSpc>
-            </a:pPr>
-            <a:r>
-              <a:rPr lang="en-US" sz="1800" dirty="0" smtClean="0">
-                <a:latin typeface="Times New Roman" panose="02020603050405020304" pitchFamily="18" charset="0"/>
-                <a:cs typeface="Times New Roman" panose="02020603050405020304" pitchFamily="18" charset="0"/>
-              </a:rPr>
-              <a:t>Có thời gian nghiên cứu kỹ sản phẩm.</a:t>
-            </a:r>
-          </a:p>
-          <a:p>
-            <a:pPr lvl="1">
-              <a:lnSpc>
-                <a:spcPct val="150000"/>
-              </a:lnSpc>
-            </a:pPr>
-            <a:r>
-              <a:rPr lang="en-US" sz="1800" dirty="0" smtClean="0">
-                <a:latin typeface="Times New Roman" panose="02020603050405020304" pitchFamily="18" charset="0"/>
-                <a:cs typeface="Times New Roman" panose="02020603050405020304" pitchFamily="18" charset="0"/>
-              </a:rPr>
-              <a:t>Được mua sắm an toàn.</a:t>
-            </a:r>
-          </a:p>
-          <a:p>
-            <a:pPr lvl="1">
-              <a:lnSpc>
-                <a:spcPct val="150000"/>
-              </a:lnSpc>
-            </a:pPr>
-            <a:r>
-              <a:rPr lang="en-US" sz="1800" dirty="0" smtClean="0">
-                <a:latin typeface="Times New Roman" panose="02020603050405020304" pitchFamily="18" charset="0"/>
-                <a:cs typeface="Times New Roman" panose="02020603050405020304" pitchFamily="18" charset="0"/>
-              </a:rPr>
-              <a:t>Tránh khỏi những phiền phức khó chịu.</a:t>
-            </a:r>
-          </a:p>
-        </p:txBody>
-      </p:sp>
-      <p:sp>
-        <p:nvSpPr>
-          <p:cNvPr id="4" name="TextBox 3"/>
-          <p:cNvSpPr txBox="1"/>
-          <p:nvPr/>
-        </p:nvSpPr>
-        <p:spPr>
-          <a:xfrm>
-            <a:off x="2091248" y="447901"/>
-            <a:ext cx="7376272" cy="492443"/>
-          </a:xfrm>
-          <a:prstGeom prst="rect">
-            <a:avLst/>
-          </a:prstGeom>
-          <a:noFill/>
-        </p:spPr>
-        <p:txBody>
-          <a:bodyPr wrap="square" rtlCol="0">
-            <a:spAutoFit/>
-          </a:bodyPr>
-          <a:lstStyle/>
-          <a:p>
-            <a:pPr marL="0" lvl="1" algn="ctr"/>
-            <a:r>
-              <a:rPr lang="en-US" sz="2600" b="1" dirty="0">
-                <a:latin typeface="Times New Roman" panose="02020603050405020304" pitchFamily="18" charset="0"/>
-                <a:cs typeface="Times New Roman" panose="02020603050405020304" pitchFamily="18" charset="0"/>
-              </a:rPr>
-              <a:t>I</a:t>
-            </a:r>
-            <a:r>
-              <a:rPr lang="en-US" sz="2600" b="1" dirty="0" smtClean="0">
-                <a:latin typeface="Times New Roman" panose="02020603050405020304" pitchFamily="18" charset="0"/>
-                <a:cs typeface="Times New Roman" panose="02020603050405020304" pitchFamily="18" charset="0"/>
-              </a:rPr>
-              <a:t>. Lý do chọn đề tài, mục đích nghiên cứu</a:t>
-            </a:r>
-            <a:endParaRPr lang="en-US" sz="2600" b="1" dirty="0">
-              <a:latin typeface="Times New Roman" panose="02020603050405020304" pitchFamily="18" charset="0"/>
-              <a:cs typeface="Times New Roman" panose="02020603050405020304" pitchFamily="18" charset="0"/>
-            </a:endParaRPr>
-          </a:p>
-        </p:txBody>
-      </p:sp>
-      <p:pic>
-        <p:nvPicPr>
-          <p:cNvPr id="6" name="Picture 5"/>
-          <p:cNvPicPr>
-            <a:picLocks noChangeAspect="1"/>
-          </p:cNvPicPr>
-          <p:nvPr/>
-        </p:nvPicPr>
-        <p:blipFill>
-          <a:blip r:embed="rId2">
-            <a:extLst>
-              <a:ext uri="{28A0092B-C50C-407E-A947-70E740481C1C}">
-                <a14:useLocalDpi xmlns:a14="http://schemas.microsoft.com/office/drawing/2010/main" val="0"/>
-              </a:ext>
-            </a:extLst>
-          </a:blip>
-          <a:stretch>
-            <a:fillRect/>
-          </a:stretch>
-        </p:blipFill>
-        <p:spPr>
-          <a:xfrm>
-            <a:off x="10780705" y="15262"/>
-            <a:ext cx="1293401" cy="1293401"/>
-          </a:xfrm>
-          <a:prstGeom prst="rect">
-            <a:avLst/>
-          </a:prstGeom>
-        </p:spPr>
-      </p:pic>
-    </p:spTree>
-    <p:extLst>
-      <p:ext uri="{BB962C8B-B14F-4D97-AF65-F5344CB8AC3E}">
-        <p14:creationId xmlns:p14="http://schemas.microsoft.com/office/powerpoint/2010/main" val="617780808"/>
-      </p:ext>
-    </p:extLst>
-  </p:cSld>
-  <p:clrMapOvr>
-    <a:masterClrMapping/>
-  </p:clrMapOvr>
-  <p:timing>
-    <p:tnLst>
-      <p:par>
-        <p:cTn id="1" dur="indefinite" restart="never" nodeType="tmRoot"/>
-      </p:par>
-    </p:tnLst>
-  </p:timing>
-</p:sld>
-</file>
-
-<file path=ppt/slides/slide7.xml><?xml version="1.0" encoding="utf-8"?>
-<p:sld xmlns:a="http://schemas.openxmlformats.org/drawingml/2006/main" xmlns:r="http://schemas.openxmlformats.org/officeDocument/2006/relationships" xmlns:p="http://schemas.openxmlformats.org/presentationml/2006/main">
-  <p:cSld>
-    <p:spTree>
-      <p:nvGrpSpPr>
-        <p:cNvPr id="1" name=""/>
-        <p:cNvGrpSpPr/>
-        <p:nvPr/>
-      </p:nvGrpSpPr>
-      <p:grpSpPr>
-        <a:xfrm>
-          <a:off x="0" y="0"/>
-          <a:ext cx="0" cy="0"/>
-          <a:chOff x="0" y="0"/>
-          <a:chExt cx="0" cy="0"/>
-        </a:xfrm>
-      </p:grpSpPr>
-      <p:sp>
-        <p:nvSpPr>
-          <p:cNvPr id="3" name="Content Placeholder 2"/>
-          <p:cNvSpPr>
-            <a:spLocks noGrp="1"/>
-          </p:cNvSpPr>
-          <p:nvPr>
-            <p:ph idx="1"/>
-          </p:nvPr>
-        </p:nvSpPr>
-        <p:spPr>
-          <a:xfrm>
-            <a:off x="1693063" y="1454782"/>
-            <a:ext cx="8559360" cy="4877881"/>
-          </a:xfrm>
-        </p:spPr>
-        <p:txBody>
-          <a:bodyPr>
-            <a:normAutofit/>
-          </a:bodyPr>
-          <a:lstStyle/>
-          <a:p>
-            <a:pPr lvl="2" algn="just">
-              <a:lnSpc>
-                <a:spcPct val="120000"/>
-              </a:lnSpc>
-              <a:buFont typeface="Wingdings" panose="05000000000000000000" pitchFamily="2" charset="2"/>
-              <a:buChar char="v"/>
-            </a:pPr>
-            <a:r>
-              <a:rPr lang="en-US" dirty="0">
-                <a:latin typeface="Times New Roman" panose="02020603050405020304" pitchFamily="18" charset="0"/>
-                <a:cs typeface="Times New Roman" panose="02020603050405020304" pitchFamily="18" charset="0"/>
-              </a:rPr>
-              <a:t> </a:t>
-            </a:r>
-            <a:r>
-              <a:rPr lang="en-US" dirty="0" smtClean="0">
-                <a:latin typeface="Times New Roman" panose="02020603050405020304" pitchFamily="18" charset="0"/>
-                <a:cs typeface="Times New Roman" panose="02020603050405020304" pitchFamily="18" charset="0"/>
-              </a:rPr>
-              <a:t>Mục tiêu :</a:t>
-            </a:r>
-          </a:p>
-          <a:p>
-            <a:pPr lvl="3" algn="just">
-              <a:lnSpc>
-                <a:spcPct val="120000"/>
-              </a:lnSpc>
-            </a:pPr>
-            <a:r>
-              <a:rPr lang="en-US" sz="2000" dirty="0">
-                <a:latin typeface="Times New Roman" panose="02020603050405020304" pitchFamily="18" charset="0"/>
-                <a:cs typeface="Times New Roman" panose="02020603050405020304" pitchFamily="18" charset="0"/>
-              </a:rPr>
-              <a:t>X</a:t>
-            </a:r>
-            <a:r>
-              <a:rPr lang="en-US" sz="2000" dirty="0" smtClean="0">
-                <a:latin typeface="Times New Roman" panose="02020603050405020304" pitchFamily="18" charset="0"/>
-                <a:cs typeface="Times New Roman" panose="02020603050405020304" pitchFamily="18" charset="0"/>
-              </a:rPr>
-              <a:t>ây dựng một website bán sách dễ sử dụng, thân thiện với người dùng.</a:t>
-            </a:r>
-          </a:p>
-          <a:p>
-            <a:pPr lvl="3" algn="just">
-              <a:lnSpc>
-                <a:spcPct val="120000"/>
-              </a:lnSpc>
-            </a:pPr>
-            <a:r>
-              <a:rPr lang="en-US" sz="2000" dirty="0" smtClean="0">
-                <a:latin typeface="Times New Roman" panose="02020603050405020304" pitchFamily="18" charset="0"/>
-                <a:cs typeface="Times New Roman" panose="02020603050405020304" pitchFamily="18" charset="0"/>
-              </a:rPr>
-              <a:t>Xây dựng trang quản trị hỗ trợ cho nhân viên dễ dàng quản lý thông tin.</a:t>
-            </a:r>
-          </a:p>
-          <a:p>
-            <a:pPr lvl="3" algn="just">
-              <a:lnSpc>
-                <a:spcPct val="120000"/>
-              </a:lnSpc>
-            </a:pPr>
-            <a:r>
-              <a:rPr lang="en-US" sz="2000" dirty="0" smtClean="0">
-                <a:latin typeface="Times New Roman" panose="02020603050405020304" pitchFamily="18" charset="0"/>
-                <a:cs typeface="Times New Roman" panose="02020603050405020304" pitchFamily="18" charset="0"/>
-              </a:rPr>
-              <a:t>Các chức năng dễ dàng bảo trì.</a:t>
-            </a:r>
-          </a:p>
-          <a:p>
-            <a:pPr lvl="3" algn="just">
-              <a:lnSpc>
-                <a:spcPct val="120000"/>
-              </a:lnSpc>
-            </a:pPr>
-            <a:r>
-              <a:rPr lang="en-US" sz="2000" dirty="0" smtClean="0">
-                <a:latin typeface="Times New Roman" panose="02020603050405020304" pitchFamily="18" charset="0"/>
-                <a:cs typeface="Times New Roman" panose="02020603050405020304" pitchFamily="18" charset="0"/>
-              </a:rPr>
-              <a:t>Chăm sóc hỗ trợ khách hàng.</a:t>
-            </a:r>
-          </a:p>
-          <a:p>
-            <a:pPr marL="914400" lvl="2" indent="0" algn="just">
-              <a:lnSpc>
-                <a:spcPct val="120000"/>
-              </a:lnSpc>
-              <a:buNone/>
-            </a:pPr>
-            <a:r>
-              <a:rPr lang="en-US" dirty="0" smtClean="0">
-                <a:latin typeface="Times New Roman" panose="02020603050405020304" pitchFamily="18" charset="0"/>
-                <a:cs typeface="Times New Roman" panose="02020603050405020304" pitchFamily="18" charset="0"/>
-              </a:rPr>
-              <a:t>=&gt; Giúp tăng doanh số bán hàng cho cửa hàng.</a:t>
-            </a:r>
-          </a:p>
-          <a:p>
-            <a:pPr lvl="2" algn="just">
-              <a:lnSpc>
-                <a:spcPct val="120000"/>
-              </a:lnSpc>
-              <a:buFont typeface="Wingdings" panose="05000000000000000000" pitchFamily="2" charset="2"/>
-              <a:buChar char="v"/>
-            </a:pPr>
-            <a:r>
-              <a:rPr lang="en-US" dirty="0" smtClean="0">
-                <a:latin typeface="Times New Roman" panose="02020603050405020304" pitchFamily="18" charset="0"/>
-                <a:cs typeface="Times New Roman" panose="02020603050405020304" pitchFamily="18" charset="0"/>
-              </a:rPr>
-              <a:t>Yêu cầu:</a:t>
-            </a:r>
-          </a:p>
-          <a:p>
-            <a:pPr lvl="3" algn="just">
-              <a:lnSpc>
-                <a:spcPct val="120000"/>
-              </a:lnSpc>
-            </a:pPr>
-            <a:r>
-              <a:rPr lang="en-US" sz="2000" dirty="0" smtClean="0">
-                <a:latin typeface="Times New Roman" panose="02020603050405020304" pitchFamily="18" charset="0"/>
-                <a:cs typeface="Times New Roman" panose="02020603050405020304" pitchFamily="18" charset="0"/>
-              </a:rPr>
-              <a:t>Xây dựng website chuyên nghiệp.</a:t>
-            </a:r>
-          </a:p>
-          <a:p>
-            <a:pPr lvl="3" algn="just">
-              <a:lnSpc>
-                <a:spcPct val="120000"/>
-              </a:lnSpc>
-            </a:pPr>
-            <a:r>
-              <a:rPr lang="en-US" sz="2000" dirty="0" smtClean="0">
-                <a:latin typeface="Times New Roman" panose="02020603050405020304" pitchFamily="18" charset="0"/>
-                <a:cs typeface="Times New Roman" panose="02020603050405020304" pitchFamily="18" charset="0"/>
-              </a:rPr>
-              <a:t>Cho phép người dùng đặt hàng online.</a:t>
-            </a:r>
-          </a:p>
-          <a:p>
-            <a:pPr marL="914400" lvl="2" indent="0">
-              <a:lnSpc>
-                <a:spcPct val="120000"/>
-              </a:lnSpc>
-              <a:buNone/>
-            </a:pPr>
-            <a:endParaRPr lang="en-US" dirty="0">
-              <a:latin typeface="Times New Roman" panose="02020603050405020304" pitchFamily="18" charset="0"/>
-              <a:cs typeface="Times New Roman" panose="02020603050405020304" pitchFamily="18" charset="0"/>
-            </a:endParaRPr>
-          </a:p>
-          <a:p>
-            <a:pPr marL="914400" lvl="2" indent="0">
-              <a:lnSpc>
-                <a:spcPct val="120000"/>
-              </a:lnSpc>
-              <a:buNone/>
-            </a:pPr>
-            <a:endParaRPr lang="en-US" sz="1200" dirty="0">
-              <a:latin typeface="Times New Roman" panose="02020603050405020304" pitchFamily="18" charset="0"/>
-              <a:cs typeface="Times New Roman" panose="02020603050405020304" pitchFamily="18" charset="0"/>
-            </a:endParaRPr>
-          </a:p>
-          <a:p>
-            <a:pPr lvl="1">
-              <a:lnSpc>
-                <a:spcPct val="120000"/>
-              </a:lnSpc>
-              <a:buFont typeface="Tahoma" panose="020B0604030504040204" pitchFamily="34" charset="0"/>
-              <a:buChar char="⁃"/>
-            </a:pPr>
-            <a:endParaRPr lang="en-US" sz="1600" dirty="0">
-              <a:latin typeface="Times New Roman" panose="02020603050405020304" pitchFamily="18" charset="0"/>
-              <a:ea typeface="Tahoma" panose="020B0604030504040204" pitchFamily="34" charset="0"/>
-              <a:cs typeface="Times New Roman" panose="02020603050405020304" pitchFamily="18" charset="0"/>
-            </a:endParaRPr>
-          </a:p>
-        </p:txBody>
-      </p:sp>
-      <p:sp>
-        <p:nvSpPr>
-          <p:cNvPr id="2" name="TextBox 1">
-            <a:extLst>
-              <a:ext uri="{FF2B5EF4-FFF2-40B4-BE49-F238E27FC236}">
-                <a16:creationId xmlns:a16="http://schemas.microsoft.com/office/drawing/2014/main" id="{81EB22CF-41E7-4AE9-9EC0-FA7DFB6A1EFD}"/>
-              </a:ext>
-            </a:extLst>
-          </p:cNvPr>
-          <p:cNvSpPr txBox="1"/>
-          <p:nvPr/>
-        </p:nvSpPr>
-        <p:spPr>
-          <a:xfrm>
-            <a:off x="2230489" y="344305"/>
-            <a:ext cx="7376272" cy="492443"/>
-          </a:xfrm>
-          <a:prstGeom prst="rect">
-            <a:avLst/>
-          </a:prstGeom>
-          <a:noFill/>
-        </p:spPr>
-        <p:txBody>
-          <a:bodyPr wrap="square" rtlCol="0">
-            <a:spAutoFit/>
-          </a:bodyPr>
-          <a:lstStyle/>
-          <a:p>
-            <a:pPr marL="0" lvl="1" algn="ctr"/>
-            <a:r>
-              <a:rPr lang="en-US" sz="2600" b="1" dirty="0">
-                <a:latin typeface="Times New Roman" panose="02020603050405020304" pitchFamily="18" charset="0"/>
-                <a:cs typeface="Times New Roman" panose="02020603050405020304" pitchFamily="18" charset="0"/>
-              </a:rPr>
-              <a:t>I. Lý do chọn đề tài, mục đích nghiên cứu</a:t>
-            </a:r>
-          </a:p>
-        </p:txBody>
-      </p:sp>
-      <p:pic>
-        <p:nvPicPr>
-          <p:cNvPr id="6" name="Picture 5"/>
-          <p:cNvPicPr>
-            <a:picLocks noChangeAspect="1"/>
-          </p:cNvPicPr>
-          <p:nvPr/>
-        </p:nvPicPr>
-        <p:blipFill>
-          <a:blip r:embed="rId2">
-            <a:extLst>
-              <a:ext uri="{28A0092B-C50C-407E-A947-70E740481C1C}">
-                <a14:useLocalDpi xmlns:a14="http://schemas.microsoft.com/office/drawing/2010/main" val="0"/>
-              </a:ext>
-            </a:extLst>
-          </a:blip>
-          <a:stretch>
-            <a:fillRect/>
-          </a:stretch>
-        </p:blipFill>
-        <p:spPr>
-          <a:xfrm>
-            <a:off x="10780705" y="15262"/>
-            <a:ext cx="1293401" cy="1293401"/>
-          </a:xfrm>
-          <a:prstGeom prst="rect">
-            <a:avLst/>
-          </a:prstGeom>
-        </p:spPr>
-      </p:pic>
+      <p:sp>
+        <p:nvSpPr>
+          <p:cNvPr id="7" name="Slide Number Placeholder 6"/>
+          <p:cNvSpPr>
+            <a:spLocks noGrp="1"/>
+          </p:cNvSpPr>
+          <p:nvPr>
+            <p:ph type="sldNum" sz="quarter" idx="12"/>
+          </p:nvPr>
+        </p:nvSpPr>
+        <p:spPr/>
+        <p:txBody>
+          <a:bodyPr/>
+          <a:lstStyle/>
+          <a:p>
+            <a:fld id="{FC388293-6D4C-49F6-999F-FA35C2DD9781}" type="slidenum">
+              <a:rPr lang="en-US" smtClean="0"/>
+              <a:t>5</a:t>
+            </a:fld>
+            <a:endParaRPr lang="en-US"/>
+          </a:p>
+        </p:txBody>
+      </p:sp>
     </p:spTree>
     <p:extLst>
       <p:ext uri="{BB962C8B-B14F-4D97-AF65-F5344CB8AC3E}">
@@ -10258,7 +6979,7 @@
 </p:sld>
 </file>
 
-<file path=ppt/slides/slide8.xml><?xml version="1.0" encoding="utf-8"?>
+<file path=ppt/slides/slide6.xml><?xml version="1.0" encoding="utf-8"?>
 <p:sld xmlns:a="http://schemas.openxmlformats.org/drawingml/2006/main" xmlns:r="http://schemas.openxmlformats.org/officeDocument/2006/relationships" xmlns:p="http://schemas.openxmlformats.org/presentationml/2006/main">
   <p:cSld>
     <p:spTree>
@@ -10513,6 +7234,29 @@
           </a:prstGeom>
         </p:spPr>
       </p:pic>
+      <p:sp>
+        <p:nvSpPr>
+          <p:cNvPr id="8" name="Slide Number Placeholder 7"/>
+          <p:cNvSpPr>
+            <a:spLocks noGrp="1"/>
+          </p:cNvSpPr>
+          <p:nvPr>
+            <p:ph type="sldNum" sz="quarter" idx="12"/>
+          </p:nvPr>
+        </p:nvSpPr>
+        <p:spPr/>
+        <p:txBody>
+          <a:bodyPr/>
+          <a:lstStyle/>
+          <a:p>
+            <a:fld id="{FC388293-6D4C-49F6-999F-FA35C2DD9781}" type="slidenum">
+              <a:rPr lang="en-US" smtClean="0"/>
+              <a:t>6</a:t>
+            </a:fld>
+            <a:endParaRPr lang="en-US"/>
+          </a:p>
+        </p:txBody>
+      </p:sp>
     </p:spTree>
     <p:extLst>
       <p:ext uri="{BB962C8B-B14F-4D97-AF65-F5344CB8AC3E}">
@@ -10865,7 +7609,7 @@
 </p:sld>
 </file>
 
-<file path=ppt/slides/slide9.xml><?xml version="1.0" encoding="utf-8"?>
+<file path=ppt/slides/slide7.xml><?xml version="1.0" encoding="utf-8"?>
 <p:sld xmlns:a="http://schemas.openxmlformats.org/drawingml/2006/main" xmlns:r="http://schemas.openxmlformats.org/officeDocument/2006/relationships" xmlns:p="http://schemas.openxmlformats.org/presentationml/2006/main">
   <p:cSld>
     <p:spTree>
@@ -11076,6 +7820,29 @@
           </a:prstGeom>
         </p:spPr>
       </p:pic>
+      <p:sp>
+        <p:nvSpPr>
+          <p:cNvPr id="5" name="Slide Number Placeholder 4"/>
+          <p:cNvSpPr>
+            <a:spLocks noGrp="1"/>
+          </p:cNvSpPr>
+          <p:nvPr>
+            <p:ph type="sldNum" sz="quarter" idx="12"/>
+          </p:nvPr>
+        </p:nvSpPr>
+        <p:spPr/>
+        <p:txBody>
+          <a:bodyPr/>
+          <a:lstStyle/>
+          <a:p>
+            <a:fld id="{FC388293-6D4C-49F6-999F-FA35C2DD9781}" type="slidenum">
+              <a:rPr lang="en-US" smtClean="0"/>
+              <a:t>7</a:t>
+            </a:fld>
+            <a:endParaRPr lang="en-US"/>
+          </a:p>
+        </p:txBody>
+      </p:sp>
     </p:spTree>
     <p:extLst>
       <p:ext uri="{BB962C8B-B14F-4D97-AF65-F5344CB8AC3E}">
@@ -11228,6 +7995,756 @@
             </p:seq>
           </p:childTnLst>
         </p:cTn>
+      </p:par>
+    </p:tnLst>
+  </p:timing>
+</p:sld>
+</file>
+
+<file path=ppt/slides/slide8.xml><?xml version="1.0" encoding="utf-8"?>
+<p:sld xmlns:a="http://schemas.openxmlformats.org/drawingml/2006/main" xmlns:r="http://schemas.openxmlformats.org/officeDocument/2006/relationships" xmlns:p="http://schemas.openxmlformats.org/presentationml/2006/main">
+  <p:cSld>
+    <p:spTree>
+      <p:nvGrpSpPr>
+        <p:cNvPr id="1" name=""/>
+        <p:cNvGrpSpPr/>
+        <p:nvPr/>
+      </p:nvGrpSpPr>
+      <p:grpSpPr>
+        <a:xfrm>
+          <a:off x="0" y="0"/>
+          <a:ext cx="0" cy="0"/>
+          <a:chOff x="0" y="0"/>
+          <a:chExt cx="0" cy="0"/>
+        </a:xfrm>
+      </p:grpSpPr>
+      <p:sp>
+        <p:nvSpPr>
+          <p:cNvPr id="4" name="TextBox 3"/>
+          <p:cNvSpPr txBox="1"/>
+          <p:nvPr/>
+        </p:nvSpPr>
+        <p:spPr>
+          <a:xfrm>
+            <a:off x="2716880" y="347251"/>
+            <a:ext cx="6602135" cy="492443"/>
+          </a:xfrm>
+          <a:prstGeom prst="rect">
+            <a:avLst/>
+          </a:prstGeom>
+          <a:noFill/>
+        </p:spPr>
+        <p:txBody>
+          <a:bodyPr wrap="square" rtlCol="0">
+            <a:spAutoFit/>
+          </a:bodyPr>
+          <a:lstStyle/>
+          <a:p>
+            <a:pPr algn="ctr"/>
+            <a:r>
+              <a:rPr lang="en-US" sz="2600" b="1" dirty="0" smtClean="0">
+                <a:latin typeface="Times New Roman" panose="02020603050405020304" pitchFamily="18" charset="0"/>
+                <a:cs typeface="Times New Roman" panose="02020603050405020304" pitchFamily="18" charset="0"/>
+              </a:rPr>
+              <a:t>II. Công nghệ và công cụ thực hiện đề tài</a:t>
+            </a:r>
+            <a:endParaRPr lang="vi-VN" sz="2600" b="1" dirty="0">
+              <a:latin typeface="Times New Roman" panose="02020603050405020304" pitchFamily="18" charset="0"/>
+              <a:cs typeface="Times New Roman" panose="02020603050405020304" pitchFamily="18" charset="0"/>
+            </a:endParaRPr>
+          </a:p>
+        </p:txBody>
+      </p:sp>
+      <p:sp>
+        <p:nvSpPr>
+          <p:cNvPr id="6" name="TextBox 5"/>
+          <p:cNvSpPr txBox="1"/>
+          <p:nvPr/>
+        </p:nvSpPr>
+        <p:spPr>
+          <a:xfrm>
+            <a:off x="2310713" y="1258856"/>
+            <a:ext cx="2743201" cy="400110"/>
+          </a:xfrm>
+          <a:prstGeom prst="rect">
+            <a:avLst/>
+          </a:prstGeom>
+          <a:noFill/>
+        </p:spPr>
+        <p:txBody>
+          <a:bodyPr wrap="square" rtlCol="0">
+            <a:spAutoFit/>
+          </a:bodyPr>
+          <a:lstStyle/>
+          <a:p>
+            <a:r>
+              <a:rPr lang="en-US" sz="2000" b="1" dirty="0" smtClean="0">
+                <a:latin typeface="Times New Roman (Headings)"/>
+              </a:rPr>
+              <a:t>Spring framework</a:t>
+            </a:r>
+            <a:endParaRPr lang="en-US" sz="2000" b="1" dirty="0">
+              <a:latin typeface="Times New Roman (Headings)"/>
+            </a:endParaRPr>
+          </a:p>
+        </p:txBody>
+      </p:sp>
+      <p:sp>
+        <p:nvSpPr>
+          <p:cNvPr id="7" name="Content Placeholder 6"/>
+          <p:cNvSpPr>
+            <a:spLocks noGrp="1"/>
+          </p:cNvSpPr>
+          <p:nvPr>
+            <p:ph idx="1"/>
+          </p:nvPr>
+        </p:nvSpPr>
+        <p:spPr>
+          <a:xfrm>
+            <a:off x="2310713" y="1861751"/>
+            <a:ext cx="5811795" cy="3896498"/>
+          </a:xfrm>
+        </p:spPr>
+        <p:txBody>
+          <a:bodyPr>
+            <a:normAutofit fontScale="77500" lnSpcReduction="20000"/>
+          </a:bodyPr>
+          <a:lstStyle/>
+          <a:p>
+            <a:pPr algn="just">
+              <a:lnSpc>
+                <a:spcPct val="150000"/>
+              </a:lnSpc>
+            </a:pPr>
+            <a:r>
+              <a:rPr lang="vi-VN" sz="2300" b="1" dirty="0">
+                <a:latin typeface="+mj-lt"/>
+              </a:rPr>
+              <a:t>Spring</a:t>
+            </a:r>
+            <a:r>
+              <a:rPr lang="vi-VN" sz="2300" dirty="0">
+                <a:latin typeface="+mj-lt"/>
+              </a:rPr>
+              <a:t> là framework phát triển ứng dụng phổ biến nhất dành cho Java Enterprise. Ban đầu nó được viết bởi </a:t>
+            </a:r>
+            <a:r>
+              <a:rPr lang="vi-VN" sz="2300" b="1" dirty="0">
+                <a:latin typeface="+mj-lt"/>
+              </a:rPr>
+              <a:t>Rod Johnson</a:t>
+            </a:r>
+            <a:r>
+              <a:rPr lang="vi-VN" sz="2300" dirty="0">
+                <a:latin typeface="+mj-lt"/>
+              </a:rPr>
+              <a:t> và lần đầu tiên được phát hành theo giấy phép Apache 2.0 vào tháng 6 năm 2003</a:t>
+            </a:r>
+            <a:r>
+              <a:rPr lang="vi-VN" sz="2300" dirty="0" smtClean="0">
+                <a:latin typeface="+mj-lt"/>
+              </a:rPr>
+              <a:t>.</a:t>
+            </a:r>
+            <a:endParaRPr lang="en-US" sz="2300" dirty="0" smtClean="0">
+              <a:latin typeface="+mj-lt"/>
+            </a:endParaRPr>
+          </a:p>
+          <a:p>
+            <a:pPr algn="just">
+              <a:lnSpc>
+                <a:spcPct val="150000"/>
+              </a:lnSpc>
+            </a:pPr>
+            <a:r>
+              <a:rPr lang="vi-VN" sz="2300" dirty="0" smtClean="0">
+                <a:latin typeface="+mj-lt"/>
+              </a:rPr>
+              <a:t>Spring </a:t>
+            </a:r>
+            <a:r>
+              <a:rPr lang="vi-VN" sz="2300" dirty="0">
+                <a:latin typeface="+mj-lt"/>
+              </a:rPr>
+              <a:t>là một mã nguồn mở, được phát triển, chia sẻ và có cộng đồng người dùng rất </a:t>
+            </a:r>
+            <a:r>
+              <a:rPr lang="en-US" sz="2300" dirty="0" smtClean="0">
+                <a:latin typeface="+mj-lt"/>
+                <a:cs typeface="Times New Roman" panose="02020603050405020304" pitchFamily="18" charset="0"/>
+              </a:rPr>
+              <a:t>lớn</a:t>
+            </a:r>
+            <a:r>
+              <a:rPr lang="vi-VN" sz="2300" dirty="0" smtClean="0">
+                <a:latin typeface="+mj-lt"/>
+              </a:rPr>
+              <a:t>.</a:t>
+            </a:r>
+            <a:endParaRPr lang="vi-VN" sz="2300" dirty="0">
+              <a:latin typeface="+mj-lt"/>
+            </a:endParaRPr>
+          </a:p>
+          <a:p>
+            <a:pPr algn="just">
+              <a:lnSpc>
+                <a:spcPct val="150000"/>
+              </a:lnSpc>
+            </a:pPr>
+            <a:r>
+              <a:rPr lang="vi-VN" sz="2300" dirty="0">
+                <a:latin typeface="+mj-lt"/>
+              </a:rPr>
+              <a:t>Spring Framework được xây dựng dựa trên 2 nguyên tắc design chính là: Dependency Injection và </a:t>
+            </a:r>
+            <a:r>
+              <a:rPr lang="en-US" sz="2300" dirty="0">
+                <a:latin typeface="Times New Roman" panose="02020603050405020304" pitchFamily="18" charset="0"/>
+                <a:cs typeface="Times New Roman" panose="02020603050405020304" pitchFamily="18" charset="0"/>
+              </a:rPr>
+              <a:t>Inversion of Control</a:t>
+            </a:r>
+          </a:p>
+          <a:p>
+            <a:pPr marL="0" indent="0">
+              <a:lnSpc>
+                <a:spcPct val="150000"/>
+              </a:lnSpc>
+              <a:buNone/>
+            </a:pPr>
+            <a:endParaRPr lang="vi-VN" sz="2300" dirty="0">
+              <a:latin typeface="+mj-lt"/>
+            </a:endParaRPr>
+          </a:p>
+          <a:p>
+            <a:endParaRPr lang="en-US" dirty="0"/>
+          </a:p>
+        </p:txBody>
+      </p:sp>
+      <p:pic>
+        <p:nvPicPr>
+          <p:cNvPr id="8" name="Picture 7"/>
+          <p:cNvPicPr>
+            <a:picLocks noChangeAspect="1"/>
+          </p:cNvPicPr>
+          <p:nvPr/>
+        </p:nvPicPr>
+        <p:blipFill>
+          <a:blip r:embed="rId2" cstate="print">
+            <a:extLst>
+              <a:ext uri="{28A0092B-C50C-407E-A947-70E740481C1C}">
+                <a14:useLocalDpi xmlns:a14="http://schemas.microsoft.com/office/drawing/2010/main" val="0"/>
+              </a:ext>
+            </a:extLst>
+          </a:blip>
+          <a:stretch>
+            <a:fillRect/>
+          </a:stretch>
+        </p:blipFill>
+        <p:spPr>
+          <a:xfrm>
+            <a:off x="8270789" y="1955469"/>
+            <a:ext cx="3443416" cy="3448553"/>
+          </a:xfrm>
+          <a:prstGeom prst="rect">
+            <a:avLst/>
+          </a:prstGeom>
+        </p:spPr>
+      </p:pic>
+      <p:pic>
+        <p:nvPicPr>
+          <p:cNvPr id="9" name="Picture 8"/>
+          <p:cNvPicPr>
+            <a:picLocks noChangeAspect="1"/>
+          </p:cNvPicPr>
+          <p:nvPr/>
+        </p:nvPicPr>
+        <p:blipFill>
+          <a:blip r:embed="rId3">
+            <a:extLst>
+              <a:ext uri="{28A0092B-C50C-407E-A947-70E740481C1C}">
+                <a14:useLocalDpi xmlns:a14="http://schemas.microsoft.com/office/drawing/2010/main" val="0"/>
+              </a:ext>
+            </a:extLst>
+          </a:blip>
+          <a:stretch>
+            <a:fillRect/>
+          </a:stretch>
+        </p:blipFill>
+        <p:spPr>
+          <a:xfrm>
+            <a:off x="10780705" y="15262"/>
+            <a:ext cx="1293401" cy="1293401"/>
+          </a:xfrm>
+          <a:prstGeom prst="rect">
+            <a:avLst/>
+          </a:prstGeom>
+        </p:spPr>
+      </p:pic>
+      <p:sp>
+        <p:nvSpPr>
+          <p:cNvPr id="5" name="Slide Number Placeholder 4"/>
+          <p:cNvSpPr>
+            <a:spLocks noGrp="1"/>
+          </p:cNvSpPr>
+          <p:nvPr>
+            <p:ph type="sldNum" sz="quarter" idx="12"/>
+          </p:nvPr>
+        </p:nvSpPr>
+        <p:spPr/>
+        <p:txBody>
+          <a:bodyPr/>
+          <a:lstStyle/>
+          <a:p>
+            <a:fld id="{FC388293-6D4C-49F6-999F-FA35C2DD9781}" type="slidenum">
+              <a:rPr lang="en-US" smtClean="0"/>
+              <a:t>8</a:t>
+            </a:fld>
+            <a:endParaRPr lang="en-US"/>
+          </a:p>
+        </p:txBody>
+      </p:sp>
+    </p:spTree>
+    <p:extLst>
+      <p:ext uri="{BB962C8B-B14F-4D97-AF65-F5344CB8AC3E}">
+        <p14:creationId xmlns:p14="http://schemas.microsoft.com/office/powerpoint/2010/main" val="2432767872"/>
+      </p:ext>
+    </p:extLst>
+  </p:cSld>
+  <p:clrMapOvr>
+    <a:masterClrMapping/>
+  </p:clrMapOvr>
+  <p:timing>
+    <p:tnLst>
+      <p:par>
+        <p:cTn id="1" dur="indefinite" restart="never" nodeType="tmRoot">
+          <p:childTnLst>
+            <p:seq concurrent="1" nextAc="seek">
+              <p:cTn id="2" dur="indefinite" nodeType="mainSeq">
+                <p:childTnLst>
+                  <p:par>
+                    <p:cTn id="3" fill="hold">
+                      <p:stCondLst>
+                        <p:cond delay="indefinite"/>
+                      </p:stCondLst>
+                      <p:childTnLst>
+                        <p:par>
+                          <p:cTn id="4" fill="hold">
+                            <p:stCondLst>
+                              <p:cond delay="0"/>
+                            </p:stCondLst>
+                            <p:childTnLst>
+                              <p:par>
+                                <p:cTn id="5" presetID="42" presetClass="entr" presetSubtype="0" fill="hold" nodeType="clickEffect">
+                                  <p:stCondLst>
+                                    <p:cond delay="0"/>
+                                  </p:stCondLst>
+                                  <p:childTnLst>
+                                    <p:set>
+                                      <p:cBhvr>
+                                        <p:cTn id="6" dur="1" fill="hold">
+                                          <p:stCondLst>
+                                            <p:cond delay="0"/>
+                                          </p:stCondLst>
+                                        </p:cTn>
+                                        <p:tgtEl>
+                                          <p:spTgt spid="7">
+                                            <p:txEl>
+                                              <p:pRg st="1" end="1"/>
+                                            </p:txEl>
+                                          </p:spTgt>
+                                        </p:tgtEl>
+                                        <p:attrNameLst>
+                                          <p:attrName>style.visibility</p:attrName>
+                                        </p:attrNameLst>
+                                      </p:cBhvr>
+                                      <p:to>
+                                        <p:strVal val="visible"/>
+                                      </p:to>
+                                    </p:set>
+                                    <p:animEffect transition="in" filter="fade">
+                                      <p:cBhvr>
+                                        <p:cTn id="7" dur="1000"/>
+                                        <p:tgtEl>
+                                          <p:spTgt spid="7">
+                                            <p:txEl>
+                                              <p:pRg st="1" end="1"/>
+                                            </p:txEl>
+                                          </p:spTgt>
+                                        </p:tgtEl>
+                                      </p:cBhvr>
+                                    </p:animEffect>
+                                    <p:anim calcmode="lin" valueType="num">
+                                      <p:cBhvr>
+                                        <p:cTn id="8" dur="1000" fill="hold"/>
+                                        <p:tgtEl>
+                                          <p:spTgt spid="7">
+                                            <p:txEl>
+                                              <p:pRg st="1" end="1"/>
+                                            </p:txEl>
+                                          </p:spTgt>
+                                        </p:tgtEl>
+                                        <p:attrNameLst>
+                                          <p:attrName>ppt_x</p:attrName>
+                                        </p:attrNameLst>
+                                      </p:cBhvr>
+                                      <p:tavLst>
+                                        <p:tav tm="0">
+                                          <p:val>
+                                            <p:strVal val="#ppt_x"/>
+                                          </p:val>
+                                        </p:tav>
+                                        <p:tav tm="100000">
+                                          <p:val>
+                                            <p:strVal val="#ppt_x"/>
+                                          </p:val>
+                                        </p:tav>
+                                      </p:tavLst>
+                                    </p:anim>
+                                    <p:anim calcmode="lin" valueType="num">
+                                      <p:cBhvr>
+                                        <p:cTn id="9" dur="1000" fill="hold"/>
+                                        <p:tgtEl>
+                                          <p:spTgt spid="7">
+                                            <p:txEl>
+                                              <p:pRg st="1" end="1"/>
+                                            </p:txEl>
+                                          </p:spTgt>
+                                        </p:tgtEl>
+                                        <p:attrNameLst>
+                                          <p:attrName>ppt_y</p:attrName>
+                                        </p:attrNameLst>
+                                      </p:cBhvr>
+                                      <p:tavLst>
+                                        <p:tav tm="0">
+                                          <p:val>
+                                            <p:strVal val="#ppt_y+.1"/>
+                                          </p:val>
+                                        </p:tav>
+                                        <p:tav tm="100000">
+                                          <p:val>
+                                            <p:strVal val="#ppt_y"/>
+                                          </p:val>
+                                        </p:tav>
+                                      </p:tavLst>
+                                    </p:anim>
+                                  </p:childTnLst>
+                                </p:cTn>
+                              </p:par>
+                              <p:par>
+                                <p:cTn id="10" presetID="42" presetClass="entr" presetSubtype="0" fill="hold" nodeType="withEffect">
+                                  <p:stCondLst>
+                                    <p:cond delay="0"/>
+                                  </p:stCondLst>
+                                  <p:childTnLst>
+                                    <p:set>
+                                      <p:cBhvr>
+                                        <p:cTn id="11" dur="1" fill="hold">
+                                          <p:stCondLst>
+                                            <p:cond delay="0"/>
+                                          </p:stCondLst>
+                                        </p:cTn>
+                                        <p:tgtEl>
+                                          <p:spTgt spid="7">
+                                            <p:txEl>
+                                              <p:pRg st="2" end="2"/>
+                                            </p:txEl>
+                                          </p:spTgt>
+                                        </p:tgtEl>
+                                        <p:attrNameLst>
+                                          <p:attrName>style.visibility</p:attrName>
+                                        </p:attrNameLst>
+                                      </p:cBhvr>
+                                      <p:to>
+                                        <p:strVal val="visible"/>
+                                      </p:to>
+                                    </p:set>
+                                    <p:animEffect transition="in" filter="fade">
+                                      <p:cBhvr>
+                                        <p:cTn id="12" dur="1000"/>
+                                        <p:tgtEl>
+                                          <p:spTgt spid="7">
+                                            <p:txEl>
+                                              <p:pRg st="2" end="2"/>
+                                            </p:txEl>
+                                          </p:spTgt>
+                                        </p:tgtEl>
+                                      </p:cBhvr>
+                                    </p:animEffect>
+                                    <p:anim calcmode="lin" valueType="num">
+                                      <p:cBhvr>
+                                        <p:cTn id="13" dur="1000" fill="hold"/>
+                                        <p:tgtEl>
+                                          <p:spTgt spid="7">
+                                            <p:txEl>
+                                              <p:pRg st="2" end="2"/>
+                                            </p:txEl>
+                                          </p:spTgt>
+                                        </p:tgtEl>
+                                        <p:attrNameLst>
+                                          <p:attrName>ppt_x</p:attrName>
+                                        </p:attrNameLst>
+                                      </p:cBhvr>
+                                      <p:tavLst>
+                                        <p:tav tm="0">
+                                          <p:val>
+                                            <p:strVal val="#ppt_x"/>
+                                          </p:val>
+                                        </p:tav>
+                                        <p:tav tm="100000">
+                                          <p:val>
+                                            <p:strVal val="#ppt_x"/>
+                                          </p:val>
+                                        </p:tav>
+                                      </p:tavLst>
+                                    </p:anim>
+                                    <p:anim calcmode="lin" valueType="num">
+                                      <p:cBhvr>
+                                        <p:cTn id="14" dur="1000" fill="hold"/>
+                                        <p:tgtEl>
+                                          <p:spTgt spid="7">
+                                            <p:txEl>
+                                              <p:pRg st="2" end="2"/>
+                                            </p:txEl>
+                                          </p:spTgt>
+                                        </p:tgtEl>
+                                        <p:attrNameLst>
+                                          <p:attrName>ppt_y</p:attrName>
+                                        </p:attrNameLst>
+                                      </p:cBhvr>
+                                      <p:tavLst>
+                                        <p:tav tm="0">
+                                          <p:val>
+                                            <p:strVal val="#ppt_y+.1"/>
+                                          </p:val>
+                                        </p:tav>
+                                        <p:tav tm="100000">
+                                          <p:val>
+                                            <p:strVal val="#ppt_y"/>
+                                          </p:val>
+                                        </p:tav>
+                                      </p:tavLst>
+                                    </p:anim>
+                                  </p:childTnLst>
+                                </p:cTn>
+                              </p:par>
+                            </p:childTnLst>
+                          </p:cTn>
+                        </p:par>
+                      </p:childTnLst>
+                    </p:cTn>
+                  </p:par>
+                </p:childTnLst>
+              </p:cTn>
+              <p:prevCondLst>
+                <p:cond evt="onPrev" delay="0">
+                  <p:tgtEl>
+                    <p:sldTgt/>
+                  </p:tgtEl>
+                </p:cond>
+              </p:prevCondLst>
+              <p:nextCondLst>
+                <p:cond evt="onNext" delay="0">
+                  <p:tgtEl>
+                    <p:sldTgt/>
+                  </p:tgtEl>
+                </p:cond>
+              </p:nextCondLst>
+            </p:seq>
+          </p:childTnLst>
+        </p:cTn>
+      </p:par>
+    </p:tnLst>
+  </p:timing>
+</p:sld>
+</file>
+
+<file path=ppt/slides/slide9.xml><?xml version="1.0" encoding="utf-8"?>
+<p:sld xmlns:a="http://schemas.openxmlformats.org/drawingml/2006/main" xmlns:r="http://schemas.openxmlformats.org/officeDocument/2006/relationships" xmlns:p="http://schemas.openxmlformats.org/presentationml/2006/main">
+  <p:cSld>
+    <p:spTree>
+      <p:nvGrpSpPr>
+        <p:cNvPr id="1" name=""/>
+        <p:cNvGrpSpPr/>
+        <p:nvPr/>
+      </p:nvGrpSpPr>
+      <p:grpSpPr>
+        <a:xfrm>
+          <a:off x="0" y="0"/>
+          <a:ext cx="0" cy="0"/>
+          <a:chOff x="0" y="0"/>
+          <a:chExt cx="0" cy="0"/>
+        </a:xfrm>
+      </p:grpSpPr>
+      <p:sp>
+        <p:nvSpPr>
+          <p:cNvPr id="4" name="TextBox 3"/>
+          <p:cNvSpPr txBox="1"/>
+          <p:nvPr/>
+        </p:nvSpPr>
+        <p:spPr>
+          <a:xfrm>
+            <a:off x="2493287" y="0"/>
+            <a:ext cx="6984421" cy="492443"/>
+          </a:xfrm>
+          <a:prstGeom prst="rect">
+            <a:avLst/>
+          </a:prstGeom>
+          <a:noFill/>
+        </p:spPr>
+        <p:txBody>
+          <a:bodyPr wrap="square" rtlCol="0">
+            <a:spAutoFit/>
+          </a:bodyPr>
+          <a:lstStyle/>
+          <a:p>
+            <a:pPr algn="ctr"/>
+            <a:r>
+              <a:rPr lang="en-US" sz="2600" b="1" dirty="0" smtClean="0">
+                <a:latin typeface="Times New Roman" panose="02020603050405020304" pitchFamily="18" charset="0"/>
+                <a:cs typeface="Times New Roman" panose="02020603050405020304" pitchFamily="18" charset="0"/>
+              </a:rPr>
+              <a:t>III. Phân tích </a:t>
+            </a:r>
+            <a:r>
+              <a:rPr lang="en-US" sz="2600" b="1" smtClean="0">
+                <a:latin typeface="Times New Roman" panose="02020603050405020304" pitchFamily="18" charset="0"/>
+                <a:cs typeface="Times New Roman" panose="02020603050405020304" pitchFamily="18" charset="0"/>
+              </a:rPr>
+              <a:t>thiết kế hệ thống</a:t>
+            </a:r>
+            <a:endParaRPr lang="vi-VN" sz="2600" b="1" dirty="0">
+              <a:latin typeface="Times New Roman" panose="02020603050405020304" pitchFamily="18" charset="0"/>
+              <a:cs typeface="Times New Roman" panose="02020603050405020304" pitchFamily="18" charset="0"/>
+            </a:endParaRPr>
+          </a:p>
+        </p:txBody>
+      </p:sp>
+      <p:sp>
+        <p:nvSpPr>
+          <p:cNvPr id="2" name="TextBox 1"/>
+          <p:cNvSpPr txBox="1"/>
+          <p:nvPr/>
+        </p:nvSpPr>
+        <p:spPr>
+          <a:xfrm>
+            <a:off x="5637876" y="423763"/>
+            <a:ext cx="1571264" cy="400110"/>
+          </a:xfrm>
+          <a:prstGeom prst="rect">
+            <a:avLst/>
+          </a:prstGeom>
+          <a:noFill/>
+        </p:spPr>
+        <p:txBody>
+          <a:bodyPr wrap="none" rtlCol="0">
+            <a:spAutoFit/>
+          </a:bodyPr>
+          <a:lstStyle/>
+          <a:p>
+            <a:r>
+              <a:rPr lang="en-US" sz="2000" dirty="0" smtClean="0">
+                <a:latin typeface="Times New Roman" panose="02020603050405020304" pitchFamily="18" charset="0"/>
+                <a:cs typeface="Times New Roman" panose="02020603050405020304" pitchFamily="18" charset="0"/>
+              </a:rPr>
+              <a:t>Cơ sở dữ liệu</a:t>
+            </a:r>
+            <a:endParaRPr lang="en-US" sz="2000" dirty="0">
+              <a:latin typeface="Times New Roman" panose="02020603050405020304" pitchFamily="18" charset="0"/>
+              <a:cs typeface="Times New Roman" panose="02020603050405020304" pitchFamily="18" charset="0"/>
+            </a:endParaRPr>
+          </a:p>
+        </p:txBody>
+      </p:sp>
+      <p:pic>
+        <p:nvPicPr>
+          <p:cNvPr id="7" name="Picture 6"/>
+          <p:cNvPicPr/>
+          <p:nvPr/>
+        </p:nvPicPr>
+        <p:blipFill>
+          <a:blip r:embed="rId2"/>
+          <a:stretch>
+            <a:fillRect/>
+          </a:stretch>
+        </p:blipFill>
+        <p:spPr>
+          <a:xfrm>
+            <a:off x="3636175" y="916206"/>
+            <a:ext cx="5574665" cy="5708650"/>
+          </a:xfrm>
+          <a:prstGeom prst="rect">
+            <a:avLst/>
+          </a:prstGeom>
+        </p:spPr>
+      </p:pic>
+      <p:pic>
+        <p:nvPicPr>
+          <p:cNvPr id="10" name="Picture 9"/>
+          <p:cNvPicPr>
+            <a:picLocks noChangeAspect="1"/>
+          </p:cNvPicPr>
+          <p:nvPr/>
+        </p:nvPicPr>
+        <p:blipFill>
+          <a:blip r:embed="rId3">
+            <a:extLst>
+              <a:ext uri="{28A0092B-C50C-407E-A947-70E740481C1C}">
+                <a14:useLocalDpi xmlns:a14="http://schemas.microsoft.com/office/drawing/2010/main" val="0"/>
+              </a:ext>
+            </a:extLst>
+          </a:blip>
+          <a:stretch>
+            <a:fillRect/>
+          </a:stretch>
+        </p:blipFill>
+        <p:spPr>
+          <a:xfrm>
+            <a:off x="10780705" y="15262"/>
+            <a:ext cx="1293401" cy="1293401"/>
+          </a:xfrm>
+          <a:prstGeom prst="rect">
+            <a:avLst/>
+          </a:prstGeom>
+        </p:spPr>
+      </p:pic>
+      <p:sp>
+        <p:nvSpPr>
+          <p:cNvPr id="6" name="Slide Number Placeholder 5"/>
+          <p:cNvSpPr>
+            <a:spLocks noGrp="1"/>
+          </p:cNvSpPr>
+          <p:nvPr>
+            <p:ph type="sldNum" sz="quarter" idx="12"/>
+          </p:nvPr>
+        </p:nvSpPr>
+        <p:spPr/>
+        <p:txBody>
+          <a:bodyPr/>
+          <a:lstStyle/>
+          <a:p>
+            <a:fld id="{FC388293-6D4C-49F6-999F-FA35C2DD9781}" type="slidenum">
+              <a:rPr lang="en-US" smtClean="0"/>
+              <a:t>9</a:t>
+            </a:fld>
+            <a:endParaRPr lang="en-US"/>
+          </a:p>
+        </p:txBody>
+      </p:sp>
+    </p:spTree>
+    <p:extLst>
+      <p:ext uri="{BB962C8B-B14F-4D97-AF65-F5344CB8AC3E}">
+        <p14:creationId xmlns:p14="http://schemas.microsoft.com/office/powerpoint/2010/main" val="4165358827"/>
+      </p:ext>
+    </p:extLst>
+  </p:cSld>
+  <p:clrMapOvr>
+    <a:masterClrMapping/>
+  </p:clrMapOvr>
+  <p:timing>
+    <p:tnLst>
+      <p:par>
+        <p:cTn id="1" dur="indefinite" restart="never" nodeType="tmRoot"/>
       </p:par>
     </p:tnLst>
   </p:timing>
@@ -11493,4 +9010,265 @@
     </a:ext>
   </a:extLst>
 </a:theme>
+</file>
+
+<file path=ppt/theme/theme2.xml><?xml version="1.0" encoding="utf-8"?>
+<a:theme xmlns:a="http://schemas.openxmlformats.org/drawingml/2006/main" name="Office Theme">
+  <a:themeElements>
+    <a:clrScheme name="Office">
+      <a:dk1>
+        <a:sysClr val="windowText" lastClr="000000"/>
+      </a:dk1>
+      <a:lt1>
+        <a:sysClr val="window" lastClr="FFFFFF"/>
+      </a:lt1>
+      <a:dk2>
+        <a:srgbClr val="44546A"/>
+      </a:dk2>
+      <a:lt2>
+        <a:srgbClr val="E7E6E6"/>
+      </a:lt2>
+      <a:accent1>
+        <a:srgbClr val="5B9BD5"/>
+      </a:accent1>
+      <a:accent2>
+        <a:srgbClr val="ED7D31"/>
+      </a:accent2>
+      <a:accent3>
+        <a:srgbClr val="A5A5A5"/>
+      </a:accent3>
+      <a:accent4>
+        <a:srgbClr val="FFC000"/>
+      </a:accent4>
+      <a:accent5>
+        <a:srgbClr val="4472C4"/>
+      </a:accent5>
+      <a:accent6>
+        <a:srgbClr val="70AD47"/>
+      </a:accent6>
+      <a:hlink>
+        <a:srgbClr val="0563C1"/>
+      </a:hlink>
+      <a:folHlink>
+        <a:srgbClr val="954F72"/>
+      </a:folHlink>
+    </a:clrScheme>
+    <a:fontScheme name="Office">
+      <a:majorFont>
+        <a:latin typeface="Calibri Light" panose="020F0302020204030204"/>
+        <a:ea typeface=""/>
+        <a:cs typeface=""/>
+        <a:font script="Jpan" typeface="游ゴシック Light"/>
+        <a:font script="Hang" typeface="맑은 고딕"/>
+        <a:font script="Hans" typeface="等线 Light"/>
+        <a:font script="Hant" typeface="新細明體"/>
+        <a:font script="Arab" typeface="Times New Roman"/>
+        <a:font script="Hebr" typeface="Times New Roman"/>
+        <a:font script="Thai" typeface="Angsana New"/>
+        <a:font script="Ethi" typeface="Nyala"/>
+        <a:font script="Beng" typeface="Vrinda"/>
+        <a:font script="Gujr" typeface="Shruti"/>
+        <a:font script="Khmr" typeface="MoolBoran"/>
+        <a:font script="Knda" typeface="Tunga"/>
+        <a:font script="Guru" typeface="Raavi"/>
+        <a:font script="Cans" typeface="Euphemia"/>
+        <a:font script="Cher" typeface="Plantagenet Cherokee"/>
+        <a:font script="Yiii" typeface="Microsoft Yi Baiti"/>
+        <a:font script="Tibt" typeface="Microsoft Himalaya"/>
+        <a:font script="Thaa" typeface="MV Boli"/>
+        <a:font script="Deva" typeface="Mangal"/>
+        <a:font script="Telu" typeface="Gautami"/>
+        <a:font script="Taml" typeface="Latha"/>
+        <a:font script="Syrc" typeface="Estrangelo Edessa"/>
+        <a:font script="Orya" typeface="Kalinga"/>
+        <a:font script="Mlym" typeface="Kartika"/>
+        <a:font script="Laoo" typeface="DokChampa"/>
+        <a:font script="Sinh" typeface="Iskoola Pota"/>
+        <a:font script="Mong" typeface="Mongolian Baiti"/>
+        <a:font script="Viet" typeface="Times New Roman"/>
+        <a:font script="Uigh" typeface="Microsoft Uighur"/>
+        <a:font script="Geor" typeface="Sylfaen"/>
+      </a:majorFont>
+      <a:minorFont>
+        <a:latin typeface="Calibri" panose="020F0502020204030204"/>
+        <a:ea typeface=""/>
+        <a:cs typeface=""/>
+        <a:font script="Jpan" typeface="游ゴシック"/>
+        <a:font script="Hang" typeface="맑은 고딕"/>
+        <a:font script="Hans" typeface="等线"/>
+        <a:font script="Hant" typeface="新細明體"/>
+        <a:font script="Arab" typeface="Arial"/>
+        <a:font script="Hebr" typeface="Arial"/>
+        <a:font script="Thai" typeface="Cordia New"/>
+        <a:font script="Ethi" typeface="Nyala"/>
+        <a:font script="Beng" typeface="Vrinda"/>
+        <a:font script="Gujr" typeface="Shruti"/>
+        <a:font script="Khmr" typeface="DaunPenh"/>
+        <a:font script="Knda" typeface="Tunga"/>
+        <a:font script="Guru" typeface="Raavi"/>
+        <a:font script="Cans" typeface="Euphemia"/>
+        <a:font script="Cher" typeface="Plantagenet Cherokee"/>
+        <a:font script="Yiii" typeface="Microsoft Yi Baiti"/>
+        <a:font script="Tibt" typeface="Microsoft Himalaya"/>
+        <a:font script="Thaa" typeface="MV Boli"/>
+        <a:font script="Deva" typeface="Mangal"/>
+        <a:font script="Telu" typeface="Gautami"/>
+        <a:font script="Taml" typeface="Latha"/>
+        <a:font script="Syrc" typeface="Estrangelo Edessa"/>
+        <a:font script="Orya" typeface="Kalinga"/>
+        <a:font script="Mlym" typeface="Kartika"/>
+        <a:font script="Laoo" typeface="DokChampa"/>
+        <a:font script="Sinh" typeface="Iskoola Pota"/>
+        <a:font script="Mong" typeface="Mongolian Baiti"/>
+        <a:font script="Viet" typeface="Arial"/>
+        <a:font script="Uigh" typeface="Microsoft Uighur"/>
+        <a:font script="Geor" typeface="Sylfaen"/>
+      </a:minorFont>
+    </a:fontScheme>
+    <a:fmtScheme name="Office">
+      <a:fillStyleLst>
+        <a:solidFill>
+          <a:schemeClr val="phClr"/>
+        </a:solidFill>
+        <a:gradFill rotWithShape="1">
+          <a:gsLst>
+            <a:gs pos="0">
+              <a:schemeClr val="phClr">
+                <a:lumMod val="110000"/>
+                <a:satMod val="105000"/>
+                <a:tint val="67000"/>
+              </a:schemeClr>
+            </a:gs>
+            <a:gs pos="50000">
+              <a:schemeClr val="phClr">
+                <a:lumMod val="105000"/>
+                <a:satMod val="103000"/>
+                <a:tint val="73000"/>
+              </a:schemeClr>
+            </a:gs>
+            <a:gs pos="100000">
+              <a:schemeClr val="phClr">
+                <a:lumMod val="105000"/>
+                <a:satMod val="109000"/>
+                <a:tint val="81000"/>
+              </a:schemeClr>
+            </a:gs>
+          </a:gsLst>
+          <a:lin ang="5400000" scaled="0"/>
+        </a:gradFill>
+        <a:gradFill rotWithShape="1">
+          <a:gsLst>
+            <a:gs pos="0">
+              <a:schemeClr val="phClr">
+                <a:satMod val="103000"/>
+                <a:lumMod val="102000"/>
+                <a:tint val="94000"/>
+              </a:schemeClr>
+            </a:gs>
+            <a:gs pos="50000">
+              <a:schemeClr val="phClr">
+                <a:satMod val="110000"/>
+                <a:lumMod val="100000"/>
+                <a:shade val="100000"/>
+              </a:schemeClr>
+            </a:gs>
+            <a:gs pos="100000">
+              <a:schemeClr val="phClr">
+                <a:lumMod val="99000"/>
+                <a:satMod val="120000"/>
+                <a:shade val="78000"/>
+              </a:schemeClr>
+            </a:gs>
+          </a:gsLst>
+          <a:lin ang="5400000" scaled="0"/>
+        </a:gradFill>
+      </a:fillStyleLst>
+      <a:lnStyleLst>
+        <a:ln w="6350" cap="flat" cmpd="sng" algn="ctr">
+          <a:solidFill>
+            <a:schemeClr val="phClr"/>
+          </a:solidFill>
+          <a:prstDash val="solid"/>
+          <a:miter lim="800000"/>
+        </a:ln>
+        <a:ln w="12700" cap="flat" cmpd="sng" algn="ctr">
+          <a:solidFill>
+            <a:schemeClr val="phClr"/>
+          </a:solidFill>
+          <a:prstDash val="solid"/>
+          <a:miter lim="800000"/>
+        </a:ln>
+        <a:ln w="19050" cap="flat" cmpd="sng" algn="ctr">
+          <a:solidFill>
+            <a:schemeClr val="phClr"/>
+          </a:solidFill>
+          <a:prstDash val="solid"/>
+          <a:miter lim="800000"/>
+        </a:ln>
+      </a:lnStyleLst>
+      <a:effectStyleLst>
+        <a:effectStyle>
+          <a:effectLst/>
+        </a:effectStyle>
+        <a:effectStyle>
+          <a:effectLst/>
+        </a:effectStyle>
+        <a:effectStyle>
+          <a:effectLst>
+            <a:outerShdw blurRad="57150" dist="19050" dir="5400000" algn="ctr" rotWithShape="0">
+              <a:srgbClr val="000000">
+                <a:alpha val="63000"/>
+              </a:srgbClr>
+            </a:outerShdw>
+          </a:effectLst>
+        </a:effectStyle>
+      </a:effectStyleLst>
+      <a:bgFillStyleLst>
+        <a:solidFill>
+          <a:schemeClr val="phClr"/>
+        </a:solidFill>
+        <a:solidFill>
+          <a:schemeClr val="phClr">
+            <a:tint val="95000"/>
+            <a:satMod val="170000"/>
+          </a:schemeClr>
+        </a:solidFill>
+        <a:gradFill rotWithShape="1">
+          <a:gsLst>
+            <a:gs pos="0">
+              <a:schemeClr val="phClr">
+                <a:tint val="93000"/>
+                <a:satMod val="150000"/>
+                <a:shade val="98000"/>
+                <a:lumMod val="102000"/>
+              </a:schemeClr>
+            </a:gs>
+            <a:gs pos="50000">
+              <a:schemeClr val="phClr">
+                <a:tint val="98000"/>
+                <a:satMod val="130000"/>
+                <a:shade val="90000"/>
+                <a:lumMod val="103000"/>
+              </a:schemeClr>
+            </a:gs>
+            <a:gs pos="100000">
+              <a:schemeClr val="phClr">
+                <a:shade val="63000"/>
+                <a:satMod val="120000"/>
+              </a:schemeClr>
+            </a:gs>
+          </a:gsLst>
+          <a:lin ang="5400000" scaled="0"/>
+        </a:gradFill>
+      </a:bgFillStyleLst>
+    </a:fmtScheme>
+  </a:themeElements>
+  <a:objectDefaults/>
+  <a:extraClrSchemeLst/>
+  <a:extLst>
+    <a:ext uri="{05A4C25C-085E-4340-85A3-A5531E510DB2}">
+      <thm15:themeFamily xmlns:thm15="http://schemas.microsoft.com/office/thememl/2012/main" name="Office Theme" id="{62F939B6-93AF-4DB8-9C6B-D6C7DFDC589F}" vid="{4A3C46E8-61CC-4603-A589-7422A47A8E4A}"/>
+    </a:ext>
+  </a:extLst>
+</a:theme>
 </file>
--- a/BaoCao/SlideDoAn_NguyenNgocAnh_2017605519.pptx
+++ b/BaoCao/SlideDoAn_NguyenNgocAnh_2017605519.pptx
@@ -5288,477 +5288,6 @@
           </a:p>
         </p:txBody>
       </p:sp>
-      <p:sp>
-        <p:nvSpPr>
-          <p:cNvPr id="4" name="Rounded Rectangle 3"/>
-          <p:cNvSpPr/>
-          <p:nvPr/>
-        </p:nvSpPr>
-        <p:spPr>
-          <a:xfrm>
-            <a:off x="3352800" y="1696995"/>
-            <a:ext cx="5074508" cy="345989"/>
-          </a:xfrm>
-          <a:prstGeom prst="roundRect">
-            <a:avLst/>
-          </a:prstGeom>
-        </p:spPr>
-        <p:style>
-          <a:lnRef idx="2">
-            <a:schemeClr val="accent1">
-              <a:shade val="50000"/>
-            </a:schemeClr>
-          </a:lnRef>
-          <a:fillRef idx="1">
-            <a:schemeClr val="accent1"/>
-          </a:fillRef>
-          <a:effectRef idx="0">
-            <a:schemeClr val="accent1"/>
-          </a:effectRef>
-          <a:fontRef idx="minor">
-            <a:schemeClr val="lt1"/>
-          </a:fontRef>
-        </p:style>
-        <p:txBody>
-          <a:bodyPr rtlCol="0" anchor="ctr"/>
-          <a:lstStyle/>
-          <a:p>
-            <a:pPr>
-              <a:lnSpc>
-                <a:spcPct val="150000"/>
-              </a:lnSpc>
-            </a:pPr>
-            <a:r>
-              <a:rPr lang="en-US" dirty="0">
-                <a:latin typeface="Times New Roman" panose="02020603050405020304" pitchFamily="18" charset="0"/>
-                <a:ea typeface="Tahoma" panose="020B0604030504040204" pitchFamily="34" charset="0"/>
-                <a:cs typeface="Times New Roman" panose="02020603050405020304" pitchFamily="18" charset="0"/>
-              </a:rPr>
-              <a:t>Lý do chọn đề tài, mục đích và yêu cầu</a:t>
-            </a:r>
-          </a:p>
-        </p:txBody>
-      </p:sp>
-      <p:sp>
-        <p:nvSpPr>
-          <p:cNvPr id="10" name="Rounded Rectangle 9"/>
-          <p:cNvSpPr/>
-          <p:nvPr/>
-        </p:nvSpPr>
-        <p:spPr>
-          <a:xfrm>
-            <a:off x="3702908" y="2339094"/>
-            <a:ext cx="4724400" cy="345989"/>
-          </a:xfrm>
-          <a:prstGeom prst="roundRect">
-            <a:avLst/>
-          </a:prstGeom>
-        </p:spPr>
-        <p:style>
-          <a:lnRef idx="2">
-            <a:schemeClr val="accent1">
-              <a:shade val="50000"/>
-            </a:schemeClr>
-          </a:lnRef>
-          <a:fillRef idx="1">
-            <a:schemeClr val="accent1"/>
-          </a:fillRef>
-          <a:effectRef idx="0">
-            <a:schemeClr val="accent1"/>
-          </a:effectRef>
-          <a:fontRef idx="minor">
-            <a:schemeClr val="lt1"/>
-          </a:fontRef>
-        </p:style>
-        <p:txBody>
-          <a:bodyPr rtlCol="0" anchor="ctr"/>
-          <a:lstStyle/>
-          <a:p>
-            <a:pPr>
-              <a:lnSpc>
-                <a:spcPct val="150000"/>
-              </a:lnSpc>
-            </a:pPr>
-            <a:r>
-              <a:rPr lang="en-US" dirty="0">
-                <a:latin typeface="Times New Roman" panose="02020603050405020304" pitchFamily="18" charset="0"/>
-                <a:ea typeface="Tahoma" panose="020B0604030504040204" pitchFamily="34" charset="0"/>
-                <a:cs typeface="Times New Roman" panose="02020603050405020304" pitchFamily="18" charset="0"/>
-              </a:rPr>
-              <a:t>Các công nghệ và công cụ thực hiện đề tài</a:t>
-            </a:r>
-          </a:p>
-        </p:txBody>
-      </p:sp>
-      <p:sp>
-        <p:nvSpPr>
-          <p:cNvPr id="11" name="Rounded Rectangle 10"/>
-          <p:cNvSpPr/>
-          <p:nvPr/>
-        </p:nvSpPr>
-        <p:spPr>
-          <a:xfrm>
-            <a:off x="3904736" y="3047711"/>
-            <a:ext cx="4522572" cy="345989"/>
-          </a:xfrm>
-          <a:prstGeom prst="roundRect">
-            <a:avLst/>
-          </a:prstGeom>
-        </p:spPr>
-        <p:style>
-          <a:lnRef idx="2">
-            <a:schemeClr val="accent1">
-              <a:shade val="50000"/>
-            </a:schemeClr>
-          </a:lnRef>
-          <a:fillRef idx="1">
-            <a:schemeClr val="accent1"/>
-          </a:fillRef>
-          <a:effectRef idx="0">
-            <a:schemeClr val="accent1"/>
-          </a:effectRef>
-          <a:fontRef idx="minor">
-            <a:schemeClr val="lt1"/>
-          </a:fontRef>
-        </p:style>
-        <p:txBody>
-          <a:bodyPr rtlCol="0" anchor="ctr"/>
-          <a:lstStyle/>
-          <a:p>
-            <a:r>
-              <a:rPr lang="en-US" dirty="0">
-                <a:latin typeface="Times New Roman" panose="02020603050405020304" pitchFamily="18" charset="0"/>
-                <a:ea typeface="Tahoma" panose="020B0604030504040204" pitchFamily="34" charset="0"/>
-                <a:cs typeface="Times New Roman" panose="02020603050405020304" pitchFamily="18" charset="0"/>
-              </a:rPr>
-              <a:t>Phân tích và thiết kế hệ thống</a:t>
-            </a:r>
-            <a:endParaRPr lang="en-US" dirty="0"/>
-          </a:p>
-        </p:txBody>
-      </p:sp>
-      <p:sp>
-        <p:nvSpPr>
-          <p:cNvPr id="12" name="Rounded Rectangle 11"/>
-          <p:cNvSpPr/>
-          <p:nvPr/>
-        </p:nvSpPr>
-        <p:spPr>
-          <a:xfrm>
-            <a:off x="3702908" y="3771281"/>
-            <a:ext cx="4724400" cy="345989"/>
-          </a:xfrm>
-          <a:prstGeom prst="roundRect">
-            <a:avLst/>
-          </a:prstGeom>
-        </p:spPr>
-        <p:style>
-          <a:lnRef idx="2">
-            <a:schemeClr val="accent1">
-              <a:shade val="50000"/>
-            </a:schemeClr>
-          </a:lnRef>
-          <a:fillRef idx="1">
-            <a:schemeClr val="accent1"/>
-          </a:fillRef>
-          <a:effectRef idx="0">
-            <a:schemeClr val="accent1"/>
-          </a:effectRef>
-          <a:fontRef idx="minor">
-            <a:schemeClr val="lt1"/>
-          </a:fontRef>
-        </p:style>
-        <p:txBody>
-          <a:bodyPr rtlCol="0" anchor="ctr"/>
-          <a:lstStyle/>
-          <a:p>
-            <a:pPr>
-              <a:lnSpc>
-                <a:spcPct val="150000"/>
-              </a:lnSpc>
-            </a:pPr>
-            <a:r>
-              <a:rPr lang="it-IT">
-                <a:latin typeface="Times New Roman" panose="02020603050405020304" pitchFamily="18" charset="0"/>
-                <a:ea typeface="Tahoma" panose="020B0604030504040204" pitchFamily="34" charset="0"/>
-                <a:cs typeface="Times New Roman" panose="02020603050405020304" pitchFamily="18" charset="0"/>
-              </a:rPr>
-              <a:t>Kết quả chương trình</a:t>
-            </a:r>
-            <a:endParaRPr lang="it-IT" dirty="0">
-              <a:latin typeface="Times New Roman" panose="02020603050405020304" pitchFamily="18" charset="0"/>
-              <a:ea typeface="Tahoma" panose="020B0604030504040204" pitchFamily="34" charset="0"/>
-              <a:cs typeface="Times New Roman" panose="02020603050405020304" pitchFamily="18" charset="0"/>
-            </a:endParaRPr>
-          </a:p>
-        </p:txBody>
-      </p:sp>
-      <p:sp>
-        <p:nvSpPr>
-          <p:cNvPr id="13" name="Rounded Rectangle 12"/>
-          <p:cNvSpPr/>
-          <p:nvPr/>
-        </p:nvSpPr>
-        <p:spPr>
-          <a:xfrm>
-            <a:off x="3352800" y="4430844"/>
-            <a:ext cx="5074508" cy="345989"/>
-          </a:xfrm>
-          <a:prstGeom prst="roundRect">
-            <a:avLst/>
-          </a:prstGeom>
-        </p:spPr>
-        <p:style>
-          <a:lnRef idx="2">
-            <a:schemeClr val="accent1">
-              <a:shade val="50000"/>
-            </a:schemeClr>
-          </a:lnRef>
-          <a:fillRef idx="1">
-            <a:schemeClr val="accent1"/>
-          </a:fillRef>
-          <a:effectRef idx="0">
-            <a:schemeClr val="accent1"/>
-          </a:effectRef>
-          <a:fontRef idx="minor">
-            <a:schemeClr val="lt1"/>
-          </a:fontRef>
-        </p:style>
-        <p:txBody>
-          <a:bodyPr rtlCol="0" anchor="ctr"/>
-          <a:lstStyle/>
-          <a:p>
-            <a:pPr>
-              <a:lnSpc>
-                <a:spcPct val="150000"/>
-              </a:lnSpc>
-            </a:pPr>
-            <a:r>
-              <a:rPr lang="it-IT">
-                <a:latin typeface="Times New Roman" panose="02020603050405020304" pitchFamily="18" charset="0"/>
-                <a:ea typeface="Tahoma" panose="020B0604030504040204" pitchFamily="34" charset="0"/>
-                <a:cs typeface="Times New Roman" panose="02020603050405020304" pitchFamily="18" charset="0"/>
-              </a:rPr>
-              <a:t>Tổng kết</a:t>
-            </a:r>
-            <a:endParaRPr lang="it-IT" dirty="0">
-              <a:latin typeface="Times New Roman" panose="02020603050405020304" pitchFamily="18" charset="0"/>
-              <a:ea typeface="Tahoma" panose="020B0604030504040204" pitchFamily="34" charset="0"/>
-              <a:cs typeface="Times New Roman" panose="02020603050405020304" pitchFamily="18" charset="0"/>
-            </a:endParaRPr>
-          </a:p>
-        </p:txBody>
-      </p:sp>
-      <p:sp>
-        <p:nvSpPr>
-          <p:cNvPr id="15" name="Oval 14"/>
-          <p:cNvSpPr/>
-          <p:nvPr/>
-        </p:nvSpPr>
-        <p:spPr>
-          <a:xfrm>
-            <a:off x="2883243" y="1619693"/>
-            <a:ext cx="469557" cy="500591"/>
-          </a:xfrm>
-          <a:prstGeom prst="ellipse">
-            <a:avLst/>
-          </a:prstGeom>
-        </p:spPr>
-        <p:style>
-          <a:lnRef idx="2">
-            <a:schemeClr val="dk1"/>
-          </a:lnRef>
-          <a:fillRef idx="1">
-            <a:schemeClr val="lt1"/>
-          </a:fillRef>
-          <a:effectRef idx="0">
-            <a:schemeClr val="dk1"/>
-          </a:effectRef>
-          <a:fontRef idx="minor">
-            <a:schemeClr val="dk1"/>
-          </a:fontRef>
-        </p:style>
-        <p:txBody>
-          <a:bodyPr rtlCol="0" anchor="ctr"/>
-          <a:lstStyle/>
-          <a:p>
-            <a:pPr algn="ctr"/>
-            <a:r>
-              <a:rPr lang="en-US" dirty="0" smtClean="0"/>
-              <a:t>1</a:t>
-            </a:r>
-            <a:endParaRPr lang="en-US" dirty="0"/>
-          </a:p>
-        </p:txBody>
-      </p:sp>
-      <p:sp>
-        <p:nvSpPr>
-          <p:cNvPr id="16" name="Oval 15"/>
-          <p:cNvSpPr/>
-          <p:nvPr/>
-        </p:nvSpPr>
-        <p:spPr>
-          <a:xfrm>
-            <a:off x="3212757" y="2260139"/>
-            <a:ext cx="469557" cy="500591"/>
-          </a:xfrm>
-          <a:prstGeom prst="ellipse">
-            <a:avLst/>
-          </a:prstGeom>
-        </p:spPr>
-        <p:style>
-          <a:lnRef idx="2">
-            <a:schemeClr val="dk1"/>
-          </a:lnRef>
-          <a:fillRef idx="1">
-            <a:schemeClr val="lt1"/>
-          </a:fillRef>
-          <a:effectRef idx="0">
-            <a:schemeClr val="dk1"/>
-          </a:effectRef>
-          <a:fontRef idx="minor">
-            <a:schemeClr val="dk1"/>
-          </a:fontRef>
-        </p:style>
-        <p:txBody>
-          <a:bodyPr rtlCol="0" anchor="ctr"/>
-          <a:lstStyle/>
-          <a:p>
-            <a:pPr algn="ctr"/>
-            <a:r>
-              <a:rPr lang="en-US" dirty="0" smtClean="0"/>
-              <a:t>2</a:t>
-            </a:r>
-            <a:endParaRPr lang="en-US" dirty="0"/>
-          </a:p>
-        </p:txBody>
-      </p:sp>
-      <p:sp>
-        <p:nvSpPr>
-          <p:cNvPr id="17" name="Oval 16"/>
-          <p:cNvSpPr/>
-          <p:nvPr/>
-        </p:nvSpPr>
-        <p:spPr>
-          <a:xfrm>
-            <a:off x="3431060" y="2977886"/>
-            <a:ext cx="469557" cy="500591"/>
-          </a:xfrm>
-          <a:prstGeom prst="ellipse">
-            <a:avLst/>
-          </a:prstGeom>
-        </p:spPr>
-        <p:style>
-          <a:lnRef idx="2">
-            <a:schemeClr val="dk1"/>
-          </a:lnRef>
-          <a:fillRef idx="1">
-            <a:schemeClr val="lt1"/>
-          </a:fillRef>
-          <a:effectRef idx="0">
-            <a:schemeClr val="dk1"/>
-          </a:effectRef>
-          <a:fontRef idx="minor">
-            <a:schemeClr val="dk1"/>
-          </a:fontRef>
-        </p:style>
-        <p:txBody>
-          <a:bodyPr rtlCol="0" anchor="ctr"/>
-          <a:lstStyle/>
-          <a:p>
-            <a:pPr algn="ctr"/>
-            <a:r>
-              <a:rPr lang="en-US" dirty="0" smtClean="0"/>
-              <a:t>3</a:t>
-            </a:r>
-            <a:endParaRPr lang="en-US" dirty="0"/>
-          </a:p>
-        </p:txBody>
-      </p:sp>
-      <p:sp>
-        <p:nvSpPr>
-          <p:cNvPr id="18" name="Oval 17"/>
-          <p:cNvSpPr/>
-          <p:nvPr/>
-        </p:nvSpPr>
-        <p:spPr>
-          <a:xfrm>
-            <a:off x="3233351" y="3665176"/>
-            <a:ext cx="469557" cy="500591"/>
-          </a:xfrm>
-          <a:prstGeom prst="ellipse">
-            <a:avLst/>
-          </a:prstGeom>
-        </p:spPr>
-        <p:style>
-          <a:lnRef idx="2">
-            <a:schemeClr val="dk1"/>
-          </a:lnRef>
-          <a:fillRef idx="1">
-            <a:schemeClr val="lt1"/>
-          </a:fillRef>
-          <a:effectRef idx="0">
-            <a:schemeClr val="dk1"/>
-          </a:effectRef>
-          <a:fontRef idx="minor">
-            <a:schemeClr val="dk1"/>
-          </a:fontRef>
-        </p:style>
-        <p:txBody>
-          <a:bodyPr rtlCol="0" anchor="ctr"/>
-          <a:lstStyle/>
-          <a:p>
-            <a:pPr algn="ctr"/>
-            <a:r>
-              <a:rPr lang="en-US" dirty="0" smtClean="0"/>
-              <a:t>4</a:t>
-            </a:r>
-            <a:endParaRPr lang="en-US" dirty="0"/>
-          </a:p>
-        </p:txBody>
-      </p:sp>
-      <p:sp>
-        <p:nvSpPr>
-          <p:cNvPr id="19" name="Oval 18"/>
-          <p:cNvSpPr/>
-          <p:nvPr/>
-        </p:nvSpPr>
-        <p:spPr>
-          <a:xfrm>
-            <a:off x="2883243" y="4353542"/>
-            <a:ext cx="469557" cy="500591"/>
-          </a:xfrm>
-          <a:prstGeom prst="ellipse">
-            <a:avLst/>
-          </a:prstGeom>
-        </p:spPr>
-        <p:style>
-          <a:lnRef idx="2">
-            <a:schemeClr val="dk1"/>
-          </a:lnRef>
-          <a:fillRef idx="1">
-            <a:schemeClr val="lt1"/>
-          </a:fillRef>
-          <a:effectRef idx="0">
-            <a:schemeClr val="dk1"/>
-          </a:effectRef>
-          <a:fontRef idx="minor">
-            <a:schemeClr val="dk1"/>
-          </a:fontRef>
-        </p:style>
-        <p:txBody>
-          <a:bodyPr rtlCol="0" anchor="ctr"/>
-          <a:lstStyle/>
-          <a:p>
-            <a:pPr algn="ctr"/>
-            <a:r>
-              <a:rPr lang="en-US" dirty="0" smtClean="0"/>
-              <a:t>5</a:t>
-            </a:r>
-            <a:endParaRPr lang="en-US" dirty="0"/>
-          </a:p>
-        </p:txBody>
-      </p:sp>
       <p:pic>
         <p:nvPicPr>
           <p:cNvPr id="20" name="Picture 19"/>
@@ -5809,6 +5338,119 @@
               <a:t>2</a:t>
             </a:fld>
             <a:endParaRPr lang="en-US"/>
+          </a:p>
+        </p:txBody>
+      </p:sp>
+      <p:sp>
+        <p:nvSpPr>
+          <p:cNvPr id="3" name="TextBox 2"/>
+          <p:cNvSpPr txBox="1"/>
+          <p:nvPr/>
+        </p:nvSpPr>
+        <p:spPr>
+          <a:xfrm>
+            <a:off x="2527313" y="1005840"/>
+            <a:ext cx="7134272" cy="2631490"/>
+          </a:xfrm>
+          <a:prstGeom prst="rect">
+            <a:avLst/>
+          </a:prstGeom>
+          <a:noFill/>
+        </p:spPr>
+        <p:txBody>
+          <a:bodyPr wrap="square" rtlCol="0">
+            <a:spAutoFit/>
+          </a:bodyPr>
+          <a:lstStyle/>
+          <a:p>
+            <a:pPr marL="514350" indent="-514350">
+              <a:lnSpc>
+                <a:spcPct val="150000"/>
+              </a:lnSpc>
+              <a:buFont typeface="+mj-lt"/>
+              <a:buAutoNum type="romanUcPeriod"/>
+            </a:pPr>
+            <a:r>
+              <a:rPr lang="en-US" sz="2200" dirty="0" smtClean="0">
+                <a:latin typeface="Times New Roman" panose="02020603050405020304" pitchFamily="18" charset="0"/>
+                <a:ea typeface="Tahoma" panose="020B0604030504040204" pitchFamily="34" charset="0"/>
+                <a:cs typeface="Times New Roman" panose="02020603050405020304" pitchFamily="18" charset="0"/>
+              </a:rPr>
+              <a:t>Lý do chọn đề tài, mục đích nghiên cứu</a:t>
+            </a:r>
+          </a:p>
+          <a:p>
+            <a:pPr marL="514350" indent="-514350">
+              <a:lnSpc>
+                <a:spcPct val="150000"/>
+              </a:lnSpc>
+              <a:buFont typeface="+mj-lt"/>
+              <a:buAutoNum type="romanUcPeriod"/>
+            </a:pPr>
+            <a:r>
+              <a:rPr lang="en-US" sz="2200" dirty="0" smtClean="0">
+                <a:latin typeface="Times New Roman" panose="02020603050405020304" pitchFamily="18" charset="0"/>
+                <a:ea typeface="Tahoma" panose="020B0604030504040204" pitchFamily="34" charset="0"/>
+                <a:cs typeface="Times New Roman" panose="02020603050405020304" pitchFamily="18" charset="0"/>
+              </a:rPr>
+              <a:t>Công nghệ và công cụ thực hiện đề tài</a:t>
+            </a:r>
+          </a:p>
+          <a:p>
+            <a:pPr marL="514350" indent="-514350">
+              <a:lnSpc>
+                <a:spcPct val="150000"/>
+              </a:lnSpc>
+              <a:buFont typeface="+mj-lt"/>
+              <a:buAutoNum type="romanUcPeriod"/>
+            </a:pPr>
+            <a:r>
+              <a:rPr lang="en-US" sz="2200" dirty="0" smtClean="0">
+                <a:latin typeface="Times New Roman" panose="02020603050405020304" pitchFamily="18" charset="0"/>
+                <a:ea typeface="Tahoma" panose="020B0604030504040204" pitchFamily="34" charset="0"/>
+                <a:cs typeface="Times New Roman" panose="02020603050405020304" pitchFamily="18" charset="0"/>
+              </a:rPr>
+              <a:t>Phân tích thiết kế hệ thống</a:t>
+            </a:r>
+          </a:p>
+          <a:p>
+            <a:pPr marL="514350" indent="-514350">
+              <a:lnSpc>
+                <a:spcPct val="150000"/>
+              </a:lnSpc>
+              <a:buFont typeface="+mj-lt"/>
+              <a:buAutoNum type="romanUcPeriod"/>
+            </a:pPr>
+            <a:r>
+              <a:rPr lang="en-US" sz="2200" dirty="0" smtClean="0">
+                <a:latin typeface="Times New Roman" panose="02020603050405020304" pitchFamily="18" charset="0"/>
+                <a:ea typeface="Tahoma" panose="020B0604030504040204" pitchFamily="34" charset="0"/>
+                <a:cs typeface="Times New Roman" panose="02020603050405020304" pitchFamily="18" charset="0"/>
+              </a:rPr>
+              <a:t>Kết quả chương trình</a:t>
+            </a:r>
+          </a:p>
+          <a:p>
+            <a:pPr marL="514350" indent="-514350">
+              <a:lnSpc>
+                <a:spcPct val="150000"/>
+              </a:lnSpc>
+              <a:buFont typeface="+mj-lt"/>
+              <a:buAutoNum type="romanUcPeriod"/>
+            </a:pPr>
+            <a:r>
+              <a:rPr lang="en-US" sz="2200" dirty="0" smtClean="0">
+                <a:latin typeface="Times New Roman" panose="02020603050405020304" pitchFamily="18" charset="0"/>
+                <a:ea typeface="Tahoma" panose="020B0604030504040204" pitchFamily="34" charset="0"/>
+                <a:cs typeface="Times New Roman" panose="02020603050405020304" pitchFamily="18" charset="0"/>
+              </a:rPr>
+              <a:t>Tổng kết</a:t>
+            </a:r>
+            <a:endParaRPr lang="en-US" sz="2200" dirty="0">
+              <a:latin typeface="Times New Roman" panose="02020603050405020304" pitchFamily="18" charset="0"/>
+              <a:ea typeface="Tahoma" panose="020B0604030504040204" pitchFamily="34" charset="0"/>
+              <a:cs typeface="Times New Roman" panose="02020603050405020304" pitchFamily="18" charset="0"/>
+            </a:endParaRPr>
           </a:p>
         </p:txBody>
       </p:sp>
